--- a/doc/Todo.pptx
+++ b/doc/Todo.pptx
@@ -9,6 +9,8 @@
     <p:sldId id="257" r:id="rId3"/>
     <p:sldId id="259" r:id="rId4"/>
     <p:sldId id="260" r:id="rId5"/>
+    <p:sldId id="261" r:id="rId6"/>
+    <p:sldId id="263" r:id="rId7"/>
   </p:sldIdLst>
   <p:sldSz cx="12192000" cy="6858000"/>
   <p:notesSz cx="6858000" cy="9144000"/>
@@ -107,6 +109,11 @@
       </a:defRPr>
     </a:lvl9pPr>
   </p:defaultTextStyle>
+  <p:extLst>
+    <p:ext uri="{EFAFB233-063F-42B5-8137-9DF3F51BA10A}">
+      <p15:sldGuideLst xmlns:p15="http://schemas.microsoft.com/office/powerpoint/2012/main"/>
+    </p:ext>
+  </p:extLst>
 </p:presentation>
 </file>
 
@@ -257,7 +264,7 @@
           <a:p>
             <a:fld id="{2C237B7F-46F1-D640-8998-AC68C5BC49AA}" type="datetimeFigureOut">
               <a:rPr kumimoji="1" lang="ja-JP" altLang="en-US" smtClean="0"/>
-              <a:t>2023/10/20</a:t>
+              <a:t>2023/10/23</a:t>
             </a:fld>
             <a:endParaRPr kumimoji="1" lang="ja-JP" altLang="en-US"/>
           </a:p>
@@ -487,7 +494,7 @@
           <a:p>
             <a:fld id="{2C237B7F-46F1-D640-8998-AC68C5BC49AA}" type="datetimeFigureOut">
               <a:rPr kumimoji="1" lang="ja-JP" altLang="en-US" smtClean="0"/>
-              <a:t>2023/10/20</a:t>
+              <a:t>2023/10/23</a:t>
             </a:fld>
             <a:endParaRPr kumimoji="1" lang="ja-JP" altLang="en-US"/>
           </a:p>
@@ -727,7 +734,7 @@
           <a:p>
             <a:fld id="{2C237B7F-46F1-D640-8998-AC68C5BC49AA}" type="datetimeFigureOut">
               <a:rPr kumimoji="1" lang="ja-JP" altLang="en-US" smtClean="0"/>
-              <a:t>2023/10/20</a:t>
+              <a:t>2023/10/23</a:t>
             </a:fld>
             <a:endParaRPr kumimoji="1" lang="ja-JP" altLang="en-US"/>
           </a:p>
@@ -957,7 +964,7 @@
           <a:p>
             <a:fld id="{2C237B7F-46F1-D640-8998-AC68C5BC49AA}" type="datetimeFigureOut">
               <a:rPr kumimoji="1" lang="ja-JP" altLang="en-US" smtClean="0"/>
-              <a:t>2023/10/20</a:t>
+              <a:t>2023/10/23</a:t>
             </a:fld>
             <a:endParaRPr kumimoji="1" lang="ja-JP" altLang="en-US"/>
           </a:p>
@@ -1232,7 +1239,7 @@
           <a:p>
             <a:fld id="{2C237B7F-46F1-D640-8998-AC68C5BC49AA}" type="datetimeFigureOut">
               <a:rPr kumimoji="1" lang="ja-JP" altLang="en-US" smtClean="0"/>
-              <a:t>2023/10/20</a:t>
+              <a:t>2023/10/23</a:t>
             </a:fld>
             <a:endParaRPr kumimoji="1" lang="ja-JP" altLang="en-US"/>
           </a:p>
@@ -1561,7 +1568,7 @@
           <a:p>
             <a:fld id="{2C237B7F-46F1-D640-8998-AC68C5BC49AA}" type="datetimeFigureOut">
               <a:rPr kumimoji="1" lang="ja-JP" altLang="en-US" smtClean="0"/>
-              <a:t>2023/10/20</a:t>
+              <a:t>2023/10/23</a:t>
             </a:fld>
             <a:endParaRPr kumimoji="1" lang="ja-JP" altLang="en-US"/>
           </a:p>
@@ -2037,7 +2044,7 @@
           <a:p>
             <a:fld id="{2C237B7F-46F1-D640-8998-AC68C5BC49AA}" type="datetimeFigureOut">
               <a:rPr kumimoji="1" lang="ja-JP" altLang="en-US" smtClean="0"/>
-              <a:t>2023/10/20</a:t>
+              <a:t>2023/10/23</a:t>
             </a:fld>
             <a:endParaRPr kumimoji="1" lang="ja-JP" altLang="en-US"/>
           </a:p>
@@ -2178,7 +2185,7 @@
           <a:p>
             <a:fld id="{2C237B7F-46F1-D640-8998-AC68C5BC49AA}" type="datetimeFigureOut">
               <a:rPr kumimoji="1" lang="ja-JP" altLang="en-US" smtClean="0"/>
-              <a:t>2023/10/20</a:t>
+              <a:t>2023/10/23</a:t>
             </a:fld>
             <a:endParaRPr kumimoji="1" lang="ja-JP" altLang="en-US"/>
           </a:p>
@@ -2291,7 +2298,7 @@
           <a:p>
             <a:fld id="{2C237B7F-46F1-D640-8998-AC68C5BC49AA}" type="datetimeFigureOut">
               <a:rPr kumimoji="1" lang="ja-JP" altLang="en-US" smtClean="0"/>
-              <a:t>2023/10/20</a:t>
+              <a:t>2023/10/23</a:t>
             </a:fld>
             <a:endParaRPr kumimoji="1" lang="ja-JP" altLang="en-US"/>
           </a:p>
@@ -2634,7 +2641,7 @@
           <a:p>
             <a:fld id="{2C237B7F-46F1-D640-8998-AC68C5BC49AA}" type="datetimeFigureOut">
               <a:rPr kumimoji="1" lang="ja-JP" altLang="en-US" smtClean="0"/>
-              <a:t>2023/10/20</a:t>
+              <a:t>2023/10/23</a:t>
             </a:fld>
             <a:endParaRPr kumimoji="1" lang="ja-JP" altLang="en-US"/>
           </a:p>
@@ -2922,7 +2929,7 @@
           <a:p>
             <a:fld id="{2C237B7F-46F1-D640-8998-AC68C5BC49AA}" type="datetimeFigureOut">
               <a:rPr kumimoji="1" lang="ja-JP" altLang="en-US" smtClean="0"/>
-              <a:t>2023/10/20</a:t>
+              <a:t>2023/10/23</a:t>
             </a:fld>
             <a:endParaRPr kumimoji="1" lang="ja-JP" altLang="en-US"/>
           </a:p>
@@ -3195,7 +3202,7 @@
           <a:p>
             <a:fld id="{2C237B7F-46F1-D640-8998-AC68C5BC49AA}" type="datetimeFigureOut">
               <a:rPr kumimoji="1" lang="ja-JP" altLang="en-US" smtClean="0"/>
-              <a:t>2023/10/20</a:t>
+              <a:t>2023/10/23</a:t>
             </a:fld>
             <a:endParaRPr kumimoji="1" lang="ja-JP" altLang="en-US"/>
           </a:p>
@@ -6067,6 +6074,780 @@
 </p:sld>
 </file>
 
+<file path=ppt/slides/slide5.xml><?xml version="1.0" encoding="utf-8"?>
+<p:sld xmlns:a="http://schemas.openxmlformats.org/drawingml/2006/main" xmlns:r="http://schemas.openxmlformats.org/officeDocument/2006/relationships" xmlns:p="http://schemas.openxmlformats.org/presentationml/2006/main">
+  <p:cSld>
+    <p:spTree>
+      <p:nvGrpSpPr>
+        <p:cNvPr id="1" name=""/>
+        <p:cNvGrpSpPr/>
+        <p:nvPr/>
+      </p:nvGrpSpPr>
+      <p:grpSpPr>
+        <a:xfrm>
+          <a:off x="0" y="0"/>
+          <a:ext cx="0" cy="0"/>
+          <a:chOff x="0" y="0"/>
+          <a:chExt cx="0" cy="0"/>
+        </a:xfrm>
+      </p:grpSpPr>
+      <p:sp>
+        <p:nvSpPr>
+          <p:cNvPr id="4" name="正方形/長方形 3">
+            <a:extLst>
+              <a:ext uri="{FF2B5EF4-FFF2-40B4-BE49-F238E27FC236}">
+                <a16:creationId xmlns:a16="http://schemas.microsoft.com/office/drawing/2014/main" id="{D9DE8410-543C-CC39-A5BE-99EE933A1849}"/>
+              </a:ext>
+            </a:extLst>
+          </p:cNvPr>
+          <p:cNvSpPr/>
+          <p:nvPr/>
+        </p:nvSpPr>
+        <p:spPr>
+          <a:xfrm>
+            <a:off x="0" y="0"/>
+            <a:ext cx="12192000" cy="827314"/>
+          </a:xfrm>
+          <a:prstGeom prst="rect">
+            <a:avLst/>
+          </a:prstGeom>
+        </p:spPr>
+        <p:style>
+          <a:lnRef idx="2">
+            <a:schemeClr val="accent1">
+              <a:shade val="15000"/>
+            </a:schemeClr>
+          </a:lnRef>
+          <a:fillRef idx="1">
+            <a:schemeClr val="accent1"/>
+          </a:fillRef>
+          <a:effectRef idx="0">
+            <a:schemeClr val="accent1"/>
+          </a:effectRef>
+          <a:fontRef idx="minor">
+            <a:schemeClr val="lt1"/>
+          </a:fontRef>
+        </p:style>
+        <p:txBody>
+          <a:bodyPr rtlCol="0" anchor="ctr"/>
+          <a:lstStyle/>
+          <a:p>
+            <a:pPr algn="ctr"/>
+            <a:r>
+              <a:rPr kumimoji="1" lang="ja-JP" altLang="en-US"/>
+              <a:t>グループ</a:t>
+            </a:r>
+          </a:p>
+        </p:txBody>
+      </p:sp>
+      <p:sp>
+        <p:nvSpPr>
+          <p:cNvPr id="5" name="角丸四角形 4">
+            <a:extLst>
+              <a:ext uri="{FF2B5EF4-FFF2-40B4-BE49-F238E27FC236}">
+                <a16:creationId xmlns:a16="http://schemas.microsoft.com/office/drawing/2014/main" id="{47413CE2-90A6-6A17-FB60-367DA9C8FE1D}"/>
+              </a:ext>
+            </a:extLst>
+          </p:cNvPr>
+          <p:cNvSpPr/>
+          <p:nvPr/>
+        </p:nvSpPr>
+        <p:spPr>
+          <a:xfrm>
+            <a:off x="8534399" y="1164771"/>
+            <a:ext cx="1643743" cy="598714"/>
+          </a:xfrm>
+          <a:prstGeom prst="roundRect">
+            <a:avLst/>
+          </a:prstGeom>
+          <a:solidFill>
+            <a:schemeClr val="accent2"/>
+          </a:solidFill>
+        </p:spPr>
+        <p:style>
+          <a:lnRef idx="2">
+            <a:schemeClr val="accent1">
+              <a:shade val="15000"/>
+            </a:schemeClr>
+          </a:lnRef>
+          <a:fillRef idx="1">
+            <a:schemeClr val="accent1"/>
+          </a:fillRef>
+          <a:effectRef idx="0">
+            <a:schemeClr val="accent1"/>
+          </a:effectRef>
+          <a:fontRef idx="minor">
+            <a:schemeClr val="lt1"/>
+          </a:fontRef>
+        </p:style>
+        <p:txBody>
+          <a:bodyPr rtlCol="0" anchor="ctr"/>
+          <a:lstStyle/>
+          <a:p>
+            <a:pPr algn="ctr"/>
+            <a:r>
+              <a:rPr kumimoji="1" lang="ja-JP" altLang="en-US"/>
+              <a:t>ソートボタン</a:t>
+            </a:r>
+          </a:p>
+        </p:txBody>
+      </p:sp>
+      <p:sp>
+        <p:nvSpPr>
+          <p:cNvPr id="7" name="角丸四角形 6">
+            <a:extLst>
+              <a:ext uri="{FF2B5EF4-FFF2-40B4-BE49-F238E27FC236}">
+                <a16:creationId xmlns:a16="http://schemas.microsoft.com/office/drawing/2014/main" id="{4A5BD9B5-9875-2527-EB21-935520A43A84}"/>
+              </a:ext>
+            </a:extLst>
+          </p:cNvPr>
+          <p:cNvSpPr/>
+          <p:nvPr/>
+        </p:nvSpPr>
+        <p:spPr>
+          <a:xfrm>
+            <a:off x="10395857" y="114300"/>
+            <a:ext cx="1611085" cy="598714"/>
+          </a:xfrm>
+          <a:prstGeom prst="roundRect">
+            <a:avLst/>
+          </a:prstGeom>
+          <a:solidFill>
+            <a:schemeClr val="accent2"/>
+          </a:solidFill>
+        </p:spPr>
+        <p:style>
+          <a:lnRef idx="2">
+            <a:schemeClr val="accent1">
+              <a:shade val="15000"/>
+            </a:schemeClr>
+          </a:lnRef>
+          <a:fillRef idx="1">
+            <a:schemeClr val="accent1"/>
+          </a:fillRef>
+          <a:effectRef idx="0">
+            <a:schemeClr val="accent1"/>
+          </a:effectRef>
+          <a:fontRef idx="minor">
+            <a:schemeClr val="lt1"/>
+          </a:fontRef>
+        </p:style>
+        <p:txBody>
+          <a:bodyPr rtlCol="0" anchor="ctr"/>
+          <a:lstStyle/>
+          <a:p>
+            <a:pPr algn="ctr"/>
+            <a:r>
+              <a:rPr kumimoji="1" lang="ja-JP" altLang="en-US"/>
+              <a:t>ログアウト</a:t>
+            </a:r>
+          </a:p>
+        </p:txBody>
+      </p:sp>
+      <p:sp>
+        <p:nvSpPr>
+          <p:cNvPr id="8" name="テキスト ボックス 7">
+            <a:extLst>
+              <a:ext uri="{FF2B5EF4-FFF2-40B4-BE49-F238E27FC236}">
+                <a16:creationId xmlns:a16="http://schemas.microsoft.com/office/drawing/2014/main" id="{D451554F-0195-5E70-F8DC-08DB0EDF0976}"/>
+              </a:ext>
+            </a:extLst>
+          </p:cNvPr>
+          <p:cNvSpPr txBox="1"/>
+          <p:nvPr/>
+        </p:nvSpPr>
+        <p:spPr>
+          <a:xfrm>
+            <a:off x="10515600" y="1279462"/>
+            <a:ext cx="1338828" cy="369332"/>
+          </a:xfrm>
+          <a:prstGeom prst="rect">
+            <a:avLst/>
+          </a:prstGeom>
+          <a:noFill/>
+        </p:spPr>
+        <p:txBody>
+          <a:bodyPr wrap="none" rtlCol="0">
+            <a:spAutoFit/>
+          </a:bodyPr>
+          <a:lstStyle/>
+          <a:p>
+            <a:r>
+              <a:rPr kumimoji="1" lang="ja-JP" altLang="en-US"/>
+              <a:t>ソート型名</a:t>
+            </a:r>
+          </a:p>
+        </p:txBody>
+      </p:sp>
+      <p:sp>
+        <p:nvSpPr>
+          <p:cNvPr id="9" name="角丸四角形 8">
+            <a:extLst>
+              <a:ext uri="{FF2B5EF4-FFF2-40B4-BE49-F238E27FC236}">
+                <a16:creationId xmlns:a16="http://schemas.microsoft.com/office/drawing/2014/main" id="{CD393DA7-DFFD-3E33-BD81-CF479E4B14AA}"/>
+              </a:ext>
+            </a:extLst>
+          </p:cNvPr>
+          <p:cNvSpPr/>
+          <p:nvPr/>
+        </p:nvSpPr>
+        <p:spPr>
+          <a:xfrm>
+            <a:off x="272142" y="2100943"/>
+            <a:ext cx="5475515" cy="1328057"/>
+          </a:xfrm>
+          <a:prstGeom prst="roundRect">
+            <a:avLst/>
+          </a:prstGeom>
+        </p:spPr>
+        <p:style>
+          <a:lnRef idx="2">
+            <a:schemeClr val="accent1">
+              <a:shade val="15000"/>
+            </a:schemeClr>
+          </a:lnRef>
+          <a:fillRef idx="1">
+            <a:schemeClr val="accent1"/>
+          </a:fillRef>
+          <a:effectRef idx="0">
+            <a:schemeClr val="accent1"/>
+          </a:effectRef>
+          <a:fontRef idx="minor">
+            <a:schemeClr val="lt1"/>
+          </a:fontRef>
+        </p:style>
+        <p:txBody>
+          <a:bodyPr rtlCol="0" anchor="ctr"/>
+          <a:lstStyle/>
+          <a:p>
+            <a:endParaRPr kumimoji="1" lang="en-US" altLang="ja-JP" dirty="0"/>
+          </a:p>
+          <a:p>
+            <a:endParaRPr lang="en-US" altLang="ja-JP" dirty="0"/>
+          </a:p>
+          <a:p>
+            <a:r>
+              <a:rPr kumimoji="1" lang="ja-JP" altLang="en-US"/>
+              <a:t>グループ名</a:t>
+            </a:r>
+            <a:endParaRPr kumimoji="1" lang="en-US" altLang="ja-JP" dirty="0"/>
+          </a:p>
+          <a:p>
+            <a:r>
+              <a:rPr kumimoji="1" lang="ja-JP" altLang="en-US"/>
+              <a:t>最新</a:t>
+            </a:r>
+            <a:r>
+              <a:rPr lang="ja-JP" altLang="en-US"/>
+              <a:t>更新</a:t>
+            </a:r>
+            <a:r>
+              <a:rPr lang="en-US" altLang="ja-JP" dirty="0"/>
+              <a:t>Todo			</a:t>
+            </a:r>
+            <a:r>
+              <a:rPr lang="ja-JP" altLang="en-US"/>
+              <a:t>時刻</a:t>
+            </a:r>
+            <a:r>
+              <a:rPr lang="en-US" altLang="ja-JP" dirty="0"/>
+              <a:t>					</a:t>
+            </a:r>
+            <a:r>
+              <a:rPr lang="ja-JP" altLang="en-US"/>
+              <a:t>作成者</a:t>
+            </a:r>
+            <a:r>
+              <a:rPr lang="en-US" altLang="ja-JP" dirty="0"/>
+              <a:t>			</a:t>
+            </a:r>
+            <a:endParaRPr kumimoji="1" lang="ja-JP" altLang="en-US"/>
+          </a:p>
+        </p:txBody>
+      </p:sp>
+      <p:sp>
+        <p:nvSpPr>
+          <p:cNvPr id="10" name="テキスト ボックス 9">
+            <a:extLst>
+              <a:ext uri="{FF2B5EF4-FFF2-40B4-BE49-F238E27FC236}">
+                <a16:creationId xmlns:a16="http://schemas.microsoft.com/office/drawing/2014/main" id="{0F36965D-C25C-6DE4-F408-37A7E4EDEBDE}"/>
+              </a:ext>
+            </a:extLst>
+          </p:cNvPr>
+          <p:cNvSpPr txBox="1"/>
+          <p:nvPr/>
+        </p:nvSpPr>
+        <p:spPr>
+          <a:xfrm>
+            <a:off x="337572" y="1464128"/>
+            <a:ext cx="952505" cy="369332"/>
+          </a:xfrm>
+          <a:prstGeom prst="rect">
+            <a:avLst/>
+          </a:prstGeom>
+          <a:noFill/>
+        </p:spPr>
+        <p:txBody>
+          <a:bodyPr wrap="none" rtlCol="0">
+            <a:spAutoFit/>
+          </a:bodyPr>
+          <a:lstStyle/>
+          <a:p>
+            <a:r>
+              <a:rPr kumimoji="1" lang="en-US" altLang="ja-JP" dirty="0"/>
+              <a:t>Groups</a:t>
+            </a:r>
+            <a:endParaRPr kumimoji="1" lang="ja-JP" altLang="en-US"/>
+          </a:p>
+        </p:txBody>
+      </p:sp>
+    </p:spTree>
+    <p:extLst>
+      <p:ext uri="{BB962C8B-B14F-4D97-AF65-F5344CB8AC3E}">
+        <p14:creationId xmlns:p14="http://schemas.microsoft.com/office/powerpoint/2010/main" val="4234246160"/>
+      </p:ext>
+    </p:extLst>
+  </p:cSld>
+  <p:clrMapOvr>
+    <a:masterClrMapping/>
+  </p:clrMapOvr>
+</p:sld>
+</file>
+
+<file path=ppt/slides/slide6.xml><?xml version="1.0" encoding="utf-8"?>
+<p:sld xmlns:a="http://schemas.openxmlformats.org/drawingml/2006/main" xmlns:r="http://schemas.openxmlformats.org/officeDocument/2006/relationships" xmlns:p="http://schemas.openxmlformats.org/presentationml/2006/main">
+  <p:cSld>
+    <p:spTree>
+      <p:nvGrpSpPr>
+        <p:cNvPr id="1" name=""/>
+        <p:cNvGrpSpPr/>
+        <p:nvPr/>
+      </p:nvGrpSpPr>
+      <p:grpSpPr>
+        <a:xfrm>
+          <a:off x="0" y="0"/>
+          <a:ext cx="0" cy="0"/>
+          <a:chOff x="0" y="0"/>
+          <a:chExt cx="0" cy="0"/>
+        </a:xfrm>
+      </p:grpSpPr>
+      <p:sp>
+        <p:nvSpPr>
+          <p:cNvPr id="4" name="正方形/長方形 3">
+            <a:extLst>
+              <a:ext uri="{FF2B5EF4-FFF2-40B4-BE49-F238E27FC236}">
+                <a16:creationId xmlns:a16="http://schemas.microsoft.com/office/drawing/2014/main" id="{D9DE8410-543C-CC39-A5BE-99EE933A1849}"/>
+              </a:ext>
+            </a:extLst>
+          </p:cNvPr>
+          <p:cNvSpPr/>
+          <p:nvPr/>
+        </p:nvSpPr>
+        <p:spPr>
+          <a:xfrm>
+            <a:off x="0" y="0"/>
+            <a:ext cx="12192000" cy="827314"/>
+          </a:xfrm>
+          <a:prstGeom prst="rect">
+            <a:avLst/>
+          </a:prstGeom>
+        </p:spPr>
+        <p:style>
+          <a:lnRef idx="2">
+            <a:schemeClr val="accent1">
+              <a:shade val="15000"/>
+            </a:schemeClr>
+          </a:lnRef>
+          <a:fillRef idx="1">
+            <a:schemeClr val="accent1"/>
+          </a:fillRef>
+          <a:effectRef idx="0">
+            <a:schemeClr val="accent1"/>
+          </a:effectRef>
+          <a:fontRef idx="minor">
+            <a:schemeClr val="lt1"/>
+          </a:fontRef>
+        </p:style>
+        <p:txBody>
+          <a:bodyPr rtlCol="0" anchor="ctr"/>
+          <a:lstStyle/>
+          <a:p>
+            <a:pPr algn="ctr"/>
+            <a:r>
+              <a:rPr kumimoji="1" lang="ja-JP" altLang="en-US"/>
+              <a:t>グループ名</a:t>
+            </a:r>
+          </a:p>
+        </p:txBody>
+      </p:sp>
+      <p:sp>
+        <p:nvSpPr>
+          <p:cNvPr id="5" name="角丸四角形 4">
+            <a:extLst>
+              <a:ext uri="{FF2B5EF4-FFF2-40B4-BE49-F238E27FC236}">
+                <a16:creationId xmlns:a16="http://schemas.microsoft.com/office/drawing/2014/main" id="{47413CE2-90A6-6A17-FB60-367DA9C8FE1D}"/>
+              </a:ext>
+            </a:extLst>
+          </p:cNvPr>
+          <p:cNvSpPr/>
+          <p:nvPr/>
+        </p:nvSpPr>
+        <p:spPr>
+          <a:xfrm>
+            <a:off x="8567057" y="1110343"/>
+            <a:ext cx="1643743" cy="598714"/>
+          </a:xfrm>
+          <a:prstGeom prst="roundRect">
+            <a:avLst/>
+          </a:prstGeom>
+          <a:solidFill>
+            <a:schemeClr val="accent2"/>
+          </a:solidFill>
+        </p:spPr>
+        <p:style>
+          <a:lnRef idx="2">
+            <a:schemeClr val="accent1">
+              <a:shade val="15000"/>
+            </a:schemeClr>
+          </a:lnRef>
+          <a:fillRef idx="1">
+            <a:schemeClr val="accent1"/>
+          </a:fillRef>
+          <a:effectRef idx="0">
+            <a:schemeClr val="accent1"/>
+          </a:effectRef>
+          <a:fontRef idx="minor">
+            <a:schemeClr val="lt1"/>
+          </a:fontRef>
+        </p:style>
+        <p:txBody>
+          <a:bodyPr rtlCol="0" anchor="ctr"/>
+          <a:lstStyle/>
+          <a:p>
+            <a:pPr algn="ctr"/>
+            <a:r>
+              <a:rPr kumimoji="1" lang="ja-JP" altLang="en-US"/>
+              <a:t>ソートボタン</a:t>
+            </a:r>
+          </a:p>
+        </p:txBody>
+      </p:sp>
+      <p:sp>
+        <p:nvSpPr>
+          <p:cNvPr id="6" name="角丸四角形 5">
+            <a:extLst>
+              <a:ext uri="{FF2B5EF4-FFF2-40B4-BE49-F238E27FC236}">
+                <a16:creationId xmlns:a16="http://schemas.microsoft.com/office/drawing/2014/main" id="{F70F462E-0469-1CE6-00F3-D02BAFAA8A74}"/>
+              </a:ext>
+            </a:extLst>
+          </p:cNvPr>
+          <p:cNvSpPr/>
+          <p:nvPr/>
+        </p:nvSpPr>
+        <p:spPr>
+          <a:xfrm>
+            <a:off x="272142" y="70758"/>
+            <a:ext cx="1360714" cy="598714"/>
+          </a:xfrm>
+          <a:prstGeom prst="roundRect">
+            <a:avLst/>
+          </a:prstGeom>
+          <a:solidFill>
+            <a:schemeClr val="accent2"/>
+          </a:solidFill>
+        </p:spPr>
+        <p:style>
+          <a:lnRef idx="2">
+            <a:schemeClr val="accent1">
+              <a:shade val="15000"/>
+            </a:schemeClr>
+          </a:lnRef>
+          <a:fillRef idx="1">
+            <a:schemeClr val="accent1"/>
+          </a:fillRef>
+          <a:effectRef idx="0">
+            <a:schemeClr val="accent1"/>
+          </a:effectRef>
+          <a:fontRef idx="minor">
+            <a:schemeClr val="lt1"/>
+          </a:fontRef>
+        </p:style>
+        <p:txBody>
+          <a:bodyPr rtlCol="0" anchor="ctr"/>
+          <a:lstStyle/>
+          <a:p>
+            <a:pPr algn="ctr"/>
+            <a:r>
+              <a:rPr kumimoji="1" lang="ja-JP" altLang="en-US"/>
+              <a:t>戻る</a:t>
+            </a:r>
+          </a:p>
+        </p:txBody>
+      </p:sp>
+      <p:sp>
+        <p:nvSpPr>
+          <p:cNvPr id="7" name="角丸四角形 6">
+            <a:extLst>
+              <a:ext uri="{FF2B5EF4-FFF2-40B4-BE49-F238E27FC236}">
+                <a16:creationId xmlns:a16="http://schemas.microsoft.com/office/drawing/2014/main" id="{4A5BD9B5-9875-2527-EB21-935520A43A84}"/>
+              </a:ext>
+            </a:extLst>
+          </p:cNvPr>
+          <p:cNvSpPr/>
+          <p:nvPr/>
+        </p:nvSpPr>
+        <p:spPr>
+          <a:xfrm>
+            <a:off x="10395857" y="114300"/>
+            <a:ext cx="1611085" cy="598714"/>
+          </a:xfrm>
+          <a:prstGeom prst="roundRect">
+            <a:avLst/>
+          </a:prstGeom>
+          <a:solidFill>
+            <a:schemeClr val="accent2"/>
+          </a:solidFill>
+        </p:spPr>
+        <p:style>
+          <a:lnRef idx="2">
+            <a:schemeClr val="accent1">
+              <a:shade val="15000"/>
+            </a:schemeClr>
+          </a:lnRef>
+          <a:fillRef idx="1">
+            <a:schemeClr val="accent1"/>
+          </a:fillRef>
+          <a:effectRef idx="0">
+            <a:schemeClr val="accent1"/>
+          </a:effectRef>
+          <a:fontRef idx="minor">
+            <a:schemeClr val="lt1"/>
+          </a:fontRef>
+        </p:style>
+        <p:txBody>
+          <a:bodyPr rtlCol="0" anchor="ctr"/>
+          <a:lstStyle/>
+          <a:p>
+            <a:pPr algn="ctr"/>
+            <a:r>
+              <a:rPr kumimoji="1" lang="ja-JP" altLang="en-US"/>
+              <a:t>ログアウト</a:t>
+            </a:r>
+          </a:p>
+        </p:txBody>
+      </p:sp>
+      <p:sp>
+        <p:nvSpPr>
+          <p:cNvPr id="8" name="テキスト ボックス 7">
+            <a:extLst>
+              <a:ext uri="{FF2B5EF4-FFF2-40B4-BE49-F238E27FC236}">
+                <a16:creationId xmlns:a16="http://schemas.microsoft.com/office/drawing/2014/main" id="{D451554F-0195-5E70-F8DC-08DB0EDF0976}"/>
+              </a:ext>
+            </a:extLst>
+          </p:cNvPr>
+          <p:cNvSpPr txBox="1"/>
+          <p:nvPr/>
+        </p:nvSpPr>
+        <p:spPr>
+          <a:xfrm>
+            <a:off x="10210800" y="1339725"/>
+            <a:ext cx="1338828" cy="369332"/>
+          </a:xfrm>
+          <a:prstGeom prst="rect">
+            <a:avLst/>
+          </a:prstGeom>
+          <a:noFill/>
+        </p:spPr>
+        <p:txBody>
+          <a:bodyPr wrap="none" rtlCol="0">
+            <a:spAutoFit/>
+          </a:bodyPr>
+          <a:lstStyle/>
+          <a:p>
+            <a:r>
+              <a:rPr kumimoji="1" lang="ja-JP" altLang="en-US"/>
+              <a:t>ソート型名</a:t>
+            </a:r>
+          </a:p>
+        </p:txBody>
+      </p:sp>
+      <p:sp>
+        <p:nvSpPr>
+          <p:cNvPr id="9" name="角丸四角形 8">
+            <a:extLst>
+              <a:ext uri="{FF2B5EF4-FFF2-40B4-BE49-F238E27FC236}">
+                <a16:creationId xmlns:a16="http://schemas.microsoft.com/office/drawing/2014/main" id="{CD393DA7-DFFD-3E33-BD81-CF479E4B14AA}"/>
+              </a:ext>
+            </a:extLst>
+          </p:cNvPr>
+          <p:cNvSpPr/>
+          <p:nvPr/>
+        </p:nvSpPr>
+        <p:spPr>
+          <a:xfrm>
+            <a:off x="272142" y="2100943"/>
+            <a:ext cx="5475515" cy="1328057"/>
+          </a:xfrm>
+          <a:prstGeom prst="roundRect">
+            <a:avLst/>
+          </a:prstGeom>
+        </p:spPr>
+        <p:style>
+          <a:lnRef idx="2">
+            <a:schemeClr val="accent1">
+              <a:shade val="15000"/>
+            </a:schemeClr>
+          </a:lnRef>
+          <a:fillRef idx="1">
+            <a:schemeClr val="accent1"/>
+          </a:fillRef>
+          <a:effectRef idx="0">
+            <a:schemeClr val="accent1"/>
+          </a:effectRef>
+          <a:fontRef idx="minor">
+            <a:schemeClr val="lt1"/>
+          </a:fontRef>
+        </p:style>
+        <p:txBody>
+          <a:bodyPr rtlCol="0" anchor="ctr"/>
+          <a:lstStyle/>
+          <a:p>
+            <a:r>
+              <a:rPr kumimoji="1" lang="ja-JP" altLang="en-US"/>
+              <a:t>作成者</a:t>
+            </a:r>
+            <a:endParaRPr kumimoji="1" lang="en-US" altLang="ja-JP" dirty="0"/>
+          </a:p>
+          <a:p>
+            <a:r>
+              <a:rPr kumimoji="1" lang="ja-JP" altLang="en-US"/>
+              <a:t>最新</a:t>
+            </a:r>
+            <a:r>
+              <a:rPr lang="ja-JP" altLang="en-US"/>
+              <a:t>更新</a:t>
+            </a:r>
+            <a:r>
+              <a:rPr lang="en-US" altLang="ja-JP" dirty="0"/>
+              <a:t>Todo			</a:t>
+            </a:r>
+            <a:r>
+              <a:rPr lang="ja-JP" altLang="en-US"/>
+              <a:t>時刻</a:t>
+            </a:r>
+            <a:endParaRPr lang="en-US" altLang="ja-JP" dirty="0"/>
+          </a:p>
+          <a:p>
+            <a:r>
+              <a:rPr lang="ja-JP" altLang="en-US"/>
+              <a:t>　タグ名</a:t>
+            </a:r>
+            <a:r>
+              <a:rPr lang="en-US" altLang="ja-JP" dirty="0"/>
+              <a:t>			</a:t>
+            </a:r>
+            <a:endParaRPr kumimoji="1" lang="ja-JP" altLang="en-US"/>
+          </a:p>
+        </p:txBody>
+      </p:sp>
+      <p:sp>
+        <p:nvSpPr>
+          <p:cNvPr id="2" name="円/楕円 1">
+            <a:extLst>
+              <a:ext uri="{FF2B5EF4-FFF2-40B4-BE49-F238E27FC236}">
+                <a16:creationId xmlns:a16="http://schemas.microsoft.com/office/drawing/2014/main" id="{AC66EACD-68A8-215B-8284-E2D3EB98C605}"/>
+              </a:ext>
+            </a:extLst>
+          </p:cNvPr>
+          <p:cNvSpPr/>
+          <p:nvPr/>
+        </p:nvSpPr>
+        <p:spPr>
+          <a:xfrm>
+            <a:off x="348344" y="2939143"/>
+            <a:ext cx="293914" cy="326571"/>
+          </a:xfrm>
+          <a:prstGeom prst="ellipse">
+            <a:avLst/>
+          </a:prstGeom>
+          <a:solidFill>
+            <a:schemeClr val="accent2"/>
+          </a:solidFill>
+        </p:spPr>
+        <p:style>
+          <a:lnRef idx="2">
+            <a:schemeClr val="accent1">
+              <a:shade val="15000"/>
+            </a:schemeClr>
+          </a:lnRef>
+          <a:fillRef idx="1">
+            <a:schemeClr val="accent1"/>
+          </a:fillRef>
+          <a:effectRef idx="0">
+            <a:schemeClr val="accent1"/>
+          </a:effectRef>
+          <a:fontRef idx="minor">
+            <a:schemeClr val="lt1"/>
+          </a:fontRef>
+        </p:style>
+        <p:txBody>
+          <a:bodyPr rtlCol="0" anchor="ctr"/>
+          <a:lstStyle/>
+          <a:p>
+            <a:pPr algn="ctr"/>
+            <a:endParaRPr kumimoji="1" lang="ja-JP" altLang="en-US"/>
+          </a:p>
+        </p:txBody>
+      </p:sp>
+      <p:sp>
+        <p:nvSpPr>
+          <p:cNvPr id="3" name="テキスト ボックス 2">
+            <a:extLst>
+              <a:ext uri="{FF2B5EF4-FFF2-40B4-BE49-F238E27FC236}">
+                <a16:creationId xmlns:a16="http://schemas.microsoft.com/office/drawing/2014/main" id="{5A41D9A7-8C13-B861-8222-166396B62384}"/>
+              </a:ext>
+            </a:extLst>
+          </p:cNvPr>
+          <p:cNvSpPr txBox="1"/>
+          <p:nvPr/>
+        </p:nvSpPr>
+        <p:spPr>
+          <a:xfrm>
+            <a:off x="229224" y="1360714"/>
+            <a:ext cx="723275" cy="369332"/>
+          </a:xfrm>
+          <a:prstGeom prst="rect">
+            <a:avLst/>
+          </a:prstGeom>
+          <a:noFill/>
+        </p:spPr>
+        <p:txBody>
+          <a:bodyPr wrap="none" rtlCol="0">
+            <a:spAutoFit/>
+          </a:bodyPr>
+          <a:lstStyle/>
+          <a:p>
+            <a:r>
+              <a:rPr kumimoji="1" lang="en-US" altLang="ja-JP" dirty="0"/>
+              <a:t>Todo</a:t>
+            </a:r>
+            <a:endParaRPr kumimoji="1" lang="ja-JP" altLang="en-US"/>
+          </a:p>
+        </p:txBody>
+      </p:sp>
+    </p:spTree>
+    <p:extLst>
+      <p:ext uri="{BB962C8B-B14F-4D97-AF65-F5344CB8AC3E}">
+        <p14:creationId xmlns:p14="http://schemas.microsoft.com/office/powerpoint/2010/main" val="3203303162"/>
+      </p:ext>
+    </p:extLst>
+  </p:cSld>
+  <p:clrMapOvr>
+    <a:masterClrMapping/>
+  </p:clrMapOvr>
+</p:sld>
+</file>
+
 <file path=ppt/theme/theme1.xml><?xml version="1.0" encoding="utf-8"?>
 <a:theme xmlns:a="http://schemas.openxmlformats.org/drawingml/2006/main" name="Office テーマ">
   <a:themeElements>

--- a/doc/Todo.pptx
+++ b/doc/Todo.pptx
@@ -4578,7 +4578,7 @@
         <p:spPr>
           <a:xfrm>
             <a:off x="9940415" y="2191434"/>
-            <a:ext cx="829073" cy="646331"/>
+            <a:ext cx="1176925" cy="923330"/>
           </a:xfrm>
           <a:prstGeom prst="rect">
             <a:avLst/>
@@ -4610,6 +4610,17 @@
               <a:t>title</a:t>
             </a:r>
           </a:p>
+          <a:p>
+            <a:r>
+              <a:rPr lang="ja-JP" altLang="en-US"/>
+              <a:t>・</a:t>
+            </a:r>
+            <a:r>
+              <a:rPr lang="en-US" altLang="ja-JP" dirty="0" err="1"/>
+              <a:t>colorID</a:t>
+            </a:r>
+            <a:endParaRPr lang="en-US" altLang="ja-JP" dirty="0"/>
+          </a:p>
         </p:txBody>
       </p:sp>
       <p:sp>
@@ -4649,6 +4660,75 @@
               <a:t>AI</a:t>
             </a:r>
             <a:endParaRPr kumimoji="1" lang="ja-JP" altLang="en-US"/>
+          </a:p>
+        </p:txBody>
+      </p:sp>
+      <p:sp>
+        <p:nvSpPr>
+          <p:cNvPr id="2" name="テキスト ボックス 1">
+            <a:extLst>
+              <a:ext uri="{FF2B5EF4-FFF2-40B4-BE49-F238E27FC236}">
+                <a16:creationId xmlns:a16="http://schemas.microsoft.com/office/drawing/2014/main" id="{7336FF66-36B2-3840-A96A-36299BCD9DF6}"/>
+              </a:ext>
+            </a:extLst>
+          </p:cNvPr>
+          <p:cNvSpPr txBox="1"/>
+          <p:nvPr/>
+        </p:nvSpPr>
+        <p:spPr>
+          <a:xfrm>
+            <a:off x="9768811" y="3408678"/>
+            <a:ext cx="1800493" cy="1200329"/>
+          </a:xfrm>
+          <a:prstGeom prst="rect">
+            <a:avLst/>
+          </a:prstGeom>
+          <a:noFill/>
+        </p:spPr>
+        <p:txBody>
+          <a:bodyPr wrap="none" rtlCol="0">
+            <a:spAutoFit/>
+          </a:bodyPr>
+          <a:lstStyle/>
+          <a:p>
+            <a:r>
+              <a:rPr kumimoji="1" lang="ja-JP" altLang="en-US"/>
+              <a:t>カラーテーブル</a:t>
+            </a:r>
+            <a:endParaRPr kumimoji="1" lang="en-US" altLang="ja-JP" dirty="0"/>
+          </a:p>
+          <a:p>
+            <a:r>
+              <a:rPr lang="ja-JP" altLang="en-US"/>
+              <a:t>・</a:t>
+            </a:r>
+            <a:r>
+              <a:rPr lang="en-US" altLang="ja-JP" dirty="0" err="1"/>
+              <a:t>colorID</a:t>
+            </a:r>
+            <a:endParaRPr lang="en-US" altLang="ja-JP" dirty="0"/>
+          </a:p>
+          <a:p>
+            <a:r>
+              <a:rPr lang="ja-JP" altLang="en-US"/>
+              <a:t>・</a:t>
+            </a:r>
+            <a:r>
+              <a:rPr lang="en-US" altLang="ja-JP" dirty="0" err="1"/>
+              <a:t>colorName</a:t>
+            </a:r>
+            <a:endParaRPr lang="en-US" altLang="ja-JP" dirty="0"/>
+          </a:p>
+          <a:p>
+            <a:r>
+              <a:rPr lang="ja-JP" altLang="en-US"/>
+              <a:t>・</a:t>
+            </a:r>
+            <a:r>
+              <a:rPr lang="en-US" altLang="ja-JP" dirty="0" err="1"/>
+              <a:t>colorCode</a:t>
+            </a:r>
+            <a:endParaRPr lang="en-US" altLang="ja-JP" dirty="0"/>
           </a:p>
         </p:txBody>
       </p:sp>
@@ -6745,6 +6825,10 @@
             <a:r>
               <a:rPr lang="en-US" altLang="ja-JP" dirty="0"/>
               <a:t>			</a:t>
+            </a:r>
+            <a:r>
+              <a:rPr lang="ja-JP" altLang="en-US"/>
+              <a:t>完了フラグ</a:t>
             </a:r>
             <a:endParaRPr kumimoji="1" lang="ja-JP" altLang="en-US"/>
           </a:p>

--- a/doc/Todo.pptx
+++ b/doc/Todo.pptx
@@ -5,12 +5,15 @@
     <p:sldMasterId id="2147483648" r:id="rId1"/>
   </p:sldMasterIdLst>
   <p:sldIdLst>
-    <p:sldId id="256" r:id="rId2"/>
-    <p:sldId id="257" r:id="rId3"/>
-    <p:sldId id="259" r:id="rId4"/>
-    <p:sldId id="260" r:id="rId5"/>
-    <p:sldId id="261" r:id="rId6"/>
-    <p:sldId id="263" r:id="rId7"/>
+    <p:sldId id="260" r:id="rId2"/>
+    <p:sldId id="272" r:id="rId3"/>
+    <p:sldId id="264" r:id="rId4"/>
+    <p:sldId id="267" r:id="rId5"/>
+    <p:sldId id="270" r:id="rId6"/>
+    <p:sldId id="269" r:id="rId7"/>
+    <p:sldId id="268" r:id="rId8"/>
+    <p:sldId id="271" r:id="rId9"/>
+    <p:sldId id="266" r:id="rId10"/>
   </p:sldIdLst>
   <p:sldSz cx="12192000" cy="6858000"/>
   <p:notesSz cx="6858000" cy="9144000"/>
@@ -3621,10 +3624,289 @@
       </p:grpSpPr>
       <p:sp>
         <p:nvSpPr>
-          <p:cNvPr id="4" name="テキスト ボックス 3">
-            <a:extLst>
-              <a:ext uri="{FF2B5EF4-FFF2-40B4-BE49-F238E27FC236}">
-                <a16:creationId xmlns:a16="http://schemas.microsoft.com/office/drawing/2014/main" id="{FD4CD1D6-B756-A6B4-4D51-875199BE36C6}"/>
+          <p:cNvPr id="4" name="角丸四角形 3">
+            <a:extLst>
+              <a:ext uri="{FF2B5EF4-FFF2-40B4-BE49-F238E27FC236}">
+                <a16:creationId xmlns:a16="http://schemas.microsoft.com/office/drawing/2014/main" id="{94977F31-43DA-14BD-5069-A62CC7ED7CCD}"/>
+              </a:ext>
+            </a:extLst>
+          </p:cNvPr>
+          <p:cNvSpPr/>
+          <p:nvPr/>
+        </p:nvSpPr>
+        <p:spPr>
+          <a:xfrm>
+            <a:off x="696687" y="551543"/>
+            <a:ext cx="2148114" cy="1465943"/>
+          </a:xfrm>
+          <a:prstGeom prst="roundRect">
+            <a:avLst/>
+          </a:prstGeom>
+        </p:spPr>
+        <p:style>
+          <a:lnRef idx="2">
+            <a:schemeClr val="accent1">
+              <a:shade val="15000"/>
+            </a:schemeClr>
+          </a:lnRef>
+          <a:fillRef idx="1">
+            <a:schemeClr val="accent1"/>
+          </a:fillRef>
+          <a:effectRef idx="0">
+            <a:schemeClr val="accent1"/>
+          </a:effectRef>
+          <a:fontRef idx="minor">
+            <a:schemeClr val="lt1"/>
+          </a:fontRef>
+        </p:style>
+        <p:txBody>
+          <a:bodyPr rtlCol="0" anchor="ctr"/>
+          <a:lstStyle/>
+          <a:p>
+            <a:pPr algn="ctr"/>
+            <a:r>
+              <a:rPr kumimoji="1" lang="ja-JP" altLang="en-US"/>
+              <a:t>ログイン</a:t>
+            </a:r>
+          </a:p>
+        </p:txBody>
+      </p:sp>
+      <p:sp>
+        <p:nvSpPr>
+          <p:cNvPr id="6" name="角丸四角形 5">
+            <a:extLst>
+              <a:ext uri="{FF2B5EF4-FFF2-40B4-BE49-F238E27FC236}">
+                <a16:creationId xmlns:a16="http://schemas.microsoft.com/office/drawing/2014/main" id="{F92E03B1-C41D-393C-D47A-8D78A7174ED0}"/>
+              </a:ext>
+            </a:extLst>
+          </p:cNvPr>
+          <p:cNvSpPr/>
+          <p:nvPr/>
+        </p:nvSpPr>
+        <p:spPr>
+          <a:xfrm>
+            <a:off x="4800600" y="551542"/>
+            <a:ext cx="2590799" cy="1465943"/>
+          </a:xfrm>
+          <a:prstGeom prst="roundRect">
+            <a:avLst/>
+          </a:prstGeom>
+        </p:spPr>
+        <p:style>
+          <a:lnRef idx="2">
+            <a:schemeClr val="accent1">
+              <a:shade val="15000"/>
+            </a:schemeClr>
+          </a:lnRef>
+          <a:fillRef idx="1">
+            <a:schemeClr val="accent1"/>
+          </a:fillRef>
+          <a:effectRef idx="0">
+            <a:schemeClr val="accent1"/>
+          </a:effectRef>
+          <a:fontRef idx="minor">
+            <a:schemeClr val="lt1"/>
+          </a:fontRef>
+        </p:style>
+        <p:txBody>
+          <a:bodyPr rtlCol="0" anchor="ctr"/>
+          <a:lstStyle/>
+          <a:p>
+            <a:pPr algn="ctr"/>
+            <a:r>
+              <a:rPr kumimoji="1" lang="ja-JP" altLang="en-US"/>
+              <a:t>グループリスト</a:t>
+            </a:r>
+          </a:p>
+        </p:txBody>
+      </p:sp>
+      <p:sp>
+        <p:nvSpPr>
+          <p:cNvPr id="7" name="角丸四角形 6">
+            <a:extLst>
+              <a:ext uri="{FF2B5EF4-FFF2-40B4-BE49-F238E27FC236}">
+                <a16:creationId xmlns:a16="http://schemas.microsoft.com/office/drawing/2014/main" id="{F3177B1C-3935-E278-6B08-753F359D96C2}"/>
+              </a:ext>
+            </a:extLst>
+          </p:cNvPr>
+          <p:cNvSpPr/>
+          <p:nvPr/>
+        </p:nvSpPr>
+        <p:spPr>
+          <a:xfrm>
+            <a:off x="9144002" y="551543"/>
+            <a:ext cx="2148114" cy="1465943"/>
+          </a:xfrm>
+          <a:prstGeom prst="roundRect">
+            <a:avLst/>
+          </a:prstGeom>
+        </p:spPr>
+        <p:style>
+          <a:lnRef idx="2">
+            <a:schemeClr val="accent1">
+              <a:shade val="15000"/>
+            </a:schemeClr>
+          </a:lnRef>
+          <a:fillRef idx="1">
+            <a:schemeClr val="accent1"/>
+          </a:fillRef>
+          <a:effectRef idx="0">
+            <a:schemeClr val="accent1"/>
+          </a:effectRef>
+          <a:fontRef idx="minor">
+            <a:schemeClr val="lt1"/>
+          </a:fontRef>
+        </p:style>
+        <p:txBody>
+          <a:bodyPr rtlCol="0" anchor="ctr"/>
+          <a:lstStyle/>
+          <a:p>
+            <a:pPr algn="ctr"/>
+            <a:r>
+              <a:rPr kumimoji="1" lang="en-US" altLang="ja-JP" dirty="0"/>
+              <a:t>Todo</a:t>
+            </a:r>
+            <a:endParaRPr kumimoji="1" lang="ja-JP" altLang="en-US"/>
+          </a:p>
+        </p:txBody>
+      </p:sp>
+      <p:cxnSp>
+        <p:nvCxnSpPr>
+          <p:cNvPr id="9" name="直線矢印コネクタ 8">
+            <a:extLst>
+              <a:ext uri="{FF2B5EF4-FFF2-40B4-BE49-F238E27FC236}">
+                <a16:creationId xmlns:a16="http://schemas.microsoft.com/office/drawing/2014/main" id="{D8CE26F0-02BD-BE52-0B2A-E9C4683694E7}"/>
+              </a:ext>
+            </a:extLst>
+          </p:cNvPr>
+          <p:cNvCxnSpPr>
+            <a:cxnSpLocks/>
+            <a:stCxn id="4" idx="3"/>
+            <a:endCxn id="6" idx="1"/>
+          </p:cNvCxnSpPr>
+          <p:nvPr/>
+        </p:nvCxnSpPr>
+        <p:spPr>
+          <a:xfrm flipV="1">
+            <a:off x="2844801" y="1284514"/>
+            <a:ext cx="1955799" cy="1"/>
+          </a:xfrm>
+          <a:prstGeom prst="straightConnector1">
+            <a:avLst/>
+          </a:prstGeom>
+          <a:ln w="60325">
+            <a:tailEnd type="triangle"/>
+          </a:ln>
+        </p:spPr>
+        <p:style>
+          <a:lnRef idx="1">
+            <a:schemeClr val="accent1"/>
+          </a:lnRef>
+          <a:fillRef idx="0">
+            <a:schemeClr val="accent1"/>
+          </a:fillRef>
+          <a:effectRef idx="0">
+            <a:schemeClr val="accent1"/>
+          </a:effectRef>
+          <a:fontRef idx="minor">
+            <a:schemeClr val="tx1"/>
+          </a:fontRef>
+        </p:style>
+      </p:cxnSp>
+      <p:cxnSp>
+        <p:nvCxnSpPr>
+          <p:cNvPr id="10" name="直線矢印コネクタ 9">
+            <a:extLst>
+              <a:ext uri="{FF2B5EF4-FFF2-40B4-BE49-F238E27FC236}">
+                <a16:creationId xmlns:a16="http://schemas.microsoft.com/office/drawing/2014/main" id="{34707B68-0C0F-53C2-DB96-BD71DFB384C9}"/>
+              </a:ext>
+            </a:extLst>
+          </p:cNvPr>
+          <p:cNvCxnSpPr>
+            <a:cxnSpLocks/>
+            <a:stCxn id="6" idx="3"/>
+            <a:endCxn id="7" idx="1"/>
+          </p:cNvCxnSpPr>
+          <p:nvPr/>
+        </p:nvCxnSpPr>
+        <p:spPr>
+          <a:xfrm>
+            <a:off x="7391399" y="1284514"/>
+            <a:ext cx="1752603" cy="1"/>
+          </a:xfrm>
+          <a:prstGeom prst="straightConnector1">
+            <a:avLst/>
+          </a:prstGeom>
+          <a:ln w="60325">
+            <a:tailEnd type="triangle"/>
+          </a:ln>
+        </p:spPr>
+        <p:style>
+          <a:lnRef idx="1">
+            <a:schemeClr val="accent1"/>
+          </a:lnRef>
+          <a:fillRef idx="0">
+            <a:schemeClr val="accent1"/>
+          </a:fillRef>
+          <a:effectRef idx="0">
+            <a:schemeClr val="accent1"/>
+          </a:effectRef>
+          <a:fontRef idx="minor">
+            <a:schemeClr val="tx1"/>
+          </a:fontRef>
+        </p:style>
+      </p:cxnSp>
+      <p:cxnSp>
+        <p:nvCxnSpPr>
+          <p:cNvPr id="19" name="直線矢印コネクタ 18">
+            <a:extLst>
+              <a:ext uri="{FF2B5EF4-FFF2-40B4-BE49-F238E27FC236}">
+                <a16:creationId xmlns:a16="http://schemas.microsoft.com/office/drawing/2014/main" id="{82B5B267-97FD-D8DD-4327-0E30CF756D98}"/>
+              </a:ext>
+            </a:extLst>
+          </p:cNvPr>
+          <p:cNvCxnSpPr>
+            <a:cxnSpLocks/>
+            <a:stCxn id="7" idx="2"/>
+            <a:endCxn id="4" idx="2"/>
+          </p:cNvCxnSpPr>
+          <p:nvPr/>
+        </p:nvCxnSpPr>
+        <p:spPr>
+          <a:xfrm rot="5400000">
+            <a:off x="5994402" y="-2206171"/>
+            <a:ext cx="12700" cy="8447315"/>
+          </a:xfrm>
+          <a:prstGeom prst="bentConnector3">
+            <a:avLst>
+              <a:gd name="adj1" fmla="val 6600000"/>
+            </a:avLst>
+          </a:prstGeom>
+          <a:ln w="60325">
+            <a:tailEnd type="triangle"/>
+          </a:ln>
+        </p:spPr>
+        <p:style>
+          <a:lnRef idx="1">
+            <a:schemeClr val="accent1"/>
+          </a:lnRef>
+          <a:fillRef idx="0">
+            <a:schemeClr val="accent1"/>
+          </a:fillRef>
+          <a:effectRef idx="0">
+            <a:schemeClr val="accent1"/>
+          </a:effectRef>
+          <a:fontRef idx="minor">
+            <a:schemeClr val="tx1"/>
+          </a:fontRef>
+        </p:style>
+      </p:cxnSp>
+      <p:sp>
+        <p:nvSpPr>
+          <p:cNvPr id="29" name="テキスト ボックス 28">
+            <a:extLst>
+              <a:ext uri="{FF2B5EF4-FFF2-40B4-BE49-F238E27FC236}">
+                <a16:creationId xmlns:a16="http://schemas.microsoft.com/office/drawing/2014/main" id="{6B601109-81E1-3D08-B8D4-A8584EB1F2C5}"/>
               </a:ext>
             </a:extLst>
           </p:cNvPr>
@@ -3633,8 +3915,8 @@
         </p:nvSpPr>
         <p:spPr>
           <a:xfrm>
-            <a:off x="631371" y="435429"/>
-            <a:ext cx="1107996" cy="369332"/>
+            <a:off x="1912232" y="2273113"/>
+            <a:ext cx="1338828" cy="369332"/>
           </a:xfrm>
           <a:prstGeom prst="rect">
             <a:avLst/>
@@ -3649,17 +3931,299 @@
           <a:p>
             <a:r>
               <a:rPr kumimoji="1" lang="ja-JP" altLang="en-US"/>
-              <a:t>要件定義</a:t>
-            </a:r>
-          </a:p>
-        </p:txBody>
-      </p:sp>
-      <p:sp>
-        <p:nvSpPr>
-          <p:cNvPr id="5" name="テキスト ボックス 4">
-            <a:extLst>
-              <a:ext uri="{FF2B5EF4-FFF2-40B4-BE49-F238E27FC236}">
-                <a16:creationId xmlns:a16="http://schemas.microsoft.com/office/drawing/2014/main" id="{1A9B7172-8C88-2B3E-CC50-170A976F3CB2}"/>
+              <a:t>ログアウト</a:t>
+            </a:r>
+          </a:p>
+        </p:txBody>
+      </p:sp>
+      <p:sp>
+        <p:nvSpPr>
+          <p:cNvPr id="30" name="角丸四角形 29">
+            <a:extLst>
+              <a:ext uri="{FF2B5EF4-FFF2-40B4-BE49-F238E27FC236}">
+                <a16:creationId xmlns:a16="http://schemas.microsoft.com/office/drawing/2014/main" id="{8DCA3D2B-97ED-61C6-77D2-4841D259DEF9}"/>
+              </a:ext>
+            </a:extLst>
+          </p:cNvPr>
+          <p:cNvSpPr/>
+          <p:nvPr/>
+        </p:nvSpPr>
+        <p:spPr>
+          <a:xfrm>
+            <a:off x="419015" y="4840515"/>
+            <a:ext cx="2148114" cy="1465943"/>
+          </a:xfrm>
+          <a:prstGeom prst="roundRect">
+            <a:avLst/>
+          </a:prstGeom>
+        </p:spPr>
+        <p:style>
+          <a:lnRef idx="2">
+            <a:schemeClr val="accent1">
+              <a:shade val="15000"/>
+            </a:schemeClr>
+          </a:lnRef>
+          <a:fillRef idx="1">
+            <a:schemeClr val="accent1"/>
+          </a:fillRef>
+          <a:effectRef idx="0">
+            <a:schemeClr val="accent1"/>
+          </a:effectRef>
+          <a:fontRef idx="minor">
+            <a:schemeClr val="lt1"/>
+          </a:fontRef>
+        </p:style>
+        <p:txBody>
+          <a:bodyPr rtlCol="0" anchor="ctr"/>
+          <a:lstStyle/>
+          <a:p>
+            <a:pPr algn="ctr"/>
+            <a:r>
+              <a:rPr kumimoji="1" lang="ja-JP" altLang="en-US"/>
+              <a:t>ログイン</a:t>
+            </a:r>
+          </a:p>
+        </p:txBody>
+      </p:sp>
+      <p:cxnSp>
+        <p:nvCxnSpPr>
+          <p:cNvPr id="32" name="直線矢印コネクタ 31">
+            <a:extLst>
+              <a:ext uri="{FF2B5EF4-FFF2-40B4-BE49-F238E27FC236}">
+                <a16:creationId xmlns:a16="http://schemas.microsoft.com/office/drawing/2014/main" id="{F8DB6920-EEB3-B884-89F6-5EBCB43DB0A0}"/>
+              </a:ext>
+            </a:extLst>
+          </p:cNvPr>
+          <p:cNvCxnSpPr>
+            <a:cxnSpLocks/>
+            <a:stCxn id="30" idx="0"/>
+          </p:cNvCxnSpPr>
+          <p:nvPr/>
+        </p:nvCxnSpPr>
+        <p:spPr>
+          <a:xfrm flipH="1" flipV="1">
+            <a:off x="1448482" y="2011136"/>
+            <a:ext cx="44590" cy="2829379"/>
+          </a:xfrm>
+          <a:prstGeom prst="straightConnector1">
+            <a:avLst/>
+          </a:prstGeom>
+          <a:ln w="41275">
+            <a:headEnd type="triangle"/>
+            <a:tailEnd type="triangle"/>
+          </a:ln>
+        </p:spPr>
+        <p:style>
+          <a:lnRef idx="1">
+            <a:schemeClr val="accent1"/>
+          </a:lnRef>
+          <a:fillRef idx="0">
+            <a:schemeClr val="accent1"/>
+          </a:fillRef>
+          <a:effectRef idx="0">
+            <a:schemeClr val="accent1"/>
+          </a:effectRef>
+          <a:fontRef idx="minor">
+            <a:schemeClr val="tx1"/>
+          </a:fontRef>
+        </p:style>
+      </p:cxnSp>
+      <p:sp>
+        <p:nvSpPr>
+          <p:cNvPr id="33" name="角丸四角形 32">
+            <a:extLst>
+              <a:ext uri="{FF2B5EF4-FFF2-40B4-BE49-F238E27FC236}">
+                <a16:creationId xmlns:a16="http://schemas.microsoft.com/office/drawing/2014/main" id="{24583AD9-DE5F-2F2C-C562-E22A23D0C352}"/>
+              </a:ext>
+            </a:extLst>
+          </p:cNvPr>
+          <p:cNvSpPr/>
+          <p:nvPr/>
+        </p:nvSpPr>
+        <p:spPr>
+          <a:xfrm>
+            <a:off x="9150353" y="4840515"/>
+            <a:ext cx="2148114" cy="1465943"/>
+          </a:xfrm>
+          <a:prstGeom prst="roundRect">
+            <a:avLst/>
+          </a:prstGeom>
+        </p:spPr>
+        <p:style>
+          <a:lnRef idx="2">
+            <a:schemeClr val="accent1">
+              <a:shade val="15000"/>
+            </a:schemeClr>
+          </a:lnRef>
+          <a:fillRef idx="1">
+            <a:schemeClr val="accent1"/>
+          </a:fillRef>
+          <a:effectRef idx="0">
+            <a:schemeClr val="accent1"/>
+          </a:effectRef>
+          <a:fontRef idx="minor">
+            <a:schemeClr val="lt1"/>
+          </a:fontRef>
+        </p:style>
+        <p:txBody>
+          <a:bodyPr rtlCol="0" anchor="ctr"/>
+          <a:lstStyle/>
+          <a:p>
+            <a:pPr algn="ctr"/>
+            <a:r>
+              <a:rPr kumimoji="1" lang="en-US" altLang="ja-JP" dirty="0"/>
+              <a:t>TODO</a:t>
+            </a:r>
+            <a:br>
+              <a:rPr kumimoji="1" lang="en-US" altLang="ja-JP" dirty="0"/>
+            </a:br>
+            <a:r>
+              <a:rPr kumimoji="1" lang="en-US" altLang="ja-JP" dirty="0"/>
+              <a:t>CRUD</a:t>
+            </a:r>
+            <a:endParaRPr kumimoji="1" lang="ja-JP" altLang="en-US"/>
+          </a:p>
+        </p:txBody>
+      </p:sp>
+      <p:sp>
+        <p:nvSpPr>
+          <p:cNvPr id="36" name="角丸四角形 35">
+            <a:extLst>
+              <a:ext uri="{FF2B5EF4-FFF2-40B4-BE49-F238E27FC236}">
+                <a16:creationId xmlns:a16="http://schemas.microsoft.com/office/drawing/2014/main" id="{D0C060C8-9DCA-866A-27A8-709C3ABE7FE7}"/>
+              </a:ext>
+            </a:extLst>
+          </p:cNvPr>
+          <p:cNvSpPr/>
+          <p:nvPr/>
+        </p:nvSpPr>
+        <p:spPr>
+          <a:xfrm>
+            <a:off x="5426585" y="5109029"/>
+            <a:ext cx="2148114" cy="1465943"/>
+          </a:xfrm>
+          <a:prstGeom prst="roundRect">
+            <a:avLst/>
+          </a:prstGeom>
+        </p:spPr>
+        <p:style>
+          <a:lnRef idx="2">
+            <a:schemeClr val="accent1">
+              <a:shade val="15000"/>
+            </a:schemeClr>
+          </a:lnRef>
+          <a:fillRef idx="1">
+            <a:schemeClr val="accent1"/>
+          </a:fillRef>
+          <a:effectRef idx="0">
+            <a:schemeClr val="accent1"/>
+          </a:effectRef>
+          <a:fontRef idx="minor">
+            <a:schemeClr val="lt1"/>
+          </a:fontRef>
+        </p:style>
+        <p:txBody>
+          <a:bodyPr rtlCol="0" anchor="ctr"/>
+          <a:lstStyle/>
+          <a:p>
+            <a:pPr algn="ctr"/>
+            <a:r>
+              <a:rPr kumimoji="1" lang="ja-JP" altLang="en-US"/>
+              <a:t>グループ取り寄せ</a:t>
+            </a:r>
+          </a:p>
+        </p:txBody>
+      </p:sp>
+      <p:cxnSp>
+        <p:nvCxnSpPr>
+          <p:cNvPr id="39" name="直線矢印コネクタ 38">
+            <a:extLst>
+              <a:ext uri="{FF2B5EF4-FFF2-40B4-BE49-F238E27FC236}">
+                <a16:creationId xmlns:a16="http://schemas.microsoft.com/office/drawing/2014/main" id="{104005A8-925B-439C-3713-F14BC826925F}"/>
+              </a:ext>
+            </a:extLst>
+          </p:cNvPr>
+          <p:cNvCxnSpPr>
+            <a:cxnSpLocks/>
+          </p:cNvCxnSpPr>
+          <p:nvPr/>
+        </p:nvCxnSpPr>
+        <p:spPr>
+          <a:xfrm flipH="1" flipV="1">
+            <a:off x="6818501" y="2139041"/>
+            <a:ext cx="44590" cy="2829379"/>
+          </a:xfrm>
+          <a:prstGeom prst="straightConnector1">
+            <a:avLst/>
+          </a:prstGeom>
+          <a:ln w="41275">
+            <a:headEnd type="triangle"/>
+            <a:tailEnd type="triangle"/>
+          </a:ln>
+        </p:spPr>
+        <p:style>
+          <a:lnRef idx="1">
+            <a:schemeClr val="accent1"/>
+          </a:lnRef>
+          <a:fillRef idx="0">
+            <a:schemeClr val="accent1"/>
+          </a:fillRef>
+          <a:effectRef idx="0">
+            <a:schemeClr val="accent1"/>
+          </a:effectRef>
+          <a:fontRef idx="minor">
+            <a:schemeClr val="tx1"/>
+          </a:fontRef>
+        </p:style>
+      </p:cxnSp>
+      <p:cxnSp>
+        <p:nvCxnSpPr>
+          <p:cNvPr id="40" name="直線矢印コネクタ 39">
+            <a:extLst>
+              <a:ext uri="{FF2B5EF4-FFF2-40B4-BE49-F238E27FC236}">
+                <a16:creationId xmlns:a16="http://schemas.microsoft.com/office/drawing/2014/main" id="{9DD1DE0B-8DD3-4741-0C6F-242B4BBAB7E8}"/>
+              </a:ext>
+            </a:extLst>
+          </p:cNvPr>
+          <p:cNvCxnSpPr>
+            <a:cxnSpLocks/>
+          </p:cNvCxnSpPr>
+          <p:nvPr/>
+        </p:nvCxnSpPr>
+        <p:spPr>
+          <a:xfrm flipH="1" flipV="1">
+            <a:off x="10901990" y="2004785"/>
+            <a:ext cx="44590" cy="2829379"/>
+          </a:xfrm>
+          <a:prstGeom prst="straightConnector1">
+            <a:avLst/>
+          </a:prstGeom>
+          <a:ln w="41275">
+            <a:headEnd type="triangle"/>
+            <a:tailEnd type="triangle"/>
+          </a:ln>
+        </p:spPr>
+        <p:style>
+          <a:lnRef idx="1">
+            <a:schemeClr val="accent1"/>
+          </a:lnRef>
+          <a:fillRef idx="0">
+            <a:schemeClr val="accent1"/>
+          </a:fillRef>
+          <a:effectRef idx="0">
+            <a:schemeClr val="accent1"/>
+          </a:effectRef>
+          <a:fontRef idx="minor">
+            <a:schemeClr val="tx1"/>
+          </a:fontRef>
+        </p:style>
+      </p:cxnSp>
+      <p:sp>
+        <p:nvSpPr>
+          <p:cNvPr id="41" name="テキスト ボックス 40">
+            <a:extLst>
+              <a:ext uri="{FF2B5EF4-FFF2-40B4-BE49-F238E27FC236}">
+                <a16:creationId xmlns:a16="http://schemas.microsoft.com/office/drawing/2014/main" id="{06A44C49-A5F2-EDC2-5B9F-FD1BA9BE4DCF}"/>
               </a:ext>
             </a:extLst>
           </p:cNvPr>
@@ -3668,8 +4232,8 @@
         </p:nvSpPr>
         <p:spPr>
           <a:xfrm>
-            <a:off x="957942" y="804761"/>
-            <a:ext cx="2031325" cy="1200329"/>
+            <a:off x="3370301" y="825171"/>
+            <a:ext cx="1107996" cy="369332"/>
           </a:xfrm>
           <a:prstGeom prst="rect">
             <a:avLst/>
@@ -3684,38 +4248,17 @@
           <a:p>
             <a:r>
               <a:rPr kumimoji="1" lang="ja-JP" altLang="en-US"/>
-              <a:t>マルチユーザ関係</a:t>
-            </a:r>
-            <a:endParaRPr kumimoji="1" lang="en-US" altLang="ja-JP" dirty="0"/>
-          </a:p>
-          <a:p>
-            <a:r>
-              <a:rPr kumimoji="1" lang="ja-JP" altLang="en-US"/>
-              <a:t>・ログイン</a:t>
-            </a:r>
-            <a:endParaRPr kumimoji="1" lang="en-US" altLang="ja-JP" dirty="0"/>
-          </a:p>
-          <a:p>
-            <a:r>
-              <a:rPr lang="ja-JP" altLang="en-US"/>
-              <a:t>・ログアウト</a:t>
-            </a:r>
-            <a:endParaRPr lang="en-US" altLang="ja-JP" dirty="0"/>
-          </a:p>
-          <a:p>
-            <a:r>
-              <a:rPr kumimoji="1" lang="ja-JP" altLang="en-US"/>
-              <a:t>・登録</a:t>
-            </a:r>
-          </a:p>
-        </p:txBody>
-      </p:sp>
-      <p:sp>
-        <p:nvSpPr>
-          <p:cNvPr id="6" name="テキスト ボックス 5">
-            <a:extLst>
-              <a:ext uri="{FF2B5EF4-FFF2-40B4-BE49-F238E27FC236}">
-                <a16:creationId xmlns:a16="http://schemas.microsoft.com/office/drawing/2014/main" id="{C2BB343F-4E76-5E51-E328-663AFEE30EB5}"/>
+              <a:t>ログイン</a:t>
+            </a:r>
+          </a:p>
+        </p:txBody>
+      </p:sp>
+      <p:sp>
+        <p:nvSpPr>
+          <p:cNvPr id="42" name="テキスト ボックス 41">
+            <a:extLst>
+              <a:ext uri="{FF2B5EF4-FFF2-40B4-BE49-F238E27FC236}">
+                <a16:creationId xmlns:a16="http://schemas.microsoft.com/office/drawing/2014/main" id="{D6082CCB-B2D7-3967-7561-5AD6B7948AC1}"/>
               </a:ext>
             </a:extLst>
           </p:cNvPr>
@@ -3724,8 +4267,8 @@
         </p:nvSpPr>
         <p:spPr>
           <a:xfrm>
-            <a:off x="957942" y="2258039"/>
-            <a:ext cx="3185487" cy="2308324"/>
+            <a:off x="7953829" y="885371"/>
+            <a:ext cx="646331" cy="369332"/>
           </a:xfrm>
           <a:prstGeom prst="rect">
             <a:avLst/>
@@ -3739,65 +4282,18 @@
           <a:lstStyle/>
           <a:p>
             <a:r>
-              <a:rPr kumimoji="1" lang="en-US" altLang="ja-JP" dirty="0"/>
-              <a:t>Todo</a:t>
-            </a:r>
-          </a:p>
-          <a:p>
-            <a:r>
-              <a:rPr kumimoji="1" lang="ja-JP" altLang="en-US"/>
-              <a:t>・登録</a:t>
-            </a:r>
-            <a:endParaRPr kumimoji="1" lang="en-US" altLang="ja-JP" dirty="0"/>
-          </a:p>
-          <a:p>
-            <a:r>
-              <a:rPr lang="ja-JP" altLang="en-US"/>
-              <a:t>・削除</a:t>
-            </a:r>
-            <a:endParaRPr lang="en-US" altLang="ja-JP" dirty="0"/>
-          </a:p>
-          <a:p>
-            <a:r>
-              <a:rPr kumimoji="1" lang="ja-JP" altLang="en-US"/>
-              <a:t>・読み込み</a:t>
-            </a:r>
-            <a:endParaRPr kumimoji="1" lang="en-US" altLang="ja-JP" dirty="0"/>
-          </a:p>
-          <a:p>
-            <a:r>
-              <a:rPr lang="ja-JP" altLang="en-US"/>
-              <a:t>・更新</a:t>
-            </a:r>
-            <a:endParaRPr lang="en-US" altLang="ja-JP" dirty="0"/>
-          </a:p>
-          <a:p>
-            <a:endParaRPr kumimoji="1" lang="en-US" altLang="ja-JP" dirty="0"/>
-          </a:p>
-          <a:p>
-            <a:r>
-              <a:rPr lang="ja-JP" altLang="en-US"/>
-              <a:t>・ソート機能</a:t>
-            </a:r>
-            <a:r>
-              <a:rPr lang="en-US" altLang="ja-JP" dirty="0"/>
-              <a:t>-&gt;</a:t>
-            </a:r>
-          </a:p>
-          <a:p>
-            <a:r>
-              <a:rPr kumimoji="1" lang="ja-JP" altLang="en-US"/>
-              <a:t>・実行済みと未実行で分ける</a:t>
-            </a:r>
-          </a:p>
-        </p:txBody>
-      </p:sp>
-      <p:sp>
-        <p:nvSpPr>
-          <p:cNvPr id="8" name="テキスト ボックス 7">
-            <a:extLst>
-              <a:ext uri="{FF2B5EF4-FFF2-40B4-BE49-F238E27FC236}">
-                <a16:creationId xmlns:a16="http://schemas.microsoft.com/office/drawing/2014/main" id="{2423BFCA-45E0-5A3A-0095-E489A8B0012C}"/>
+              <a:rPr kumimoji="1" lang="ja-JP" altLang="en-US"/>
+              <a:t>入室</a:t>
+            </a:r>
+          </a:p>
+        </p:txBody>
+      </p:sp>
+      <p:sp>
+        <p:nvSpPr>
+          <p:cNvPr id="43" name="テキスト ボックス 42">
+            <a:extLst>
+              <a:ext uri="{FF2B5EF4-FFF2-40B4-BE49-F238E27FC236}">
+                <a16:creationId xmlns:a16="http://schemas.microsoft.com/office/drawing/2014/main" id="{4BEB9F18-4660-0FB4-44EE-EA127FD2DB57}"/>
               </a:ext>
             </a:extLst>
           </p:cNvPr>
@@ -3806,8 +4302,8 @@
         </p:nvSpPr>
         <p:spPr>
           <a:xfrm>
-            <a:off x="4996543" y="804761"/>
-            <a:ext cx="2031325" cy="923330"/>
+            <a:off x="1901371" y="3817257"/>
+            <a:ext cx="1569660" cy="369332"/>
           </a:xfrm>
           <a:prstGeom prst="rect">
             <a:avLst/>
@@ -3822,28 +4318,17 @@
           <a:p>
             <a:r>
               <a:rPr kumimoji="1" lang="ja-JP" altLang="en-US"/>
-              <a:t>バックエンド側</a:t>
-            </a:r>
-            <a:endParaRPr kumimoji="1" lang="en-US" altLang="ja-JP" dirty="0"/>
-          </a:p>
-          <a:p>
-            <a:r>
-              <a:rPr lang="ja-JP" altLang="en-US"/>
-              <a:t>・クエリのソート</a:t>
-            </a:r>
-            <a:endParaRPr lang="en-US" altLang="ja-JP" dirty="0"/>
-          </a:p>
-          <a:p>
-            <a:endParaRPr kumimoji="1" lang="ja-JP" altLang="en-US"/>
-          </a:p>
-        </p:txBody>
-      </p:sp>
-      <p:sp>
-        <p:nvSpPr>
-          <p:cNvPr id="9" name="テキスト ボックス 8">
-            <a:extLst>
-              <a:ext uri="{FF2B5EF4-FFF2-40B4-BE49-F238E27FC236}">
-                <a16:creationId xmlns:a16="http://schemas.microsoft.com/office/drawing/2014/main" id="{7ADE315D-B82B-0F52-ECFD-319F3443A06A}"/>
+              <a:t>ログイン処理</a:t>
+            </a:r>
+          </a:p>
+        </p:txBody>
+      </p:sp>
+      <p:sp>
+        <p:nvSpPr>
+          <p:cNvPr id="44" name="テキスト ボックス 43">
+            <a:extLst>
+              <a:ext uri="{FF2B5EF4-FFF2-40B4-BE49-F238E27FC236}">
+                <a16:creationId xmlns:a16="http://schemas.microsoft.com/office/drawing/2014/main" id="{A893289F-18E4-0507-AB3A-45C93CE6E8B0}"/>
               </a:ext>
             </a:extLst>
           </p:cNvPr>
@@ -3852,8 +4337,8 @@
         </p:nvSpPr>
         <p:spPr>
           <a:xfrm>
-            <a:off x="5355771" y="2732314"/>
-            <a:ext cx="2031325" cy="369332"/>
+            <a:off x="3949257" y="4369707"/>
+            <a:ext cx="2954655" cy="369332"/>
           </a:xfrm>
           <a:prstGeom prst="rect">
             <a:avLst/>
@@ -3868,17 +4353,17 @@
           <a:p>
             <a:r>
               <a:rPr kumimoji="1" lang="ja-JP" altLang="en-US"/>
-              <a:t>グループ選択画面</a:t>
-            </a:r>
-          </a:p>
-        </p:txBody>
-      </p:sp>
-      <p:sp>
-        <p:nvSpPr>
-          <p:cNvPr id="11" name="テキスト ボックス 10">
-            <a:extLst>
-              <a:ext uri="{FF2B5EF4-FFF2-40B4-BE49-F238E27FC236}">
-                <a16:creationId xmlns:a16="http://schemas.microsoft.com/office/drawing/2014/main" id="{449072EC-4B61-5D17-B131-DE28E4F4A046}"/>
+              <a:t>グループリストの受け取り</a:t>
+            </a:r>
+          </a:p>
+        </p:txBody>
+      </p:sp>
+      <p:sp>
+        <p:nvSpPr>
+          <p:cNvPr id="45" name="テキスト ボックス 44">
+            <a:extLst>
+              <a:ext uri="{FF2B5EF4-FFF2-40B4-BE49-F238E27FC236}">
+                <a16:creationId xmlns:a16="http://schemas.microsoft.com/office/drawing/2014/main" id="{C5346858-E9AC-9BB9-6807-6A442A296C50}"/>
               </a:ext>
             </a:extLst>
           </p:cNvPr>
@@ -3887,8 +4372,8 @@
         </p:nvSpPr>
         <p:spPr>
           <a:xfrm>
-            <a:off x="5509452" y="3188874"/>
-            <a:ext cx="5976316" cy="646331"/>
+            <a:off x="9260114" y="3686629"/>
+            <a:ext cx="1531188" cy="369332"/>
           </a:xfrm>
           <a:prstGeom prst="rect">
             <a:avLst/>
@@ -3902,43 +4387,12 @@
           <a:lstStyle/>
           <a:p>
             <a:r>
-              <a:rPr lang="ja-JP" altLang="en-US"/>
-              <a:t>グループ一覧から選択したものを親の</a:t>
-            </a:r>
-            <a:r>
-              <a:rPr lang="en-US" altLang="ja-JP" dirty="0" err="1"/>
-              <a:t>useState</a:t>
-            </a:r>
-            <a:r>
-              <a:rPr lang="ja-JP" altLang="en-US"/>
-              <a:t>に代入し</a:t>
-            </a:r>
-            <a:endParaRPr lang="en-US" altLang="ja-JP" dirty="0"/>
-          </a:p>
-          <a:p>
-            <a:r>
               <a:rPr kumimoji="1" lang="en-US" altLang="ja-JP" dirty="0"/>
-              <a:t>Todo</a:t>
-            </a:r>
-            <a:r>
-              <a:rPr kumimoji="1" lang="ja-JP" altLang="en-US"/>
-              <a:t>画面</a:t>
-            </a:r>
-            <a:r>
-              <a:rPr kumimoji="1" lang="en-US" altLang="ja-JP" dirty="0"/>
-              <a:t>(</a:t>
-            </a:r>
-            <a:r>
-              <a:rPr kumimoji="1" lang="ja-JP" altLang="en-US"/>
-              <a:t>子</a:t>
-            </a:r>
-            <a:r>
-              <a:rPr kumimoji="1" lang="en-US" altLang="ja-JP" dirty="0"/>
-              <a:t>)</a:t>
-            </a:r>
-            <a:r>
-              <a:rPr kumimoji="1" lang="ja-JP" altLang="en-US"/>
-              <a:t>に送る</a:t>
+              <a:t>TODO</a:t>
+            </a:r>
+            <a:r>
+              <a:rPr kumimoji="1" lang="ja-JP" altLang="en-US"/>
+              <a:t>の操作</a:t>
             </a:r>
           </a:p>
         </p:txBody>
@@ -3946,7 +4400,7 @@
     </p:spTree>
     <p:extLst>
       <p:ext uri="{BB962C8B-B14F-4D97-AF65-F5344CB8AC3E}">
-        <p14:creationId xmlns:p14="http://schemas.microsoft.com/office/powerpoint/2010/main" val="1313879117"/>
+        <p14:creationId xmlns:p14="http://schemas.microsoft.com/office/powerpoint/2010/main" val="3335553778"/>
       </p:ext>
     </p:extLst>
   </p:cSld>
@@ -3975,10 +4429,60 @@
       </p:grpSpPr>
       <p:sp>
         <p:nvSpPr>
-          <p:cNvPr id="4" name="テキスト ボックス 3">
-            <a:extLst>
-              <a:ext uri="{FF2B5EF4-FFF2-40B4-BE49-F238E27FC236}">
-                <a16:creationId xmlns:a16="http://schemas.microsoft.com/office/drawing/2014/main" id="{FFE66776-7DCF-06F0-FB45-86DE15D8A7CF}"/>
+          <p:cNvPr id="4" name="正方形/長方形 3">
+            <a:extLst>
+              <a:ext uri="{FF2B5EF4-FFF2-40B4-BE49-F238E27FC236}">
+                <a16:creationId xmlns:a16="http://schemas.microsoft.com/office/drawing/2014/main" id="{D9DE8410-543C-CC39-A5BE-99EE933A1849}"/>
+              </a:ext>
+            </a:extLst>
+          </p:cNvPr>
+          <p:cNvSpPr/>
+          <p:nvPr/>
+        </p:nvSpPr>
+        <p:spPr>
+          <a:xfrm>
+            <a:off x="0" y="0"/>
+            <a:ext cx="12192000" cy="827314"/>
+          </a:xfrm>
+          <a:prstGeom prst="rect">
+            <a:avLst/>
+          </a:prstGeom>
+        </p:spPr>
+        <p:style>
+          <a:lnRef idx="2">
+            <a:schemeClr val="accent1">
+              <a:shade val="15000"/>
+            </a:schemeClr>
+          </a:lnRef>
+          <a:fillRef idx="1">
+            <a:schemeClr val="accent1"/>
+          </a:fillRef>
+          <a:effectRef idx="0">
+            <a:schemeClr val="accent1"/>
+          </a:effectRef>
+          <a:fontRef idx="minor">
+            <a:schemeClr val="lt1"/>
+          </a:fontRef>
+        </p:style>
+        <p:txBody>
+          <a:bodyPr rtlCol="0" anchor="ctr"/>
+          <a:lstStyle/>
+          <a:p>
+            <a:pPr algn="ctr"/>
+            <a:r>
+              <a:rPr kumimoji="1" lang="en-US" altLang="ja-JP" dirty="0"/>
+              <a:t>Todo</a:t>
+            </a:r>
+            <a:endParaRPr kumimoji="1" lang="ja-JP" altLang="en-US"/>
+          </a:p>
+        </p:txBody>
+      </p:sp>
+      <p:sp>
+        <p:nvSpPr>
+          <p:cNvPr id="8" name="テキスト ボックス 7">
+            <a:extLst>
+              <a:ext uri="{FF2B5EF4-FFF2-40B4-BE49-F238E27FC236}">
+                <a16:creationId xmlns:a16="http://schemas.microsoft.com/office/drawing/2014/main" id="{D451554F-0195-5E70-F8DC-08DB0EDF0976}"/>
               </a:ext>
             </a:extLst>
           </p:cNvPr>
@@ -3987,8 +4491,8 @@
         </p:nvSpPr>
         <p:spPr>
           <a:xfrm>
-            <a:off x="620486" y="489857"/>
-            <a:ext cx="2031325" cy="1477328"/>
+            <a:off x="10339589" y="1155059"/>
+            <a:ext cx="1635384" cy="369332"/>
           </a:xfrm>
           <a:prstGeom prst="rect">
             <a:avLst/>
@@ -4003,739 +4507,106 @@
           <a:p>
             <a:r>
               <a:rPr kumimoji="1" lang="ja-JP" altLang="en-US"/>
-              <a:t>画面</a:t>
+              <a:t>ソート型名</a:t>
+            </a:r>
+            <a:r>
+              <a:rPr kumimoji="1" lang="en-US" altLang="ja-JP" dirty="0"/>
+              <a:t> </a:t>
+            </a:r>
+            <a:r>
+              <a:rPr kumimoji="1" lang="ja-JP" altLang="en-US"/>
+              <a:t>▽</a:t>
+            </a:r>
+          </a:p>
+        </p:txBody>
+      </p:sp>
+      <p:sp>
+        <p:nvSpPr>
+          <p:cNvPr id="9" name="角丸四角形 8">
+            <a:extLst>
+              <a:ext uri="{FF2B5EF4-FFF2-40B4-BE49-F238E27FC236}">
+                <a16:creationId xmlns:a16="http://schemas.microsoft.com/office/drawing/2014/main" id="{CD393DA7-DFFD-3E33-BD81-CF479E4B14AA}"/>
+              </a:ext>
+            </a:extLst>
+          </p:cNvPr>
+          <p:cNvSpPr/>
+          <p:nvPr/>
+        </p:nvSpPr>
+        <p:spPr>
+          <a:xfrm>
+            <a:off x="335465" y="1707601"/>
+            <a:ext cx="5475515" cy="1328057"/>
+          </a:xfrm>
+          <a:prstGeom prst="roundRect">
+            <a:avLst/>
+          </a:prstGeom>
+        </p:spPr>
+        <p:style>
+          <a:lnRef idx="2">
+            <a:schemeClr val="accent1">
+              <a:shade val="15000"/>
+            </a:schemeClr>
+          </a:lnRef>
+          <a:fillRef idx="1">
+            <a:schemeClr val="accent1"/>
+          </a:fillRef>
+          <a:effectRef idx="0">
+            <a:schemeClr val="accent1"/>
+          </a:effectRef>
+          <a:fontRef idx="minor">
+            <a:schemeClr val="lt1"/>
+          </a:fontRef>
+        </p:style>
+        <p:txBody>
+          <a:bodyPr rtlCol="0" anchor="ctr"/>
+          <a:lstStyle/>
+          <a:p>
+            <a:r>
+              <a:rPr kumimoji="1" lang="ja-JP" altLang="en-US"/>
+              <a:t>作成者</a:t>
             </a:r>
             <a:endParaRPr kumimoji="1" lang="en-US" altLang="ja-JP" dirty="0"/>
           </a:p>
           <a:p>
             <a:r>
+              <a:rPr kumimoji="1" lang="ja-JP" altLang="en-US"/>
+              <a:t>最新</a:t>
+            </a:r>
+            <a:r>
               <a:rPr lang="ja-JP" altLang="en-US"/>
-              <a:t>・ログイン画面</a:t>
+              <a:t>更新</a:t>
+            </a:r>
+            <a:r>
+              <a:rPr lang="en-US" altLang="ja-JP" dirty="0"/>
+              <a:t>Todo			</a:t>
+            </a:r>
+            <a:r>
+              <a:rPr lang="ja-JP" altLang="en-US"/>
+              <a:t>時刻</a:t>
             </a:r>
             <a:endParaRPr lang="en-US" altLang="ja-JP" dirty="0"/>
           </a:p>
           <a:p>
             <a:r>
-              <a:rPr kumimoji="1" lang="en-US" altLang="ja-JP" dirty="0"/>
-              <a:t>	</a:t>
-            </a:r>
-            <a:r>
-              <a:rPr kumimoji="1" lang="ja-JP" altLang="en-US"/>
-              <a:t>機能</a:t>
-            </a:r>
-            <a:endParaRPr kumimoji="1" lang="en-US" altLang="ja-JP" dirty="0"/>
-          </a:p>
-          <a:p>
+              <a:rPr lang="ja-JP" altLang="en-US"/>
+              <a:t>タグ名</a:t>
+            </a:r>
             <a:r>
               <a:rPr lang="en-US" altLang="ja-JP" dirty="0"/>
-              <a:t>	</a:t>
+              <a:t>				</a:t>
             </a:r>
             <a:r>
               <a:rPr lang="ja-JP" altLang="en-US"/>
-              <a:t>ログイン</a:t>
-            </a:r>
-            <a:endParaRPr lang="en-US" altLang="ja-JP" dirty="0"/>
-          </a:p>
-          <a:p>
-            <a:r>
-              <a:rPr kumimoji="1" lang="en-US" altLang="ja-JP" dirty="0"/>
-              <a:t>	</a:t>
-            </a:r>
-            <a:r>
-              <a:rPr kumimoji="1" lang="ja-JP" altLang="en-US"/>
-              <a:t>登録</a:t>
-            </a:r>
-          </a:p>
-        </p:txBody>
-      </p:sp>
-      <p:sp>
-        <p:nvSpPr>
-          <p:cNvPr id="5" name="テキスト ボックス 4">
-            <a:extLst>
-              <a:ext uri="{FF2B5EF4-FFF2-40B4-BE49-F238E27FC236}">
-                <a16:creationId xmlns:a16="http://schemas.microsoft.com/office/drawing/2014/main" id="{30FE9966-69F5-5528-FFB7-6A676B5F17C5}"/>
-              </a:ext>
-            </a:extLst>
-          </p:cNvPr>
-          <p:cNvSpPr txBox="1"/>
-          <p:nvPr/>
-        </p:nvSpPr>
-        <p:spPr>
-          <a:xfrm>
-            <a:off x="751114" y="2514600"/>
-            <a:ext cx="2569934" cy="1200329"/>
-          </a:xfrm>
-          <a:prstGeom prst="rect">
-            <a:avLst/>
-          </a:prstGeom>
-          <a:noFill/>
-        </p:spPr>
-        <p:txBody>
-          <a:bodyPr wrap="none" rtlCol="0">
-            <a:spAutoFit/>
-          </a:bodyPr>
-          <a:lstStyle/>
-          <a:p>
-            <a:r>
-              <a:rPr lang="ja-JP" altLang="en-US"/>
-              <a:t>・</a:t>
-            </a:r>
-            <a:r>
-              <a:rPr lang="en-US" altLang="ja-JP" dirty="0"/>
-              <a:t>Todo</a:t>
-            </a:r>
-          </a:p>
-          <a:p>
-            <a:r>
-              <a:rPr kumimoji="1" lang="en-US" altLang="ja-JP" dirty="0"/>
-              <a:t>	</a:t>
-            </a:r>
-            <a:r>
-              <a:rPr kumimoji="1" lang="ja-JP" altLang="en-US"/>
-              <a:t>機能</a:t>
-            </a:r>
-            <a:endParaRPr kumimoji="1" lang="en-US" altLang="ja-JP" dirty="0"/>
-          </a:p>
-          <a:p>
-            <a:r>
-              <a:rPr lang="en-US" altLang="ja-JP" dirty="0"/>
-              <a:t>	Todo</a:t>
-            </a:r>
-            <a:r>
-              <a:rPr lang="ja-JP" altLang="en-US"/>
-              <a:t>をソート</a:t>
-            </a:r>
-            <a:endParaRPr lang="en-US" altLang="ja-JP" dirty="0"/>
-          </a:p>
-          <a:p>
-            <a:r>
-              <a:rPr kumimoji="1" lang="en-US" altLang="ja-JP" dirty="0"/>
-              <a:t>	Todo</a:t>
-            </a:r>
-            <a:r>
-              <a:rPr kumimoji="1" lang="ja-JP" altLang="en-US"/>
-              <a:t>の</a:t>
-            </a:r>
-            <a:r>
-              <a:rPr kumimoji="1" lang="en-US" altLang="ja-JP" dirty="0"/>
-              <a:t>CRUD</a:t>
+              <a:t>完了フラグ</a:t>
             </a:r>
             <a:endParaRPr kumimoji="1" lang="ja-JP" altLang="en-US"/>
-          </a:p>
-        </p:txBody>
-      </p:sp>
-      <p:sp>
-        <p:nvSpPr>
-          <p:cNvPr id="6" name="テキスト ボックス 5">
-            <a:extLst>
-              <a:ext uri="{FF2B5EF4-FFF2-40B4-BE49-F238E27FC236}">
-                <a16:creationId xmlns:a16="http://schemas.microsoft.com/office/drawing/2014/main" id="{566DC50E-BE91-3F53-3A2F-CCF5B327B76F}"/>
-              </a:ext>
-            </a:extLst>
-          </p:cNvPr>
-          <p:cNvSpPr txBox="1"/>
-          <p:nvPr/>
-        </p:nvSpPr>
-        <p:spPr>
-          <a:xfrm>
-            <a:off x="1636148" y="3939178"/>
-            <a:ext cx="2954655" cy="646331"/>
-          </a:xfrm>
-          <a:prstGeom prst="rect">
-            <a:avLst/>
-          </a:prstGeom>
-          <a:noFill/>
-        </p:spPr>
-        <p:txBody>
-          <a:bodyPr wrap="none" rtlCol="0">
-            <a:spAutoFit/>
-          </a:bodyPr>
-          <a:lstStyle/>
-          <a:p>
-            <a:r>
-              <a:rPr kumimoji="1" lang="ja-JP" altLang="en-US"/>
-              <a:t>ビジュアル</a:t>
-            </a:r>
-            <a:endParaRPr kumimoji="1" lang="en-US" altLang="ja-JP" dirty="0"/>
-          </a:p>
-          <a:p>
-            <a:r>
-              <a:rPr kumimoji="1" lang="ja-JP" altLang="en-US"/>
-              <a:t>実行済みと未実行の可視化</a:t>
-            </a:r>
-          </a:p>
-        </p:txBody>
-      </p:sp>
-      <p:sp>
-        <p:nvSpPr>
-          <p:cNvPr id="7" name="テキスト ボックス 6">
-            <a:extLst>
-              <a:ext uri="{FF2B5EF4-FFF2-40B4-BE49-F238E27FC236}">
-                <a16:creationId xmlns:a16="http://schemas.microsoft.com/office/drawing/2014/main" id="{24FDE0E7-C23C-2477-C29D-FEB2E508A139}"/>
-              </a:ext>
-            </a:extLst>
-          </p:cNvPr>
-          <p:cNvSpPr txBox="1"/>
-          <p:nvPr/>
-        </p:nvSpPr>
-        <p:spPr>
-          <a:xfrm>
-            <a:off x="5326152" y="511628"/>
-            <a:ext cx="3219133" cy="6186309"/>
-          </a:xfrm>
-          <a:prstGeom prst="rect">
-            <a:avLst/>
-          </a:prstGeom>
-          <a:noFill/>
-        </p:spPr>
-        <p:txBody>
-          <a:bodyPr wrap="square" rtlCol="0">
-            <a:spAutoFit/>
-          </a:bodyPr>
-          <a:lstStyle/>
-          <a:p>
-            <a:r>
-              <a:rPr kumimoji="1" lang="ja-JP" altLang="en-US"/>
-              <a:t>必要なデータ</a:t>
-            </a:r>
-            <a:endParaRPr kumimoji="1" lang="en-US" altLang="ja-JP" dirty="0"/>
-          </a:p>
-          <a:p>
-            <a:r>
-              <a:rPr kumimoji="1" lang="ja-JP" altLang="en-US"/>
-              <a:t>・ログイン機能</a:t>
-            </a:r>
-            <a:endParaRPr kumimoji="1" lang="en-US" altLang="ja-JP" dirty="0"/>
-          </a:p>
-          <a:p>
-            <a:r>
-              <a:rPr lang="en-US" altLang="ja-JP" dirty="0"/>
-              <a:t>	</a:t>
-            </a:r>
-            <a:r>
-              <a:rPr lang="ja-JP" altLang="en-US"/>
-              <a:t>ログインステータス</a:t>
-            </a:r>
-            <a:endParaRPr lang="en-US" altLang="ja-JP" dirty="0"/>
-          </a:p>
-          <a:p>
-            <a:r>
-              <a:rPr lang="en-US" altLang="ja-JP" dirty="0"/>
-              <a:t>	</a:t>
-            </a:r>
-            <a:r>
-              <a:rPr lang="ja-JP" altLang="en-US"/>
-              <a:t>・</a:t>
-            </a:r>
-            <a:r>
-              <a:rPr lang="en-US" altLang="ja-JP" dirty="0"/>
-              <a:t>session</a:t>
-            </a:r>
-          </a:p>
-          <a:p>
-            <a:r>
-              <a:rPr lang="en-US" altLang="ja-JP" dirty="0"/>
-              <a:t>	</a:t>
-            </a:r>
-          </a:p>
-          <a:p>
-            <a:r>
-              <a:rPr lang="en-US" altLang="ja-JP" dirty="0"/>
-              <a:t>Todo</a:t>
-            </a:r>
-          </a:p>
-          <a:p>
-            <a:r>
-              <a:rPr lang="ja-JP" altLang="en-US"/>
-              <a:t>データテーブル</a:t>
-            </a:r>
-            <a:endParaRPr lang="en-US" altLang="ja-JP" dirty="0"/>
-          </a:p>
-          <a:p>
-            <a:r>
-              <a:rPr lang="ja-JP" altLang="en-US"/>
-              <a:t>・主キー</a:t>
-            </a:r>
-            <a:endParaRPr lang="en-US" altLang="ja-JP" dirty="0"/>
-          </a:p>
-          <a:p>
-            <a:r>
-              <a:rPr lang="ja-JP" altLang="en-US"/>
-              <a:t>・</a:t>
-            </a:r>
-            <a:r>
-              <a:rPr lang="en-US" altLang="ja-JP" dirty="0" err="1"/>
-              <a:t>UserID</a:t>
-            </a:r>
-            <a:endParaRPr lang="en-US" altLang="ja-JP" dirty="0"/>
-          </a:p>
-          <a:p>
-            <a:r>
-              <a:rPr lang="ja-JP" altLang="en-US"/>
-              <a:t>・</a:t>
-            </a:r>
-            <a:r>
-              <a:rPr lang="en-US" altLang="ja-JP" dirty="0" err="1"/>
-              <a:t>TodoID</a:t>
-            </a:r>
-            <a:endParaRPr lang="en-US" altLang="ja-JP" dirty="0"/>
-          </a:p>
-          <a:p>
-            <a:r>
-              <a:rPr lang="ja-JP" altLang="en-US"/>
-              <a:t>・グループ</a:t>
-            </a:r>
-            <a:r>
-              <a:rPr lang="en-US" altLang="ja-JP" dirty="0"/>
-              <a:t>ID</a:t>
-            </a:r>
-          </a:p>
-          <a:p>
-            <a:endParaRPr lang="en-US" altLang="ja-JP" dirty="0"/>
-          </a:p>
-          <a:p>
-            <a:r>
-              <a:rPr lang="ja-JP" altLang="en-US"/>
-              <a:t>グループテーブル</a:t>
-            </a:r>
-            <a:endParaRPr lang="en-US" altLang="ja-JP" dirty="0"/>
-          </a:p>
-          <a:p>
-            <a:r>
-              <a:rPr lang="ja-JP" altLang="en-US"/>
-              <a:t>・主キー</a:t>
-            </a:r>
-            <a:endParaRPr lang="en-US" altLang="ja-JP" dirty="0"/>
-          </a:p>
-          <a:p>
-            <a:r>
-              <a:rPr lang="ja-JP" altLang="en-US"/>
-              <a:t>・グループ名</a:t>
-            </a:r>
-            <a:endParaRPr lang="en-US" altLang="ja-JP" dirty="0"/>
-          </a:p>
-          <a:p>
-            <a:endParaRPr lang="en-US" altLang="ja-JP" dirty="0"/>
-          </a:p>
-          <a:p>
-            <a:r>
-              <a:rPr lang="ja-JP" altLang="en-US"/>
-              <a:t>ユーザテーブル</a:t>
-            </a:r>
-            <a:endParaRPr lang="en-US" altLang="ja-JP" dirty="0"/>
-          </a:p>
-          <a:p>
-            <a:r>
-              <a:rPr lang="ja-JP" altLang="en-US"/>
-              <a:t>・</a:t>
-            </a:r>
-            <a:r>
-              <a:rPr lang="en-US" altLang="ja-JP" dirty="0"/>
-              <a:t>AI</a:t>
-            </a:r>
-          </a:p>
-          <a:p>
-            <a:r>
-              <a:rPr lang="ja-JP" altLang="en-US"/>
-              <a:t>・</a:t>
-            </a:r>
-            <a:r>
-              <a:rPr lang="en-US" altLang="ja-JP" dirty="0"/>
-              <a:t>mail(</a:t>
-            </a:r>
-            <a:r>
-              <a:rPr lang="ja-JP" altLang="en-US"/>
-              <a:t>ユニーク</a:t>
-            </a:r>
-            <a:r>
-              <a:rPr lang="en-US" altLang="ja-JP" dirty="0"/>
-              <a:t>)</a:t>
-            </a:r>
-          </a:p>
-          <a:p>
-            <a:r>
-              <a:rPr lang="ja-JP" altLang="en-US"/>
-              <a:t>・</a:t>
-            </a:r>
-            <a:r>
-              <a:rPr lang="en-US" altLang="ja-JP" dirty="0"/>
-              <a:t>pass</a:t>
-            </a:r>
-          </a:p>
-          <a:p>
-            <a:r>
-              <a:rPr lang="ja-JP" altLang="en-US"/>
-              <a:t>・</a:t>
-            </a:r>
-            <a:r>
-              <a:rPr lang="en-US" altLang="ja-JP" dirty="0"/>
-              <a:t>name</a:t>
-            </a:r>
-          </a:p>
-          <a:p>
-            <a:r>
-              <a:rPr lang="ja-JP" altLang="en-US"/>
-              <a:t>・グループテーブルの主キー</a:t>
-            </a:r>
-            <a:endParaRPr lang="en-US" altLang="ja-JP" dirty="0"/>
-          </a:p>
-        </p:txBody>
-      </p:sp>
-      <p:sp>
-        <p:nvSpPr>
-          <p:cNvPr id="10" name="テキスト ボックス 9">
-            <a:extLst>
-              <a:ext uri="{FF2B5EF4-FFF2-40B4-BE49-F238E27FC236}">
-                <a16:creationId xmlns:a16="http://schemas.microsoft.com/office/drawing/2014/main" id="{B768C77E-BBFF-71D7-C1A3-2433A76236D2}"/>
-              </a:ext>
-            </a:extLst>
-          </p:cNvPr>
-          <p:cNvSpPr txBox="1"/>
-          <p:nvPr/>
-        </p:nvSpPr>
-        <p:spPr>
-          <a:xfrm>
-            <a:off x="8082149" y="4095929"/>
-            <a:ext cx="1569660" cy="1200329"/>
-          </a:xfrm>
-          <a:prstGeom prst="rect">
-            <a:avLst/>
-          </a:prstGeom>
-          <a:noFill/>
-        </p:spPr>
-        <p:txBody>
-          <a:bodyPr wrap="none" rtlCol="0">
-            <a:spAutoFit/>
-          </a:bodyPr>
-          <a:lstStyle/>
-          <a:p>
-            <a:r>
-              <a:rPr kumimoji="1" lang="ja-JP" altLang="en-US"/>
-              <a:t>所属テーブル</a:t>
-            </a:r>
-            <a:endParaRPr kumimoji="1" lang="en-US" altLang="ja-JP" dirty="0"/>
-          </a:p>
-          <a:p>
-            <a:r>
-              <a:rPr lang="ja-JP" altLang="en-US"/>
-              <a:t>主キー</a:t>
-            </a:r>
-            <a:endParaRPr lang="en-US" altLang="ja-JP" dirty="0"/>
-          </a:p>
-          <a:p>
-            <a:r>
-              <a:rPr lang="ja-JP" altLang="en-US"/>
-              <a:t>グループ</a:t>
-            </a:r>
-            <a:r>
-              <a:rPr lang="en-US" altLang="ja-JP" dirty="0"/>
-              <a:t>ID</a:t>
-            </a:r>
-          </a:p>
-          <a:p>
-            <a:r>
-              <a:rPr lang="ja-JP" altLang="en-US"/>
-              <a:t>ユーザ</a:t>
-            </a:r>
-            <a:r>
-              <a:rPr lang="en-US" altLang="ja-JP" dirty="0"/>
-              <a:t>ID</a:t>
-            </a:r>
-            <a:endParaRPr kumimoji="1" lang="ja-JP" altLang="en-US"/>
-          </a:p>
-        </p:txBody>
-      </p:sp>
-      <p:sp>
-        <p:nvSpPr>
-          <p:cNvPr id="11" name="テキスト ボックス 10">
-            <a:extLst>
-              <a:ext uri="{FF2B5EF4-FFF2-40B4-BE49-F238E27FC236}">
-                <a16:creationId xmlns:a16="http://schemas.microsoft.com/office/drawing/2014/main" id="{6A5223C6-9210-9283-D3DD-E3DA1E8925A7}"/>
-              </a:ext>
-            </a:extLst>
-          </p:cNvPr>
-          <p:cNvSpPr txBox="1"/>
-          <p:nvPr/>
-        </p:nvSpPr>
-        <p:spPr>
-          <a:xfrm>
-            <a:off x="7721982" y="1907853"/>
-            <a:ext cx="1646605" cy="1754326"/>
-          </a:xfrm>
-          <a:prstGeom prst="rect">
-            <a:avLst/>
-          </a:prstGeom>
-          <a:noFill/>
-        </p:spPr>
-        <p:txBody>
-          <a:bodyPr wrap="none" rtlCol="0">
-            <a:spAutoFit/>
-          </a:bodyPr>
-          <a:lstStyle/>
-          <a:p>
-            <a:r>
-              <a:rPr kumimoji="1" lang="en-US" altLang="ja-JP" dirty="0"/>
-              <a:t>Todo</a:t>
-            </a:r>
-            <a:r>
-              <a:rPr kumimoji="1" lang="ja-JP" altLang="en-US"/>
-              <a:t>テーブル</a:t>
-            </a:r>
-            <a:endParaRPr kumimoji="1" lang="en-US" altLang="ja-JP" dirty="0"/>
-          </a:p>
-          <a:p>
-            <a:r>
-              <a:rPr lang="ja-JP" altLang="en-US"/>
-              <a:t>・主キー</a:t>
-            </a:r>
-            <a:endParaRPr kumimoji="1" lang="en-US" altLang="ja-JP" dirty="0"/>
-          </a:p>
-          <a:p>
-            <a:r>
-              <a:rPr kumimoji="1" lang="ja-JP" altLang="en-US"/>
-              <a:t>・</a:t>
-            </a:r>
-            <a:r>
-              <a:rPr lang="ja-JP" altLang="en-US"/>
-              <a:t>タイトル</a:t>
-            </a:r>
-            <a:endParaRPr lang="en-US" altLang="ja-JP" dirty="0"/>
-          </a:p>
-          <a:p>
-            <a:r>
-              <a:rPr kumimoji="1" lang="ja-JP" altLang="en-US"/>
-              <a:t>・</a:t>
-            </a:r>
-            <a:r>
-              <a:rPr lang="ja-JP" altLang="en-US"/>
-              <a:t>タグ</a:t>
-            </a:r>
-            <a:endParaRPr lang="en-US" altLang="ja-JP" dirty="0"/>
-          </a:p>
-          <a:p>
-            <a:r>
-              <a:rPr kumimoji="1" lang="ja-JP" altLang="en-US"/>
-              <a:t>・フラグ</a:t>
-            </a:r>
-            <a:endParaRPr kumimoji="1" lang="en-US" altLang="ja-JP" dirty="0"/>
-          </a:p>
-          <a:p>
-            <a:r>
-              <a:rPr kumimoji="1" lang="ja-JP" altLang="en-US"/>
-              <a:t>・論理削除</a:t>
-            </a:r>
-          </a:p>
-        </p:txBody>
-      </p:sp>
-      <p:sp>
-        <p:nvSpPr>
-          <p:cNvPr id="12" name="テキスト ボックス 11">
-            <a:extLst>
-              <a:ext uri="{FF2B5EF4-FFF2-40B4-BE49-F238E27FC236}">
-                <a16:creationId xmlns:a16="http://schemas.microsoft.com/office/drawing/2014/main" id="{14F3394F-AB9B-8F3F-A170-7771E242C410}"/>
-              </a:ext>
-            </a:extLst>
-          </p:cNvPr>
-          <p:cNvSpPr txBox="1"/>
-          <p:nvPr/>
-        </p:nvSpPr>
-        <p:spPr>
-          <a:xfrm>
-            <a:off x="9884228" y="1907853"/>
-            <a:ext cx="1569660" cy="369332"/>
-          </a:xfrm>
-          <a:prstGeom prst="rect">
-            <a:avLst/>
-          </a:prstGeom>
-          <a:noFill/>
-        </p:spPr>
-        <p:txBody>
-          <a:bodyPr wrap="none" rtlCol="0">
-            <a:spAutoFit/>
-          </a:bodyPr>
-          <a:lstStyle/>
-          <a:p>
-            <a:r>
-              <a:rPr lang="ja-JP" altLang="en-US"/>
-              <a:t>タグテーブル</a:t>
-            </a:r>
-            <a:endParaRPr kumimoji="1" lang="ja-JP" altLang="en-US"/>
-          </a:p>
-        </p:txBody>
-      </p:sp>
-      <p:sp>
-        <p:nvSpPr>
-          <p:cNvPr id="13" name="テキスト ボックス 12">
-            <a:extLst>
-              <a:ext uri="{FF2B5EF4-FFF2-40B4-BE49-F238E27FC236}">
-                <a16:creationId xmlns:a16="http://schemas.microsoft.com/office/drawing/2014/main" id="{A8A88181-1AD7-D911-6F83-F66A0EAB4532}"/>
-              </a:ext>
-            </a:extLst>
-          </p:cNvPr>
-          <p:cNvSpPr txBox="1"/>
-          <p:nvPr/>
-        </p:nvSpPr>
-        <p:spPr>
-          <a:xfrm>
-            <a:off x="9940415" y="2191434"/>
-            <a:ext cx="1176925" cy="923330"/>
-          </a:xfrm>
-          <a:prstGeom prst="rect">
-            <a:avLst/>
-          </a:prstGeom>
-          <a:noFill/>
-        </p:spPr>
-        <p:txBody>
-          <a:bodyPr wrap="none" rtlCol="0">
-            <a:spAutoFit/>
-          </a:bodyPr>
-          <a:lstStyle/>
-          <a:p>
-            <a:r>
-              <a:rPr lang="ja-JP" altLang="en-US"/>
-              <a:t>・</a:t>
-            </a:r>
-            <a:r>
-              <a:rPr lang="en-US" altLang="ja-JP" dirty="0"/>
-              <a:t>id</a:t>
-            </a:r>
-          </a:p>
-          <a:p>
-            <a:r>
-              <a:rPr lang="ja-JP" altLang="en-US"/>
-              <a:t>・</a:t>
-            </a:r>
-            <a:r>
-              <a:rPr lang="en-US" altLang="ja-JP" dirty="0"/>
-              <a:t>title</a:t>
-            </a:r>
-          </a:p>
-          <a:p>
-            <a:r>
-              <a:rPr lang="ja-JP" altLang="en-US"/>
-              <a:t>・</a:t>
-            </a:r>
-            <a:r>
-              <a:rPr lang="en-US" altLang="ja-JP" dirty="0" err="1"/>
-              <a:t>colorID</a:t>
-            </a:r>
-            <a:endParaRPr lang="en-US" altLang="ja-JP" dirty="0"/>
-          </a:p>
-        </p:txBody>
-      </p:sp>
-      <p:sp>
-        <p:nvSpPr>
-          <p:cNvPr id="14" name="テキスト ボックス 13">
-            <a:extLst>
-              <a:ext uri="{FF2B5EF4-FFF2-40B4-BE49-F238E27FC236}">
-                <a16:creationId xmlns:a16="http://schemas.microsoft.com/office/drawing/2014/main" id="{57A88D3F-0109-9376-481D-D4A5F4CFA833}"/>
-              </a:ext>
-            </a:extLst>
-          </p:cNvPr>
-          <p:cNvSpPr txBox="1"/>
-          <p:nvPr/>
-        </p:nvSpPr>
-        <p:spPr>
-          <a:xfrm>
-            <a:off x="9884228" y="1355603"/>
-            <a:ext cx="1324402" cy="369332"/>
-          </a:xfrm>
-          <a:prstGeom prst="rect">
-            <a:avLst/>
-          </a:prstGeom>
-          <a:noFill/>
-        </p:spPr>
-        <p:txBody>
-          <a:bodyPr wrap="none" rtlCol="0">
-            <a:spAutoFit/>
-          </a:bodyPr>
-          <a:lstStyle/>
-          <a:p>
-            <a:r>
-              <a:rPr kumimoji="1" lang="ja-JP" altLang="en-US"/>
-              <a:t>主キー：</a:t>
-            </a:r>
-            <a:r>
-              <a:rPr kumimoji="1" lang="en-US" altLang="ja-JP" dirty="0"/>
-              <a:t>AI</a:t>
-            </a:r>
-            <a:endParaRPr kumimoji="1" lang="ja-JP" altLang="en-US"/>
-          </a:p>
-        </p:txBody>
-      </p:sp>
-      <p:sp>
-        <p:nvSpPr>
-          <p:cNvPr id="2" name="テキスト ボックス 1">
-            <a:extLst>
-              <a:ext uri="{FF2B5EF4-FFF2-40B4-BE49-F238E27FC236}">
-                <a16:creationId xmlns:a16="http://schemas.microsoft.com/office/drawing/2014/main" id="{7336FF66-36B2-3840-A96A-36299BCD9DF6}"/>
-              </a:ext>
-            </a:extLst>
-          </p:cNvPr>
-          <p:cNvSpPr txBox="1"/>
-          <p:nvPr/>
-        </p:nvSpPr>
-        <p:spPr>
-          <a:xfrm>
-            <a:off x="9768811" y="3408678"/>
-            <a:ext cx="1800493" cy="1200329"/>
-          </a:xfrm>
-          <a:prstGeom prst="rect">
-            <a:avLst/>
-          </a:prstGeom>
-          <a:noFill/>
-        </p:spPr>
-        <p:txBody>
-          <a:bodyPr wrap="none" rtlCol="0">
-            <a:spAutoFit/>
-          </a:bodyPr>
-          <a:lstStyle/>
-          <a:p>
-            <a:r>
-              <a:rPr kumimoji="1" lang="ja-JP" altLang="en-US"/>
-              <a:t>カラーテーブル</a:t>
-            </a:r>
-            <a:endParaRPr kumimoji="1" lang="en-US" altLang="ja-JP" dirty="0"/>
-          </a:p>
-          <a:p>
-            <a:r>
-              <a:rPr lang="ja-JP" altLang="en-US"/>
-              <a:t>・</a:t>
-            </a:r>
-            <a:r>
-              <a:rPr lang="en-US" altLang="ja-JP" dirty="0" err="1"/>
-              <a:t>colorID</a:t>
-            </a:r>
-            <a:endParaRPr lang="en-US" altLang="ja-JP" dirty="0"/>
-          </a:p>
-          <a:p>
-            <a:r>
-              <a:rPr lang="ja-JP" altLang="en-US"/>
-              <a:t>・</a:t>
-            </a:r>
-            <a:r>
-              <a:rPr lang="en-US" altLang="ja-JP" dirty="0" err="1"/>
-              <a:t>colorName</a:t>
-            </a:r>
-            <a:endParaRPr lang="en-US" altLang="ja-JP" dirty="0"/>
-          </a:p>
-          <a:p>
-            <a:r>
-              <a:rPr lang="ja-JP" altLang="en-US"/>
-              <a:t>・</a:t>
-            </a:r>
-            <a:r>
-              <a:rPr lang="en-US" altLang="ja-JP" dirty="0" err="1"/>
-              <a:t>colorCode</a:t>
-            </a:r>
-            <a:endParaRPr lang="en-US" altLang="ja-JP" dirty="0"/>
           </a:p>
         </p:txBody>
       </p:sp>
     </p:spTree>
     <p:extLst>
       <p:ext uri="{BB962C8B-B14F-4D97-AF65-F5344CB8AC3E}">
-        <p14:creationId xmlns:p14="http://schemas.microsoft.com/office/powerpoint/2010/main" val="1181261854"/>
+        <p14:creationId xmlns:p14="http://schemas.microsoft.com/office/powerpoint/2010/main" val="1411861537"/>
       </p:ext>
     </p:extLst>
   </p:cSld>
@@ -4764,10 +4635,10 @@
       </p:grpSpPr>
       <p:sp>
         <p:nvSpPr>
-          <p:cNvPr id="4" name="テキスト ボックス 3">
-            <a:extLst>
-              <a:ext uri="{FF2B5EF4-FFF2-40B4-BE49-F238E27FC236}">
-                <a16:creationId xmlns:a16="http://schemas.microsoft.com/office/drawing/2014/main" id="{7926865C-0AE4-1A92-687E-1F483FC77CE8}"/>
+          <p:cNvPr id="7" name="テキスト ボックス 6">
+            <a:extLst>
+              <a:ext uri="{FF2B5EF4-FFF2-40B4-BE49-F238E27FC236}">
+                <a16:creationId xmlns:a16="http://schemas.microsoft.com/office/drawing/2014/main" id="{A1EB7679-4ABB-CEB4-90B5-0CE291DA6F75}"/>
               </a:ext>
             </a:extLst>
           </p:cNvPr>
@@ -4776,8 +4647,8 @@
         </p:nvSpPr>
         <p:spPr>
           <a:xfrm>
-            <a:off x="609600" y="674914"/>
-            <a:ext cx="2864887" cy="2031325"/>
+            <a:off x="261258" y="337457"/>
+            <a:ext cx="1569660" cy="369332"/>
           </a:xfrm>
           <a:prstGeom prst="rect">
             <a:avLst/>
@@ -4791,85 +4662,18 @@
           <a:lstStyle/>
           <a:p>
             <a:r>
-              <a:rPr lang="ja-JP" altLang="en-US"/>
-              <a:t>ログイン</a:t>
-            </a:r>
-            <a:endParaRPr lang="en-US" altLang="ja-JP" dirty="0"/>
-          </a:p>
-          <a:p>
-            <a:r>
-              <a:rPr kumimoji="1" lang="ja-JP" altLang="en-US"/>
-              <a:t>・リクエスト</a:t>
-            </a:r>
-            <a:endParaRPr kumimoji="1" lang="en-US" altLang="ja-JP" dirty="0"/>
-          </a:p>
-          <a:p>
-            <a:r>
-              <a:rPr lang="en-US" altLang="ja-JP" dirty="0"/>
-              <a:t>	</a:t>
-            </a:r>
-            <a:r>
-              <a:rPr lang="en-US" altLang="ja-JP" dirty="0" err="1"/>
-              <a:t>id,pass</a:t>
-            </a:r>
-            <a:endParaRPr lang="en-US" altLang="ja-JP" dirty="0"/>
-          </a:p>
-          <a:p>
-            <a:r>
-              <a:rPr kumimoji="1" lang="ja-JP" altLang="en-US"/>
-              <a:t>・レスポンス</a:t>
-            </a:r>
-            <a:endParaRPr kumimoji="1" lang="en-US" altLang="ja-JP" dirty="0"/>
-          </a:p>
-          <a:p>
-            <a:r>
-              <a:rPr lang="en-US" altLang="ja-JP" dirty="0"/>
-              <a:t>	group.</a:t>
-            </a:r>
-            <a:r>
-              <a:rPr lang="ja-JP" altLang="en-US"/>
-              <a:t>主キー</a:t>
-            </a:r>
-            <a:r>
-              <a:rPr lang="en-US" altLang="ja-JP" dirty="0"/>
-              <a:t>(AI)</a:t>
-            </a:r>
-            <a:endParaRPr kumimoji="1" lang="en-US" altLang="ja-JP" dirty="0"/>
-          </a:p>
-          <a:p>
-            <a:r>
-              <a:rPr lang="en-US" altLang="ja-JP" dirty="0"/>
-              <a:t>	user.</a:t>
-            </a:r>
-            <a:r>
-              <a:rPr lang="ja-JP" altLang="en-US"/>
-              <a:t>主キー</a:t>
-            </a:r>
-            <a:r>
-              <a:rPr lang="en-US" altLang="ja-JP" dirty="0"/>
-              <a:t>(AI)</a:t>
-            </a:r>
-            <a:endParaRPr kumimoji="1" lang="en-US" altLang="ja-JP" dirty="0"/>
-          </a:p>
-          <a:p>
-            <a:r>
-              <a:rPr lang="en-US" altLang="ja-JP" dirty="0"/>
-              <a:t>	</a:t>
-            </a:r>
-            <a:r>
-              <a:rPr lang="ja-JP" altLang="en-US"/>
-              <a:t>コード</a:t>
-            </a:r>
-            <a:endParaRPr lang="en-US" altLang="ja-JP" dirty="0"/>
-          </a:p>
-        </p:txBody>
-      </p:sp>
-      <p:sp>
-        <p:nvSpPr>
-          <p:cNvPr id="6" name="テキスト ボックス 5">
-            <a:extLst>
-              <a:ext uri="{FF2B5EF4-FFF2-40B4-BE49-F238E27FC236}">
-                <a16:creationId xmlns:a16="http://schemas.microsoft.com/office/drawing/2014/main" id="{92B62A6B-F2E9-C18F-B3BB-A97395463D79}"/>
+              <a:rPr kumimoji="1" lang="ja-JP" altLang="en-US"/>
+              <a:t>スケジュール</a:t>
+            </a:r>
+          </a:p>
+        </p:txBody>
+      </p:sp>
+      <p:sp>
+        <p:nvSpPr>
+          <p:cNvPr id="8" name="テキスト ボックス 7">
+            <a:extLst>
+              <a:ext uri="{FF2B5EF4-FFF2-40B4-BE49-F238E27FC236}">
+                <a16:creationId xmlns:a16="http://schemas.microsoft.com/office/drawing/2014/main" id="{7A76E934-FC50-A103-7939-C202CB43856B}"/>
               </a:ext>
             </a:extLst>
           </p:cNvPr>
@@ -4878,97 +4682,8 @@
         </p:nvSpPr>
         <p:spPr>
           <a:xfrm>
-            <a:off x="609599" y="2547257"/>
-            <a:ext cx="2601687" cy="1754326"/>
-          </a:xfrm>
-          <a:prstGeom prst="rect">
-            <a:avLst/>
-          </a:prstGeom>
-          <a:noFill/>
-        </p:spPr>
-        <p:txBody>
-          <a:bodyPr wrap="square" rtlCol="0">
-            <a:spAutoFit/>
-          </a:bodyPr>
-          <a:lstStyle/>
-          <a:p>
-            <a:r>
-              <a:rPr kumimoji="1" lang="ja-JP" altLang="en-US"/>
-              <a:t>登録</a:t>
-            </a:r>
-            <a:endParaRPr kumimoji="1" lang="en-US" altLang="ja-JP" dirty="0"/>
-          </a:p>
-          <a:p>
-            <a:r>
-              <a:rPr lang="ja-JP" altLang="en-US"/>
-              <a:t>・</a:t>
-            </a:r>
-            <a:r>
-              <a:rPr lang="en-US" altLang="ja-JP" dirty="0"/>
-              <a:t>req</a:t>
-            </a:r>
-          </a:p>
-          <a:p>
-            <a:r>
-              <a:rPr lang="en-US" altLang="ja-JP" dirty="0"/>
-              <a:t>	</a:t>
-            </a:r>
-            <a:r>
-              <a:rPr lang="en-US" altLang="ja-JP" dirty="0" err="1"/>
-              <a:t>id,pass</a:t>
-            </a:r>
-            <a:endParaRPr lang="en-US" altLang="ja-JP" dirty="0"/>
-          </a:p>
-          <a:p>
-            <a:r>
-              <a:rPr lang="ja-JP" altLang="en-US"/>
-              <a:t>・</a:t>
-            </a:r>
-            <a:r>
-              <a:rPr lang="en-US" altLang="ja-JP" dirty="0"/>
-              <a:t>res</a:t>
-            </a:r>
-          </a:p>
-          <a:p>
-            <a:r>
-              <a:rPr lang="en-US" altLang="ja-JP" dirty="0"/>
-              <a:t>	user.</a:t>
-            </a:r>
-            <a:r>
-              <a:rPr lang="ja-JP" altLang="en-US"/>
-              <a:t>主キー</a:t>
-            </a:r>
-            <a:endParaRPr lang="en-US" altLang="ja-JP" dirty="0"/>
-          </a:p>
-          <a:p>
-            <a:r>
-              <a:rPr lang="en-US" altLang="ja-JP" dirty="0"/>
-              <a:t>	</a:t>
-            </a:r>
-            <a:r>
-              <a:rPr lang="ja-JP" altLang="en-US"/>
-              <a:t>コード</a:t>
-            </a:r>
-            <a:endParaRPr lang="en-US" altLang="ja-JP" dirty="0"/>
-          </a:p>
-        </p:txBody>
-      </p:sp>
-      <p:sp>
-        <p:nvSpPr>
-          <p:cNvPr id="7" name="テキスト ボックス 6">
-            <a:extLst>
-              <a:ext uri="{FF2B5EF4-FFF2-40B4-BE49-F238E27FC236}">
-                <a16:creationId xmlns:a16="http://schemas.microsoft.com/office/drawing/2014/main" id="{24FFEA1F-F76E-E1C5-0B6F-207D595AFD8C}"/>
-              </a:ext>
-            </a:extLst>
-          </p:cNvPr>
-          <p:cNvSpPr txBox="1"/>
-          <p:nvPr/>
-        </p:nvSpPr>
-        <p:spPr>
-          <a:xfrm>
-            <a:off x="3995057" y="674914"/>
-            <a:ext cx="2497800" cy="4247317"/>
+            <a:off x="805543" y="1077686"/>
+            <a:ext cx="3672800" cy="1754326"/>
           </a:xfrm>
           <a:prstGeom prst="rect">
             <a:avLst/>
@@ -4982,364 +4697,96 @@
           <a:lstStyle/>
           <a:p>
             <a:r>
+              <a:rPr lang="ja-JP" altLang="en-US"/>
+              <a:t>一次開発</a:t>
+            </a:r>
+            <a:endParaRPr lang="en-US" altLang="ja-JP" dirty="0"/>
+          </a:p>
+          <a:p>
+            <a:r>
+              <a:rPr kumimoji="1" lang="ja-JP" altLang="en-US"/>
+              <a:t>・</a:t>
+            </a:r>
+            <a:r>
               <a:rPr kumimoji="1" lang="en-US" altLang="ja-JP" dirty="0"/>
-              <a:t>Todo :res</a:t>
-            </a:r>
-          </a:p>
-          <a:p>
+              <a:t>25</a:t>
+            </a:r>
+            <a:r>
+              <a:rPr kumimoji="1" lang="ja-JP" altLang="en-US"/>
+              <a:t>日終日までに</a:t>
+            </a:r>
+            <a:r>
+              <a:rPr kumimoji="1" lang="en-US" altLang="ja-JP" dirty="0"/>
+              <a:t>Todo</a:t>
+            </a:r>
+            <a:r>
+              <a:rPr kumimoji="1" lang="ja-JP" altLang="en-US"/>
+              <a:t>機能実装</a:t>
+            </a:r>
+            <a:endParaRPr kumimoji="1" lang="en-US" altLang="ja-JP" dirty="0"/>
+          </a:p>
+          <a:p>
+            <a:r>
+              <a:rPr lang="ja-JP" altLang="en-US"/>
+              <a:t>二次開発</a:t>
+            </a:r>
+            <a:endParaRPr kumimoji="1" lang="en-US" altLang="ja-JP" dirty="0"/>
+          </a:p>
+          <a:p>
+            <a:r>
+              <a:rPr lang="ja-JP" altLang="en-US"/>
+              <a:t>・</a:t>
+            </a:r>
             <a:r>
               <a:rPr lang="en-US" altLang="ja-JP" dirty="0"/>
-              <a:t>Create</a:t>
-            </a:r>
-          </a:p>
-          <a:p>
-            <a:r>
-              <a:rPr lang="en-US" altLang="ja-JP" dirty="0"/>
-              <a:t>	status</a:t>
-            </a:r>
-          </a:p>
-          <a:p>
-            <a:r>
-              <a:rPr lang="en-US" altLang="ja-JP" dirty="0"/>
-              <a:t>Read</a:t>
-            </a:r>
-          </a:p>
-          <a:p>
-            <a:r>
-              <a:rPr lang="en-US" altLang="ja-JP" dirty="0"/>
-              <a:t>	[</a:t>
-            </a:r>
-          </a:p>
-          <a:p>
-            <a:r>
-              <a:rPr lang="en-US" altLang="ja-JP" dirty="0"/>
-              <a:t>	Tag.Name</a:t>
-            </a:r>
-          </a:p>
-          <a:p>
-            <a:r>
-              <a:rPr lang="en-US" altLang="ja-JP" dirty="0"/>
-              <a:t>	</a:t>
-            </a:r>
-            <a:r>
-              <a:rPr lang="en-US" altLang="ja-JP" dirty="0" err="1"/>
-              <a:t>Todo.title</a:t>
+              <a:t>26</a:t>
+            </a:r>
+            <a:r>
+              <a:rPr lang="ja-JP" altLang="en-US"/>
+              <a:t>日終日までにユーザ機能実装</a:t>
             </a:r>
             <a:endParaRPr lang="en-US" altLang="ja-JP" dirty="0"/>
           </a:p>
           <a:p>
             <a:r>
-              <a:rPr lang="en-US" altLang="ja-JP" dirty="0"/>
-              <a:t>	</a:t>
-            </a:r>
-            <a:r>
-              <a:rPr lang="en-US" altLang="ja-JP" dirty="0" err="1"/>
-              <a:t>User.name</a:t>
+              <a:rPr lang="ja-JP" altLang="en-US"/>
+              <a:t>三次開発以降</a:t>
             </a:r>
             <a:endParaRPr lang="en-US" altLang="ja-JP" dirty="0"/>
           </a:p>
           <a:p>
             <a:r>
-              <a:rPr lang="en-US" altLang="ja-JP" dirty="0"/>
-              <a:t>	</a:t>
-            </a:r>
-            <a:r>
-              <a:rPr lang="en-US" altLang="ja-JP" dirty="0" err="1"/>
-              <a:t>Group.name</a:t>
-            </a:r>
-            <a:r>
-              <a:rPr lang="en-US" altLang="ja-JP" dirty="0"/>
-              <a:t>]</a:t>
-            </a:r>
-          </a:p>
-          <a:p>
-            <a:r>
-              <a:rPr lang="en-US" altLang="ja-JP" dirty="0"/>
-              <a:t>	</a:t>
-            </a:r>
-          </a:p>
-          <a:p>
-            <a:r>
-              <a:rPr lang="en-US" altLang="ja-JP" dirty="0"/>
-              <a:t>Update</a:t>
-            </a:r>
-          </a:p>
-          <a:p>
-            <a:r>
-              <a:rPr lang="en-US" altLang="ja-JP" dirty="0"/>
-              <a:t>	</a:t>
-            </a:r>
-            <a:r>
-              <a:rPr lang="ja-JP" altLang="en-US"/>
-              <a:t>変更後の差分</a:t>
-            </a:r>
-            <a:endParaRPr lang="en-US" altLang="ja-JP" dirty="0"/>
-          </a:p>
-          <a:p>
-            <a:endParaRPr lang="en-US" altLang="ja-JP" dirty="0"/>
-          </a:p>
-          <a:p>
-            <a:r>
-              <a:rPr lang="en-US" altLang="ja-JP" dirty="0"/>
-              <a:t>Delete</a:t>
-            </a:r>
-          </a:p>
-          <a:p>
-            <a:r>
-              <a:rPr lang="en-US" altLang="ja-JP" dirty="0"/>
-              <a:t>	status</a:t>
-            </a:r>
-          </a:p>
-        </p:txBody>
-      </p:sp>
-      <p:sp>
-        <p:nvSpPr>
-          <p:cNvPr id="9" name="テキスト ボックス 8">
-            <a:extLst>
-              <a:ext uri="{FF2B5EF4-FFF2-40B4-BE49-F238E27FC236}">
-                <a16:creationId xmlns:a16="http://schemas.microsoft.com/office/drawing/2014/main" id="{D7272AA9-B586-BD6C-CD75-6C7973D3D53F}"/>
-              </a:ext>
-            </a:extLst>
-          </p:cNvPr>
-          <p:cNvSpPr txBox="1"/>
-          <p:nvPr/>
-        </p:nvSpPr>
-        <p:spPr>
-          <a:xfrm>
-            <a:off x="6613153" y="674913"/>
-            <a:ext cx="4591321" cy="6463308"/>
-          </a:xfrm>
-          <a:prstGeom prst="rect">
-            <a:avLst/>
-          </a:prstGeom>
-          <a:noFill/>
-        </p:spPr>
-        <p:txBody>
-          <a:bodyPr wrap="none" rtlCol="0">
-            <a:spAutoFit/>
-          </a:bodyPr>
-          <a:lstStyle/>
-          <a:p>
+              <a:rPr kumimoji="1" lang="ja-JP" altLang="en-US"/>
+              <a:t>・</a:t>
+            </a:r>
             <a:r>
               <a:rPr kumimoji="1" lang="en-US" altLang="ja-JP" dirty="0"/>
-              <a:t>Todo :req</a:t>
-            </a:r>
-          </a:p>
-          <a:p>
-            <a:r>
-              <a:rPr lang="en-US" altLang="ja-JP" dirty="0"/>
-              <a:t>Create</a:t>
-            </a:r>
-          </a:p>
-          <a:p>
-            <a:r>
-              <a:rPr lang="en-US" altLang="ja-JP" dirty="0"/>
-              <a:t>	</a:t>
-            </a:r>
-            <a:r>
-              <a:rPr lang="en-US" altLang="ja-JP" dirty="0" err="1"/>
-              <a:t>UserID</a:t>
-            </a:r>
-            <a:endParaRPr lang="en-US" altLang="ja-JP" dirty="0"/>
-          </a:p>
-          <a:p>
-            <a:r>
-              <a:rPr lang="en-US" altLang="ja-JP" dirty="0"/>
-              <a:t>	</a:t>
-            </a:r>
-            <a:r>
-              <a:rPr lang="en-US" altLang="ja-JP" dirty="0" err="1"/>
-              <a:t>GroupID</a:t>
-            </a:r>
-            <a:endParaRPr lang="en-US" altLang="ja-JP" dirty="0"/>
-          </a:p>
-          <a:p>
-            <a:r>
-              <a:rPr lang="en-US" altLang="ja-JP" dirty="0"/>
-              <a:t>	Title</a:t>
-            </a:r>
-          </a:p>
-          <a:p>
-            <a:r>
-              <a:rPr lang="en-US" altLang="ja-JP" dirty="0"/>
-              <a:t>	Tag</a:t>
-            </a:r>
-          </a:p>
-          <a:p>
-            <a:endParaRPr lang="en-US" altLang="ja-JP" dirty="0"/>
-          </a:p>
-          <a:p>
-            <a:r>
-              <a:rPr lang="en-US" altLang="ja-JP" dirty="0"/>
-              <a:t>Read</a:t>
-            </a:r>
-          </a:p>
-          <a:p>
-            <a:r>
-              <a:rPr lang="en-US" altLang="ja-JP" dirty="0"/>
-              <a:t>	user.</a:t>
-            </a:r>
-            <a:r>
-              <a:rPr lang="ja-JP" altLang="en-US"/>
-              <a:t>主キー</a:t>
-            </a:r>
-            <a:endParaRPr lang="en-US" altLang="ja-JP" dirty="0"/>
-          </a:p>
-          <a:p>
-            <a:r>
-              <a:rPr lang="en-US" altLang="ja-JP" dirty="0"/>
-              <a:t>	group.</a:t>
-            </a:r>
-            <a:r>
-              <a:rPr lang="ja-JP" altLang="en-US"/>
-              <a:t>主キー</a:t>
-            </a:r>
-            <a:endParaRPr lang="en-US" altLang="ja-JP" dirty="0"/>
-          </a:p>
-          <a:p>
-            <a:r>
-              <a:rPr lang="en-US" altLang="ja-JP" dirty="0"/>
-              <a:t>Update</a:t>
-            </a:r>
-          </a:p>
-          <a:p>
-            <a:r>
-              <a:rPr lang="en-US" altLang="ja-JP" dirty="0"/>
-              <a:t>	</a:t>
-            </a:r>
-            <a:r>
-              <a:rPr lang="en-US" altLang="ja-JP" dirty="0" err="1"/>
-              <a:t>TodoID</a:t>
-            </a:r>
-            <a:endParaRPr lang="en-US" altLang="ja-JP" dirty="0"/>
-          </a:p>
-          <a:p>
-            <a:r>
-              <a:rPr lang="en-US" altLang="ja-JP" dirty="0"/>
-              <a:t>	Title</a:t>
-            </a:r>
-          </a:p>
-          <a:p>
-            <a:r>
-              <a:rPr lang="en-US" altLang="ja-JP" dirty="0"/>
-              <a:t>	Tag</a:t>
-            </a:r>
-          </a:p>
-          <a:p>
-            <a:r>
-              <a:rPr lang="en-US" altLang="ja-JP" dirty="0"/>
-              <a:t>	SQL: UPDATE Todo </a:t>
-            </a:r>
-          </a:p>
-          <a:p>
-            <a:r>
-              <a:rPr lang="en-US" altLang="ja-JP" dirty="0"/>
-              <a:t>		SET Title = </a:t>
-            </a:r>
-            <a:r>
-              <a:rPr lang="ja-JP" altLang="en-US"/>
-              <a:t>値</a:t>
-            </a:r>
-            <a:r>
-              <a:rPr lang="en-US" altLang="ja-JP" dirty="0"/>
-              <a:t>, Tag = </a:t>
-            </a:r>
-            <a:r>
-              <a:rPr lang="ja-JP" altLang="en-US"/>
-              <a:t>値</a:t>
-            </a:r>
-            <a:endParaRPr lang="en-US" altLang="ja-JP" dirty="0"/>
-          </a:p>
-          <a:p>
-            <a:r>
-              <a:rPr lang="en-US" altLang="ja-JP" dirty="0"/>
-              <a:t>		WHERE </a:t>
-            </a:r>
-            <a:r>
-              <a:rPr lang="en-US" altLang="ja-JP" dirty="0" err="1"/>
-              <a:t>Todo.id</a:t>
-            </a:r>
-            <a:r>
-              <a:rPr lang="en-US" altLang="ja-JP" dirty="0"/>
-              <a:t> = </a:t>
-            </a:r>
-            <a:r>
-              <a:rPr lang="ja-JP" altLang="en-US"/>
-              <a:t>値</a:t>
-            </a:r>
-            <a:r>
-              <a:rPr lang="en-US" altLang="ja-JP" dirty="0"/>
-              <a:t>  </a:t>
-            </a:r>
-          </a:p>
-          <a:p>
-            <a:r>
-              <a:rPr lang="en-US" altLang="ja-JP" dirty="0"/>
-              <a:t>Delete</a:t>
-            </a:r>
-          </a:p>
-          <a:p>
-            <a:r>
-              <a:rPr lang="en-US" altLang="ja-JP" dirty="0"/>
-              <a:t>	</a:t>
-            </a:r>
-            <a:r>
-              <a:rPr lang="en-US" altLang="ja-JP" dirty="0" err="1"/>
-              <a:t>TodoID</a:t>
-            </a:r>
-            <a:endParaRPr lang="en-US" altLang="ja-JP" dirty="0"/>
-          </a:p>
-          <a:p>
-            <a:r>
-              <a:rPr lang="en-US" altLang="ja-JP" dirty="0"/>
-              <a:t>	SQL: UPDATE Tod</a:t>
-            </a:r>
-          </a:p>
-          <a:p>
-            <a:r>
-              <a:rPr lang="en-US" altLang="ja-JP" dirty="0"/>
-              <a:t>		SET </a:t>
-            </a:r>
-            <a:r>
-              <a:rPr lang="en-US" altLang="ja-JP" dirty="0" err="1"/>
-              <a:t>delFlag</a:t>
-            </a:r>
-            <a:r>
-              <a:rPr lang="en-US" altLang="ja-JP" dirty="0"/>
-              <a:t> = true</a:t>
-            </a:r>
-          </a:p>
-          <a:p>
-            <a:r>
-              <a:rPr lang="en-US" altLang="ja-JP" dirty="0"/>
-              <a:t>		WHER </a:t>
-            </a:r>
-            <a:r>
-              <a:rPr lang="en-US" altLang="ja-JP" dirty="0" err="1"/>
-              <a:t>Todo.id</a:t>
-            </a:r>
-            <a:r>
-              <a:rPr lang="en-US" altLang="ja-JP" dirty="0"/>
-              <a:t> = </a:t>
-            </a:r>
-            <a:r>
-              <a:rPr lang="ja-JP" altLang="en-US"/>
-              <a:t>値</a:t>
-            </a:r>
-            <a:r>
-              <a:rPr lang="en-US" altLang="ja-JP" dirty="0"/>
-              <a:t> </a:t>
-            </a:r>
-          </a:p>
-          <a:p>
-            <a:endParaRPr lang="en-US" altLang="ja-JP" dirty="0"/>
+              <a:t>27</a:t>
+            </a:r>
+            <a:r>
+              <a:rPr kumimoji="1" lang="ja-JP" altLang="en-US"/>
+              <a:t>日　グループ機能実装</a:t>
+            </a:r>
+            <a:r>
+              <a:rPr kumimoji="1" lang="en-US" altLang="ja-JP" dirty="0"/>
+              <a:t>(</a:t>
+            </a:r>
+            <a:r>
+              <a:rPr kumimoji="1" lang="ja-JP" altLang="en-US"/>
+              <a:t>願望</a:t>
+            </a:r>
+            <a:r>
+              <a:rPr kumimoji="1" lang="en-US" altLang="ja-JP" dirty="0"/>
+              <a:t>)</a:t>
+            </a:r>
+            <a:endParaRPr kumimoji="1" lang="ja-JP" altLang="en-US"/>
           </a:p>
         </p:txBody>
       </p:sp>
     </p:spTree>
     <p:extLst>
       <p:ext uri="{BB962C8B-B14F-4D97-AF65-F5344CB8AC3E}">
-        <p14:creationId xmlns:p14="http://schemas.microsoft.com/office/powerpoint/2010/main" val="693251848"/>
+        <p14:creationId xmlns:p14="http://schemas.microsoft.com/office/powerpoint/2010/main" val="295005803"/>
       </p:ext>
     </p:extLst>
   </p:cSld>
@@ -5368,10 +4815,77 @@
       </p:grpSpPr>
       <p:sp>
         <p:nvSpPr>
-          <p:cNvPr id="4" name="角丸四角形 3">
-            <a:extLst>
-              <a:ext uri="{FF2B5EF4-FFF2-40B4-BE49-F238E27FC236}">
-                <a16:creationId xmlns:a16="http://schemas.microsoft.com/office/drawing/2014/main" id="{94977F31-43DA-14BD-5069-A62CC7ED7CCD}"/>
+          <p:cNvPr id="2" name="タイトル 1">
+            <a:extLst>
+              <a:ext uri="{FF2B5EF4-FFF2-40B4-BE49-F238E27FC236}">
+                <a16:creationId xmlns:a16="http://schemas.microsoft.com/office/drawing/2014/main" id="{40BD442B-9D36-B7C2-DEDB-24D1BE2C7336}"/>
+              </a:ext>
+            </a:extLst>
+          </p:cNvPr>
+          <p:cNvSpPr>
+            <a:spLocks noGrp="1"/>
+          </p:cNvSpPr>
+          <p:nvPr>
+            <p:ph type="title"/>
+          </p:nvPr>
+        </p:nvSpPr>
+        <p:spPr/>
+        <p:txBody>
+          <a:bodyPr/>
+          <a:lstStyle/>
+          <a:p>
+            <a:r>
+              <a:rPr kumimoji="1" lang="ja-JP" altLang="en-US"/>
+              <a:t>１次開発</a:t>
+            </a:r>
+          </a:p>
+        </p:txBody>
+      </p:sp>
+      <p:sp>
+        <p:nvSpPr>
+          <p:cNvPr id="4" name="テキスト ボックス 3">
+            <a:extLst>
+              <a:ext uri="{FF2B5EF4-FFF2-40B4-BE49-F238E27FC236}">
+                <a16:creationId xmlns:a16="http://schemas.microsoft.com/office/drawing/2014/main" id="{95AC4ACC-3E72-8AD8-FE17-FF5FB9E18759}"/>
+              </a:ext>
+            </a:extLst>
+          </p:cNvPr>
+          <p:cNvSpPr txBox="1"/>
+          <p:nvPr/>
+        </p:nvSpPr>
+        <p:spPr>
+          <a:xfrm>
+            <a:off x="1055914" y="1567543"/>
+            <a:ext cx="813043" cy="369332"/>
+          </a:xfrm>
+          <a:prstGeom prst="rect">
+            <a:avLst/>
+          </a:prstGeom>
+          <a:noFill/>
+        </p:spPr>
+        <p:txBody>
+          <a:bodyPr wrap="none" rtlCol="0">
+            <a:spAutoFit/>
+          </a:bodyPr>
+          <a:lstStyle/>
+          <a:p>
+            <a:r>
+              <a:rPr kumimoji="1" lang="en-US" altLang="ja-JP" dirty="0"/>
+              <a:t>E-R</a:t>
+            </a:r>
+            <a:r>
+              <a:rPr kumimoji="1" lang="ja-JP" altLang="en-US"/>
+              <a:t>図</a:t>
+            </a:r>
+          </a:p>
+        </p:txBody>
+      </p:sp>
+      <p:sp>
+        <p:nvSpPr>
+          <p:cNvPr id="5" name="角丸四角形 4">
+            <a:extLst>
+              <a:ext uri="{FF2B5EF4-FFF2-40B4-BE49-F238E27FC236}">
+                <a16:creationId xmlns:a16="http://schemas.microsoft.com/office/drawing/2014/main" id="{25D77B6E-2592-8E2D-7D61-8AE2E7A59BAB}"/>
               </a:ext>
             </a:extLst>
           </p:cNvPr>
@@ -5380,8 +4894,8 @@
         </p:nvSpPr>
         <p:spPr>
           <a:xfrm>
-            <a:off x="696687" y="551543"/>
-            <a:ext cx="2148114" cy="1465943"/>
+            <a:off x="1578429" y="2405743"/>
+            <a:ext cx="2525485" cy="1023257"/>
           </a:xfrm>
           <a:prstGeom prst="roundRect">
             <a:avLst/>
@@ -5409,9 +4923,10 @@
           <a:p>
             <a:pPr algn="ctr"/>
             <a:r>
-              <a:rPr kumimoji="1" lang="ja-JP" altLang="en-US"/>
-              <a:t>ログイン</a:t>
-            </a:r>
+              <a:rPr kumimoji="1" lang="en-US" altLang="ja-JP" dirty="0"/>
+              <a:t>ToDo</a:t>
+            </a:r>
+            <a:endParaRPr kumimoji="1" lang="ja-JP" altLang="en-US"/>
           </a:p>
         </p:txBody>
       </p:sp>
@@ -5420,7 +4935,7 @@
           <p:cNvPr id="6" name="角丸四角形 5">
             <a:extLst>
               <a:ext uri="{FF2B5EF4-FFF2-40B4-BE49-F238E27FC236}">
-                <a16:creationId xmlns:a16="http://schemas.microsoft.com/office/drawing/2014/main" id="{F92E03B1-C41D-393C-D47A-8D78A7174ED0}"/>
+                <a16:creationId xmlns:a16="http://schemas.microsoft.com/office/drawing/2014/main" id="{88D63E03-AB36-C202-ABCD-FAC7E08006AB}"/>
               </a:ext>
             </a:extLst>
           </p:cNvPr>
@@ -5429,8 +4944,8 @@
         </p:nvSpPr>
         <p:spPr>
           <a:xfrm>
-            <a:off x="4800600" y="551542"/>
-            <a:ext cx="2590799" cy="1465943"/>
+            <a:off x="7641772" y="2405743"/>
+            <a:ext cx="2525485" cy="1023257"/>
           </a:xfrm>
           <a:prstGeom prst="roundRect">
             <a:avLst/>
@@ -5458,18 +4973,19 @@
           <a:p>
             <a:pPr algn="ctr"/>
             <a:r>
-              <a:rPr kumimoji="1" lang="ja-JP" altLang="en-US"/>
-              <a:t>グループリスト</a:t>
-            </a:r>
-          </a:p>
-        </p:txBody>
-      </p:sp>
-      <p:sp>
-        <p:nvSpPr>
-          <p:cNvPr id="7" name="角丸四角形 6">
-            <a:extLst>
-              <a:ext uri="{FF2B5EF4-FFF2-40B4-BE49-F238E27FC236}">
-                <a16:creationId xmlns:a16="http://schemas.microsoft.com/office/drawing/2014/main" id="{F3177B1C-3935-E278-6B08-753F359D96C2}"/>
+              <a:rPr kumimoji="1" lang="en-US" altLang="ja-JP" dirty="0"/>
+              <a:t>Tag</a:t>
+            </a:r>
+            <a:endParaRPr kumimoji="1" lang="ja-JP" altLang="en-US"/>
+          </a:p>
+        </p:txBody>
+      </p:sp>
+      <p:sp>
+        <p:nvSpPr>
+          <p:cNvPr id="7" name="フローチャート: 判断 6">
+            <a:extLst>
+              <a:ext uri="{FF2B5EF4-FFF2-40B4-BE49-F238E27FC236}">
+                <a16:creationId xmlns:a16="http://schemas.microsoft.com/office/drawing/2014/main" id="{81E57B44-DFBC-0EC9-3515-D2EE52D922C4}"/>
               </a:ext>
             </a:extLst>
           </p:cNvPr>
@@ -5478,10 +4994,10 @@
         </p:nvSpPr>
         <p:spPr>
           <a:xfrm>
-            <a:off x="9144002" y="551543"/>
-            <a:ext cx="2148114" cy="1465943"/>
-          </a:xfrm>
-          <a:prstGeom prst="roundRect">
+            <a:off x="5176157" y="2498271"/>
+            <a:ext cx="1393372" cy="838200"/>
+          </a:xfrm>
+          <a:prstGeom prst="flowChartDecision">
             <a:avLst/>
           </a:prstGeom>
         </p:spPr>
@@ -5507,40 +5023,48 @@
           <a:p>
             <a:pPr algn="ctr"/>
             <a:r>
-              <a:rPr kumimoji="1" lang="en-US" altLang="ja-JP" dirty="0"/>
-              <a:t>Todo</a:t>
-            </a:r>
-            <a:endParaRPr kumimoji="1" lang="ja-JP" altLang="en-US"/>
+              <a:rPr lang="en-US" altLang="ja-JP" sz="1100" dirty="0"/>
+              <a:t>todo_id</a:t>
+            </a:r>
+          </a:p>
+          <a:p>
+            <a:pPr algn="ctr"/>
+            <a:r>
+              <a:rPr lang="en-US" altLang="ja-JP" sz="1100" dirty="0"/>
+              <a:t>t</a:t>
+            </a:r>
+            <a:r>
+              <a:rPr kumimoji="1" lang="en-US" altLang="ja-JP" sz="1100" dirty="0"/>
+              <a:t>ag_id</a:t>
+            </a:r>
+            <a:endParaRPr kumimoji="1" lang="ja-JP" altLang="en-US" sz="1100"/>
           </a:p>
         </p:txBody>
       </p:sp>
       <p:cxnSp>
         <p:nvCxnSpPr>
-          <p:cNvPr id="9" name="直線矢印コネクタ 8">
-            <a:extLst>
-              <a:ext uri="{FF2B5EF4-FFF2-40B4-BE49-F238E27FC236}">
-                <a16:creationId xmlns:a16="http://schemas.microsoft.com/office/drawing/2014/main" id="{D8CE26F0-02BD-BE52-0B2A-E9C4683694E7}"/>
+          <p:cNvPr id="9" name="カギ線コネクタ 8">
+            <a:extLst>
+              <a:ext uri="{FF2B5EF4-FFF2-40B4-BE49-F238E27FC236}">
+                <a16:creationId xmlns:a16="http://schemas.microsoft.com/office/drawing/2014/main" id="{6F6FF72C-46D3-322A-4045-D0AF137B97C9}"/>
               </a:ext>
             </a:extLst>
           </p:cNvPr>
           <p:cNvCxnSpPr>
-            <a:cxnSpLocks/>
-            <a:stCxn id="4" idx="3"/>
-            <a:endCxn id="6" idx="1"/>
+            <a:stCxn id="7" idx="1"/>
+            <a:endCxn id="5" idx="3"/>
           </p:cNvCxnSpPr>
           <p:nvPr/>
         </p:nvCxnSpPr>
         <p:spPr>
-          <a:xfrm flipV="1">
-            <a:off x="2844801" y="1284514"/>
-            <a:ext cx="1955799" cy="1"/>
-          </a:xfrm>
-          <a:prstGeom prst="straightConnector1">
+          <a:xfrm rot="10800000" flipV="1">
+            <a:off x="4060158" y="2917371"/>
+            <a:ext cx="1116000" cy="0"/>
+          </a:xfrm>
+          <a:prstGeom prst="bentConnector3">
             <a:avLst/>
           </a:prstGeom>
-          <a:ln w="60325">
-            <a:tailEnd type="triangle"/>
-          </a:ln>
+          <a:ln w="38100"/>
         </p:spPr>
         <p:style>
           <a:lnRef idx="1">
@@ -5559,31 +5083,154 @@
       </p:cxnSp>
       <p:cxnSp>
         <p:nvCxnSpPr>
-          <p:cNvPr id="10" name="直線矢印コネクタ 9">
-            <a:extLst>
-              <a:ext uri="{FF2B5EF4-FFF2-40B4-BE49-F238E27FC236}">
-                <a16:creationId xmlns:a16="http://schemas.microsoft.com/office/drawing/2014/main" id="{34707B68-0C0F-53C2-DB96-BD71DFB384C9}"/>
-              </a:ext>
-            </a:extLst>
-          </p:cNvPr>
-          <p:cNvCxnSpPr>
-            <a:cxnSpLocks/>
-            <a:stCxn id="6" idx="3"/>
-            <a:endCxn id="7" idx="1"/>
-          </p:cNvCxnSpPr>
+          <p:cNvPr id="10" name="カギ線コネクタ 9">
+            <a:extLst>
+              <a:ext uri="{FF2B5EF4-FFF2-40B4-BE49-F238E27FC236}">
+                <a16:creationId xmlns:a16="http://schemas.microsoft.com/office/drawing/2014/main" id="{2335B4E4-14D3-F4CB-A276-E5185F0A11D8}"/>
+              </a:ext>
+            </a:extLst>
+          </p:cNvPr>
+          <p:cNvCxnSpPr/>
           <p:nvPr/>
         </p:nvCxnSpPr>
         <p:spPr>
+          <a:xfrm rot="10800000" flipV="1">
+            <a:off x="6525772" y="2917370"/>
+            <a:ext cx="1116000" cy="0"/>
+          </a:xfrm>
+          <a:prstGeom prst="bentConnector3">
+            <a:avLst/>
+          </a:prstGeom>
+          <a:ln w="38100"/>
+        </p:spPr>
+        <p:style>
+          <a:lnRef idx="1">
+            <a:schemeClr val="accent1"/>
+          </a:lnRef>
+          <a:fillRef idx="0">
+            <a:schemeClr val="accent1"/>
+          </a:fillRef>
+          <a:effectRef idx="0">
+            <a:schemeClr val="accent1"/>
+          </a:effectRef>
+          <a:fontRef idx="minor">
+            <a:schemeClr val="tx1"/>
+          </a:fontRef>
+        </p:style>
+      </p:cxnSp>
+      <p:sp>
+        <p:nvSpPr>
+          <p:cNvPr id="11" name="三角形 10">
+            <a:extLst>
+              <a:ext uri="{FF2B5EF4-FFF2-40B4-BE49-F238E27FC236}">
+                <a16:creationId xmlns:a16="http://schemas.microsoft.com/office/drawing/2014/main" id="{77C6341B-A334-1714-DAFC-D4586BB8CC97}"/>
+              </a:ext>
+            </a:extLst>
+          </p:cNvPr>
+          <p:cNvSpPr/>
+          <p:nvPr/>
+        </p:nvSpPr>
+        <p:spPr>
+          <a:xfrm rot="5400000">
+            <a:off x="4011045" y="2681626"/>
+            <a:ext cx="657225" cy="471487"/>
+          </a:xfrm>
+          <a:prstGeom prst="triangle">
+            <a:avLst/>
+          </a:prstGeom>
+        </p:spPr>
+        <p:style>
+          <a:lnRef idx="2">
+            <a:schemeClr val="accent1">
+              <a:shade val="15000"/>
+            </a:schemeClr>
+          </a:lnRef>
+          <a:fillRef idx="1">
+            <a:schemeClr val="accent1"/>
+          </a:fillRef>
+          <a:effectRef idx="0">
+            <a:schemeClr val="accent1"/>
+          </a:effectRef>
+          <a:fontRef idx="minor">
+            <a:schemeClr val="lt1"/>
+          </a:fontRef>
+        </p:style>
+        <p:txBody>
+          <a:bodyPr rtlCol="0" anchor="ctr"/>
+          <a:lstStyle/>
+          <a:p>
+            <a:pPr algn="ctr"/>
+            <a:endParaRPr kumimoji="1" lang="ja-JP" altLang="en-US"/>
+          </a:p>
+        </p:txBody>
+      </p:sp>
+      <p:sp>
+        <p:nvSpPr>
+          <p:cNvPr id="12" name="三角形 11">
+            <a:extLst>
+              <a:ext uri="{FF2B5EF4-FFF2-40B4-BE49-F238E27FC236}">
+                <a16:creationId xmlns:a16="http://schemas.microsoft.com/office/drawing/2014/main" id="{E2F5970B-2E12-0E1A-DEFA-1C7DE07CA43D}"/>
+              </a:ext>
+            </a:extLst>
+          </p:cNvPr>
+          <p:cNvSpPr/>
+          <p:nvPr/>
+        </p:nvSpPr>
+        <p:spPr>
+          <a:xfrm rot="16200000">
+            <a:off x="7077416" y="2681625"/>
+            <a:ext cx="657225" cy="471487"/>
+          </a:xfrm>
+          <a:prstGeom prst="triangle">
+            <a:avLst/>
+          </a:prstGeom>
+        </p:spPr>
+        <p:style>
+          <a:lnRef idx="2">
+            <a:schemeClr val="accent1">
+              <a:shade val="15000"/>
+            </a:schemeClr>
+          </a:lnRef>
+          <a:fillRef idx="1">
+            <a:schemeClr val="accent1"/>
+          </a:fillRef>
+          <a:effectRef idx="0">
+            <a:schemeClr val="accent1"/>
+          </a:effectRef>
+          <a:fontRef idx="minor">
+            <a:schemeClr val="lt1"/>
+          </a:fontRef>
+        </p:style>
+        <p:txBody>
+          <a:bodyPr rtlCol="0" anchor="ctr"/>
+          <a:lstStyle/>
+          <a:p>
+            <a:pPr algn="ctr"/>
+            <a:endParaRPr kumimoji="1" lang="ja-JP" altLang="en-US"/>
+          </a:p>
+        </p:txBody>
+      </p:sp>
+      <p:cxnSp>
+        <p:nvCxnSpPr>
+          <p:cNvPr id="14" name="直線コネクタ 13">
+            <a:extLst>
+              <a:ext uri="{FF2B5EF4-FFF2-40B4-BE49-F238E27FC236}">
+                <a16:creationId xmlns:a16="http://schemas.microsoft.com/office/drawing/2014/main" id="{12A1C9AB-8B17-5F09-A4D1-B1E94B47F101}"/>
+              </a:ext>
+            </a:extLst>
+          </p:cNvPr>
+          <p:cNvCxnSpPr/>
+          <p:nvPr/>
+        </p:nvCxnSpPr>
+        <p:spPr>
           <a:xfrm>
-            <a:off x="7391399" y="1284514"/>
-            <a:ext cx="1752603" cy="1"/>
-          </a:xfrm>
-          <a:prstGeom prst="straightConnector1">
+            <a:off x="4575401" y="2574468"/>
+            <a:ext cx="0" cy="671513"/>
+          </a:xfrm>
+          <a:prstGeom prst="line">
             <a:avLst/>
           </a:prstGeom>
-          <a:ln w="60325">
-            <a:tailEnd type="triangle"/>
-          </a:ln>
+          <a:ln w="28575"/>
         </p:spPr>
         <p:style>
           <a:lnRef idx="1">
@@ -5602,33 +5249,25 @@
       </p:cxnSp>
       <p:cxnSp>
         <p:nvCxnSpPr>
-          <p:cNvPr id="19" name="直線矢印コネクタ 18">
-            <a:extLst>
-              <a:ext uri="{FF2B5EF4-FFF2-40B4-BE49-F238E27FC236}">
-                <a16:creationId xmlns:a16="http://schemas.microsoft.com/office/drawing/2014/main" id="{82B5B267-97FD-D8DD-4327-0E30CF756D98}"/>
-              </a:ext>
-            </a:extLst>
-          </p:cNvPr>
-          <p:cNvCxnSpPr>
-            <a:cxnSpLocks/>
-            <a:stCxn id="7" idx="2"/>
-            <a:endCxn id="4" idx="2"/>
-          </p:cNvCxnSpPr>
+          <p:cNvPr id="15" name="直線コネクタ 14">
+            <a:extLst>
+              <a:ext uri="{FF2B5EF4-FFF2-40B4-BE49-F238E27FC236}">
+                <a16:creationId xmlns:a16="http://schemas.microsoft.com/office/drawing/2014/main" id="{01DF62E7-79DA-737E-F16C-B42263CB10CA}"/>
+              </a:ext>
+            </a:extLst>
+          </p:cNvPr>
+          <p:cNvCxnSpPr/>
           <p:nvPr/>
         </p:nvCxnSpPr>
         <p:spPr>
-          <a:xfrm rot="5400000">
-            <a:off x="5994402" y="-2206171"/>
-            <a:ext cx="12700" cy="8447315"/>
-          </a:xfrm>
-          <a:prstGeom prst="bentConnector3">
-            <a:avLst>
-              <a:gd name="adj1" fmla="val 6600000"/>
-            </a:avLst>
-          </a:prstGeom>
-          <a:ln w="60325">
-            <a:tailEnd type="triangle"/>
-          </a:ln>
+          <a:xfrm>
+            <a:off x="7170285" y="2588755"/>
+            <a:ext cx="0" cy="671513"/>
+          </a:xfrm>
+          <a:prstGeom prst="line">
+            <a:avLst/>
+          </a:prstGeom>
+          <a:ln w="28575"/>
         </p:spPr>
         <p:style>
           <a:lnRef idx="1">
@@ -5647,10 +5286,10 @@
       </p:cxnSp>
       <p:sp>
         <p:nvSpPr>
-          <p:cNvPr id="29" name="テキスト ボックス 28">
-            <a:extLst>
-              <a:ext uri="{FF2B5EF4-FFF2-40B4-BE49-F238E27FC236}">
-                <a16:creationId xmlns:a16="http://schemas.microsoft.com/office/drawing/2014/main" id="{6B601109-81E1-3D08-B8D4-A8584EB1F2C5}"/>
+          <p:cNvPr id="16" name="テキスト ボックス 15">
+            <a:extLst>
+              <a:ext uri="{FF2B5EF4-FFF2-40B4-BE49-F238E27FC236}">
+                <a16:creationId xmlns:a16="http://schemas.microsoft.com/office/drawing/2014/main" id="{CE5C0DBB-E091-A33B-EEB8-F0A310DCB6A1}"/>
               </a:ext>
             </a:extLst>
           </p:cNvPr>
@@ -5659,8 +5298,8 @@
         </p:nvSpPr>
         <p:spPr>
           <a:xfrm>
-            <a:off x="1912232" y="2273113"/>
-            <a:ext cx="1338828" cy="369332"/>
+            <a:off x="1657350" y="4386263"/>
+            <a:ext cx="2270173" cy="2031325"/>
           </a:xfrm>
           <a:prstGeom prst="rect">
             <a:avLst/>
@@ -5674,300 +5313,54 @@
           <a:lstStyle/>
           <a:p>
             <a:r>
-              <a:rPr kumimoji="1" lang="ja-JP" altLang="en-US"/>
-              <a:t>ログアウト</a:t>
-            </a:r>
-          </a:p>
-        </p:txBody>
-      </p:sp>
-      <p:sp>
-        <p:nvSpPr>
-          <p:cNvPr id="30" name="角丸四角形 29">
-            <a:extLst>
-              <a:ext uri="{FF2B5EF4-FFF2-40B4-BE49-F238E27FC236}">
-                <a16:creationId xmlns:a16="http://schemas.microsoft.com/office/drawing/2014/main" id="{8DCA3D2B-97ED-61C6-77D2-4841D259DEF9}"/>
-              </a:ext>
-            </a:extLst>
-          </p:cNvPr>
-          <p:cNvSpPr/>
-          <p:nvPr/>
-        </p:nvSpPr>
-        <p:spPr>
-          <a:xfrm>
-            <a:off x="419015" y="4840515"/>
-            <a:ext cx="2148114" cy="1465943"/>
-          </a:xfrm>
-          <a:prstGeom prst="roundRect">
-            <a:avLst/>
-          </a:prstGeom>
-        </p:spPr>
-        <p:style>
-          <a:lnRef idx="2">
-            <a:schemeClr val="accent1">
-              <a:shade val="15000"/>
-            </a:schemeClr>
-          </a:lnRef>
-          <a:fillRef idx="1">
-            <a:schemeClr val="accent1"/>
-          </a:fillRef>
-          <a:effectRef idx="0">
-            <a:schemeClr val="accent1"/>
-          </a:effectRef>
-          <a:fontRef idx="minor">
-            <a:schemeClr val="lt1"/>
-          </a:fontRef>
-        </p:style>
-        <p:txBody>
-          <a:bodyPr rtlCol="0" anchor="ctr"/>
-          <a:lstStyle/>
-          <a:p>
-            <a:pPr algn="ctr"/>
-            <a:r>
-              <a:rPr kumimoji="1" lang="ja-JP" altLang="en-US"/>
-              <a:t>ログイン</a:t>
-            </a:r>
-          </a:p>
-        </p:txBody>
-      </p:sp>
-      <p:cxnSp>
-        <p:nvCxnSpPr>
-          <p:cNvPr id="32" name="直線矢印コネクタ 31">
-            <a:extLst>
-              <a:ext uri="{FF2B5EF4-FFF2-40B4-BE49-F238E27FC236}">
-                <a16:creationId xmlns:a16="http://schemas.microsoft.com/office/drawing/2014/main" id="{F8DB6920-EEB3-B884-89F6-5EBCB43DB0A0}"/>
-              </a:ext>
-            </a:extLst>
-          </p:cNvPr>
-          <p:cNvCxnSpPr>
-            <a:cxnSpLocks/>
-            <a:stCxn id="30" idx="0"/>
-          </p:cNvCxnSpPr>
-          <p:nvPr/>
-        </p:nvCxnSpPr>
-        <p:spPr>
-          <a:xfrm flipH="1" flipV="1">
-            <a:off x="1448482" y="2011136"/>
-            <a:ext cx="44590" cy="2829379"/>
-          </a:xfrm>
-          <a:prstGeom prst="straightConnector1">
-            <a:avLst/>
-          </a:prstGeom>
-          <a:ln w="41275">
-            <a:headEnd type="triangle"/>
-            <a:tailEnd type="triangle"/>
-          </a:ln>
-        </p:spPr>
-        <p:style>
-          <a:lnRef idx="1">
-            <a:schemeClr val="accent1"/>
-          </a:lnRef>
-          <a:fillRef idx="0">
-            <a:schemeClr val="accent1"/>
-          </a:fillRef>
-          <a:effectRef idx="0">
-            <a:schemeClr val="accent1"/>
-          </a:effectRef>
-          <a:fontRef idx="minor">
-            <a:schemeClr val="tx1"/>
-          </a:fontRef>
-        </p:style>
-      </p:cxnSp>
-      <p:sp>
-        <p:nvSpPr>
-          <p:cNvPr id="33" name="角丸四角形 32">
-            <a:extLst>
-              <a:ext uri="{FF2B5EF4-FFF2-40B4-BE49-F238E27FC236}">
-                <a16:creationId xmlns:a16="http://schemas.microsoft.com/office/drawing/2014/main" id="{24583AD9-DE5F-2F2C-C562-E22A23D0C352}"/>
-              </a:ext>
-            </a:extLst>
-          </p:cNvPr>
-          <p:cNvSpPr/>
-          <p:nvPr/>
-        </p:nvSpPr>
-        <p:spPr>
-          <a:xfrm>
-            <a:off x="9150353" y="4840515"/>
-            <a:ext cx="2148114" cy="1465943"/>
-          </a:xfrm>
-          <a:prstGeom prst="roundRect">
-            <a:avLst/>
-          </a:prstGeom>
-        </p:spPr>
-        <p:style>
-          <a:lnRef idx="2">
-            <a:schemeClr val="accent1">
-              <a:shade val="15000"/>
-            </a:schemeClr>
-          </a:lnRef>
-          <a:fillRef idx="1">
-            <a:schemeClr val="accent1"/>
-          </a:fillRef>
-          <a:effectRef idx="0">
-            <a:schemeClr val="accent1"/>
-          </a:effectRef>
-          <a:fontRef idx="minor">
-            <a:schemeClr val="lt1"/>
-          </a:fontRef>
-        </p:style>
-        <p:txBody>
-          <a:bodyPr rtlCol="0" anchor="ctr"/>
-          <a:lstStyle/>
-          <a:p>
-            <a:pPr algn="ctr"/>
+              <a:rPr lang="en-US" altLang="ja-JP" dirty="0"/>
+              <a:t>todos</a:t>
+            </a:r>
+          </a:p>
+          <a:p>
+            <a:r>
+              <a:rPr lang="en-US" altLang="ja-JP" dirty="0"/>
+              <a:t>	todo_id PK</a:t>
+            </a:r>
+          </a:p>
+          <a:p>
             <a:r>
               <a:rPr kumimoji="1" lang="en-US" altLang="ja-JP" dirty="0"/>
-              <a:t>TODO</a:t>
-            </a:r>
-            <a:br>
-              <a:rPr kumimoji="1" lang="en-US" altLang="ja-JP" dirty="0"/>
-            </a:br>
-            <a:r>
-              <a:rPr kumimoji="1" lang="en-US" altLang="ja-JP" dirty="0"/>
-              <a:t>CRUD</a:t>
-            </a:r>
-            <a:endParaRPr kumimoji="1" lang="ja-JP" altLang="en-US"/>
-          </a:p>
-        </p:txBody>
-      </p:sp>
-      <p:sp>
-        <p:nvSpPr>
-          <p:cNvPr id="36" name="角丸四角形 35">
-            <a:extLst>
-              <a:ext uri="{FF2B5EF4-FFF2-40B4-BE49-F238E27FC236}">
-                <a16:creationId xmlns:a16="http://schemas.microsoft.com/office/drawing/2014/main" id="{D0C060C8-9DCA-866A-27A8-709C3ABE7FE7}"/>
-              </a:ext>
-            </a:extLst>
-          </p:cNvPr>
-          <p:cNvSpPr/>
-          <p:nvPr/>
-        </p:nvSpPr>
-        <p:spPr>
-          <a:xfrm>
-            <a:off x="5426585" y="5109029"/>
-            <a:ext cx="2148114" cy="1465943"/>
-          </a:xfrm>
-          <a:prstGeom prst="roundRect">
-            <a:avLst/>
-          </a:prstGeom>
-        </p:spPr>
-        <p:style>
-          <a:lnRef idx="2">
-            <a:schemeClr val="accent1">
-              <a:shade val="15000"/>
-            </a:schemeClr>
-          </a:lnRef>
-          <a:fillRef idx="1">
-            <a:schemeClr val="accent1"/>
-          </a:fillRef>
-          <a:effectRef idx="0">
-            <a:schemeClr val="accent1"/>
-          </a:effectRef>
-          <a:fontRef idx="minor">
-            <a:schemeClr val="lt1"/>
-          </a:fontRef>
-        </p:style>
-        <p:txBody>
-          <a:bodyPr rtlCol="0" anchor="ctr"/>
-          <a:lstStyle/>
-          <a:p>
-            <a:pPr algn="ctr"/>
-            <a:r>
-              <a:rPr kumimoji="1" lang="ja-JP" altLang="en-US"/>
-              <a:t>グループ取り寄せ</a:t>
-            </a:r>
-          </a:p>
-        </p:txBody>
-      </p:sp>
-      <p:cxnSp>
-        <p:nvCxnSpPr>
-          <p:cNvPr id="39" name="直線矢印コネクタ 38">
-            <a:extLst>
-              <a:ext uri="{FF2B5EF4-FFF2-40B4-BE49-F238E27FC236}">
-                <a16:creationId xmlns:a16="http://schemas.microsoft.com/office/drawing/2014/main" id="{104005A8-925B-439C-3713-F14BC826925F}"/>
-              </a:ext>
-            </a:extLst>
-          </p:cNvPr>
-          <p:cNvCxnSpPr>
-            <a:cxnSpLocks/>
-          </p:cNvCxnSpPr>
-          <p:nvPr/>
-        </p:nvCxnSpPr>
-        <p:spPr>
-          <a:xfrm flipH="1" flipV="1">
-            <a:off x="6818501" y="2139041"/>
-            <a:ext cx="44590" cy="2829379"/>
-          </a:xfrm>
-          <a:prstGeom prst="straightConnector1">
-            <a:avLst/>
-          </a:prstGeom>
-          <a:ln w="41275">
-            <a:headEnd type="triangle"/>
-            <a:tailEnd type="triangle"/>
-          </a:ln>
-        </p:spPr>
-        <p:style>
-          <a:lnRef idx="1">
-            <a:schemeClr val="accent1"/>
-          </a:lnRef>
-          <a:fillRef idx="0">
-            <a:schemeClr val="accent1"/>
-          </a:fillRef>
-          <a:effectRef idx="0">
-            <a:schemeClr val="accent1"/>
-          </a:effectRef>
-          <a:fontRef idx="minor">
-            <a:schemeClr val="tx1"/>
-          </a:fontRef>
-        </p:style>
-      </p:cxnSp>
-      <p:cxnSp>
-        <p:nvCxnSpPr>
-          <p:cNvPr id="40" name="直線矢印コネクタ 39">
-            <a:extLst>
-              <a:ext uri="{FF2B5EF4-FFF2-40B4-BE49-F238E27FC236}">
-                <a16:creationId xmlns:a16="http://schemas.microsoft.com/office/drawing/2014/main" id="{9DD1DE0B-8DD3-4741-0C6F-242B4BBAB7E8}"/>
-              </a:ext>
-            </a:extLst>
-          </p:cNvPr>
-          <p:cNvCxnSpPr>
-            <a:cxnSpLocks/>
-          </p:cNvCxnSpPr>
-          <p:nvPr/>
-        </p:nvCxnSpPr>
-        <p:spPr>
-          <a:xfrm flipH="1" flipV="1">
-            <a:off x="10901990" y="2004785"/>
-            <a:ext cx="44590" cy="2829379"/>
-          </a:xfrm>
-          <a:prstGeom prst="straightConnector1">
-            <a:avLst/>
-          </a:prstGeom>
-          <a:ln w="41275">
-            <a:headEnd type="triangle"/>
-            <a:tailEnd type="triangle"/>
-          </a:ln>
-        </p:spPr>
-        <p:style>
-          <a:lnRef idx="1">
-            <a:schemeClr val="accent1"/>
-          </a:lnRef>
-          <a:fillRef idx="0">
-            <a:schemeClr val="accent1"/>
-          </a:fillRef>
-          <a:effectRef idx="0">
-            <a:schemeClr val="accent1"/>
-          </a:effectRef>
-          <a:fontRef idx="minor">
-            <a:schemeClr val="tx1"/>
-          </a:fontRef>
-        </p:style>
-      </p:cxnSp>
-      <p:sp>
-        <p:nvSpPr>
-          <p:cNvPr id="41" name="テキスト ボックス 40">
-            <a:extLst>
-              <a:ext uri="{FF2B5EF4-FFF2-40B4-BE49-F238E27FC236}">
-                <a16:creationId xmlns:a16="http://schemas.microsoft.com/office/drawing/2014/main" id="{06A44C49-A5F2-EDC2-5B9F-FD1BA9BE4DCF}"/>
+              <a:t>	title</a:t>
+            </a:r>
+          </a:p>
+          <a:p>
+            <a:r>
+              <a:rPr lang="en-US" altLang="ja-JP" dirty="0"/>
+              <a:t>	completed</a:t>
+            </a:r>
+          </a:p>
+          <a:p>
+            <a:r>
+              <a:rPr lang="en-US" altLang="ja-JP" dirty="0"/>
+              <a:t>	deleted</a:t>
+            </a:r>
+          </a:p>
+          <a:p>
+            <a:r>
+              <a:rPr lang="en-US" altLang="ja-JP" dirty="0"/>
+              <a:t>	createAt</a:t>
+            </a:r>
+          </a:p>
+          <a:p>
+            <a:r>
+              <a:rPr lang="en-US" altLang="ja-JP" dirty="0"/>
+              <a:t>	updateAt</a:t>
+            </a:r>
+          </a:p>
+        </p:txBody>
+      </p:sp>
+      <p:sp>
+        <p:nvSpPr>
+          <p:cNvPr id="17" name="テキスト ボックス 16">
+            <a:extLst>
+              <a:ext uri="{FF2B5EF4-FFF2-40B4-BE49-F238E27FC236}">
+                <a16:creationId xmlns:a16="http://schemas.microsoft.com/office/drawing/2014/main" id="{CB33BFF4-2920-D910-E282-85651A37BD2C}"/>
               </a:ext>
             </a:extLst>
           </p:cNvPr>
@@ -5976,8 +5369,8 @@
         </p:nvSpPr>
         <p:spPr>
           <a:xfrm>
-            <a:off x="3370301" y="825171"/>
-            <a:ext cx="1107996" cy="369332"/>
+            <a:off x="8027511" y="4386263"/>
+            <a:ext cx="2132315" cy="923330"/>
           </a:xfrm>
           <a:prstGeom prst="rect">
             <a:avLst/>
@@ -5991,18 +5384,31 @@
           <a:lstStyle/>
           <a:p>
             <a:r>
-              <a:rPr kumimoji="1" lang="ja-JP" altLang="en-US"/>
-              <a:t>ログイン</a:t>
-            </a:r>
-          </a:p>
-        </p:txBody>
-      </p:sp>
-      <p:sp>
-        <p:nvSpPr>
-          <p:cNvPr id="42" name="テキスト ボックス 41">
-            <a:extLst>
-              <a:ext uri="{FF2B5EF4-FFF2-40B4-BE49-F238E27FC236}">
-                <a16:creationId xmlns:a16="http://schemas.microsoft.com/office/drawing/2014/main" id="{D6082CCB-B2D7-3967-7561-5AD6B7948AC1}"/>
+              <a:rPr lang="en-US" altLang="ja-JP" dirty="0"/>
+              <a:t>tags</a:t>
+            </a:r>
+          </a:p>
+          <a:p>
+            <a:r>
+              <a:rPr kumimoji="1" lang="en-US" altLang="ja-JP" dirty="0"/>
+              <a:t>	tag_id PK</a:t>
+            </a:r>
+          </a:p>
+          <a:p>
+            <a:r>
+              <a:rPr lang="en-US" altLang="ja-JP" dirty="0"/>
+              <a:t>	name</a:t>
+            </a:r>
+            <a:endParaRPr kumimoji="1" lang="en-US" altLang="ja-JP" dirty="0"/>
+          </a:p>
+        </p:txBody>
+      </p:sp>
+      <p:sp>
+        <p:nvSpPr>
+          <p:cNvPr id="18" name="テキスト ボックス 17">
+            <a:extLst>
+              <a:ext uri="{FF2B5EF4-FFF2-40B4-BE49-F238E27FC236}">
+                <a16:creationId xmlns:a16="http://schemas.microsoft.com/office/drawing/2014/main" id="{7454B1DE-12AF-D562-E4CB-7504AD044C7B}"/>
               </a:ext>
             </a:extLst>
           </p:cNvPr>
@@ -6011,8 +5417,8 @@
         </p:nvSpPr>
         <p:spPr>
           <a:xfrm>
-            <a:off x="7953829" y="885371"/>
-            <a:ext cx="646331" cy="369332"/>
+            <a:off x="4948791" y="4386263"/>
+            <a:ext cx="2270173" cy="923330"/>
           </a:xfrm>
           <a:prstGeom prst="rect">
             <a:avLst/>
@@ -6026,125 +5432,29 @@
           <a:lstStyle/>
           <a:p>
             <a:r>
-              <a:rPr kumimoji="1" lang="ja-JP" altLang="en-US"/>
-              <a:t>入室</a:t>
-            </a:r>
-          </a:p>
-        </p:txBody>
-      </p:sp>
-      <p:sp>
-        <p:nvSpPr>
-          <p:cNvPr id="43" name="テキスト ボックス 42">
-            <a:extLst>
-              <a:ext uri="{FF2B5EF4-FFF2-40B4-BE49-F238E27FC236}">
-                <a16:creationId xmlns:a16="http://schemas.microsoft.com/office/drawing/2014/main" id="{4BEB9F18-4660-0FB4-44EE-EA127FD2DB57}"/>
-              </a:ext>
-            </a:extLst>
-          </p:cNvPr>
-          <p:cNvSpPr txBox="1"/>
-          <p:nvPr/>
-        </p:nvSpPr>
-        <p:spPr>
-          <a:xfrm>
-            <a:off x="1901371" y="3817257"/>
-            <a:ext cx="1569660" cy="369332"/>
-          </a:xfrm>
-          <a:prstGeom prst="rect">
-            <a:avLst/>
-          </a:prstGeom>
-          <a:noFill/>
-        </p:spPr>
-        <p:txBody>
-          <a:bodyPr wrap="none" rtlCol="0">
-            <a:spAutoFit/>
-          </a:bodyPr>
-          <a:lstStyle/>
-          <a:p>
-            <a:r>
-              <a:rPr kumimoji="1" lang="ja-JP" altLang="en-US"/>
-              <a:t>ログイン処理</a:t>
-            </a:r>
-          </a:p>
-        </p:txBody>
-      </p:sp>
-      <p:sp>
-        <p:nvSpPr>
-          <p:cNvPr id="44" name="テキスト ボックス 43">
-            <a:extLst>
-              <a:ext uri="{FF2B5EF4-FFF2-40B4-BE49-F238E27FC236}">
-                <a16:creationId xmlns:a16="http://schemas.microsoft.com/office/drawing/2014/main" id="{A893289F-18E4-0507-AB3A-45C93CE6E8B0}"/>
-              </a:ext>
-            </a:extLst>
-          </p:cNvPr>
-          <p:cNvSpPr txBox="1"/>
-          <p:nvPr/>
-        </p:nvSpPr>
-        <p:spPr>
-          <a:xfrm>
-            <a:off x="3949257" y="4369707"/>
-            <a:ext cx="2954655" cy="369332"/>
-          </a:xfrm>
-          <a:prstGeom prst="rect">
-            <a:avLst/>
-          </a:prstGeom>
-          <a:noFill/>
-        </p:spPr>
-        <p:txBody>
-          <a:bodyPr wrap="none" rtlCol="0">
-            <a:spAutoFit/>
-          </a:bodyPr>
-          <a:lstStyle/>
-          <a:p>
-            <a:r>
-              <a:rPr kumimoji="1" lang="ja-JP" altLang="en-US"/>
-              <a:t>グループリストの受け取り</a:t>
-            </a:r>
-          </a:p>
-        </p:txBody>
-      </p:sp>
-      <p:sp>
-        <p:nvSpPr>
-          <p:cNvPr id="45" name="テキスト ボックス 44">
-            <a:extLst>
-              <a:ext uri="{FF2B5EF4-FFF2-40B4-BE49-F238E27FC236}">
-                <a16:creationId xmlns:a16="http://schemas.microsoft.com/office/drawing/2014/main" id="{C5346858-E9AC-9BB9-6807-6A442A296C50}"/>
-              </a:ext>
-            </a:extLst>
-          </p:cNvPr>
-          <p:cNvSpPr txBox="1"/>
-          <p:nvPr/>
-        </p:nvSpPr>
-        <p:spPr>
-          <a:xfrm>
-            <a:off x="9260114" y="3686629"/>
-            <a:ext cx="1531188" cy="369332"/>
-          </a:xfrm>
-          <a:prstGeom prst="rect">
-            <a:avLst/>
-          </a:prstGeom>
-          <a:noFill/>
-        </p:spPr>
-        <p:txBody>
-          <a:bodyPr wrap="none" rtlCol="0">
-            <a:spAutoFit/>
-          </a:bodyPr>
-          <a:lstStyle/>
+              <a:rPr lang="en-US" altLang="ja-JP" dirty="0"/>
+              <a:t>todo_tag</a:t>
+            </a:r>
+          </a:p>
           <a:p>
             <a:r>
               <a:rPr kumimoji="1" lang="en-US" altLang="ja-JP" dirty="0"/>
-              <a:t>TODO</a:t>
-            </a:r>
-            <a:r>
-              <a:rPr kumimoji="1" lang="ja-JP" altLang="en-US"/>
-              <a:t>の操作</a:t>
-            </a:r>
+              <a:t>	todo_id PK</a:t>
+            </a:r>
+          </a:p>
+          <a:p>
+            <a:r>
+              <a:rPr lang="en-US" altLang="ja-JP" dirty="0"/>
+              <a:t>	tag_id PK</a:t>
+            </a:r>
+            <a:endParaRPr kumimoji="1" lang="ja-JP" altLang="en-US"/>
           </a:p>
         </p:txBody>
       </p:sp>
     </p:spTree>
     <p:extLst>
       <p:ext uri="{BB962C8B-B14F-4D97-AF65-F5344CB8AC3E}">
-        <p14:creationId xmlns:p14="http://schemas.microsoft.com/office/powerpoint/2010/main" val="3335553778"/>
+        <p14:creationId xmlns:p14="http://schemas.microsoft.com/office/powerpoint/2010/main" val="1926765456"/>
       </p:ext>
     </p:extLst>
   </p:cSld>
@@ -6173,163 +5483,38 @@
       </p:grpSpPr>
       <p:sp>
         <p:nvSpPr>
-          <p:cNvPr id="4" name="正方形/長方形 3">
-            <a:extLst>
-              <a:ext uri="{FF2B5EF4-FFF2-40B4-BE49-F238E27FC236}">
-                <a16:creationId xmlns:a16="http://schemas.microsoft.com/office/drawing/2014/main" id="{D9DE8410-543C-CC39-A5BE-99EE933A1849}"/>
-              </a:ext>
-            </a:extLst>
-          </p:cNvPr>
-          <p:cNvSpPr/>
-          <p:nvPr/>
-        </p:nvSpPr>
-        <p:spPr>
-          <a:xfrm>
-            <a:off x="0" y="0"/>
-            <a:ext cx="12192000" cy="827314"/>
-          </a:xfrm>
-          <a:prstGeom prst="rect">
-            <a:avLst/>
-          </a:prstGeom>
-        </p:spPr>
-        <p:style>
-          <a:lnRef idx="2">
-            <a:schemeClr val="accent1">
-              <a:shade val="15000"/>
-            </a:schemeClr>
-          </a:lnRef>
-          <a:fillRef idx="1">
-            <a:schemeClr val="accent1"/>
-          </a:fillRef>
-          <a:effectRef idx="0">
-            <a:schemeClr val="accent1"/>
-          </a:effectRef>
-          <a:fontRef idx="minor">
-            <a:schemeClr val="lt1"/>
-          </a:fontRef>
-        </p:style>
-        <p:txBody>
-          <a:bodyPr rtlCol="0" anchor="ctr"/>
-          <a:lstStyle/>
-          <a:p>
-            <a:pPr algn="ctr"/>
-            <a:r>
-              <a:rPr kumimoji="1" lang="ja-JP" altLang="en-US"/>
-              <a:t>グループ</a:t>
-            </a:r>
-          </a:p>
-        </p:txBody>
-      </p:sp>
-      <p:sp>
-        <p:nvSpPr>
-          <p:cNvPr id="5" name="角丸四角形 4">
-            <a:extLst>
-              <a:ext uri="{FF2B5EF4-FFF2-40B4-BE49-F238E27FC236}">
-                <a16:creationId xmlns:a16="http://schemas.microsoft.com/office/drawing/2014/main" id="{47413CE2-90A6-6A17-FB60-367DA9C8FE1D}"/>
-              </a:ext>
-            </a:extLst>
-          </p:cNvPr>
-          <p:cNvSpPr/>
-          <p:nvPr/>
-        </p:nvSpPr>
-        <p:spPr>
-          <a:xfrm>
-            <a:off x="8534399" y="1164771"/>
-            <a:ext cx="1643743" cy="598714"/>
-          </a:xfrm>
-          <a:prstGeom prst="roundRect">
-            <a:avLst/>
-          </a:prstGeom>
-          <a:solidFill>
-            <a:schemeClr val="accent2"/>
-          </a:solidFill>
-        </p:spPr>
-        <p:style>
-          <a:lnRef idx="2">
-            <a:schemeClr val="accent1">
-              <a:shade val="15000"/>
-            </a:schemeClr>
-          </a:lnRef>
-          <a:fillRef idx="1">
-            <a:schemeClr val="accent1"/>
-          </a:fillRef>
-          <a:effectRef idx="0">
-            <a:schemeClr val="accent1"/>
-          </a:effectRef>
-          <a:fontRef idx="minor">
-            <a:schemeClr val="lt1"/>
-          </a:fontRef>
-        </p:style>
-        <p:txBody>
-          <a:bodyPr rtlCol="0" anchor="ctr"/>
-          <a:lstStyle/>
-          <a:p>
-            <a:pPr algn="ctr"/>
-            <a:r>
-              <a:rPr kumimoji="1" lang="ja-JP" altLang="en-US"/>
-              <a:t>ソートボタン</a:t>
-            </a:r>
-          </a:p>
-        </p:txBody>
-      </p:sp>
-      <p:sp>
-        <p:nvSpPr>
-          <p:cNvPr id="7" name="角丸四角形 6">
-            <a:extLst>
-              <a:ext uri="{FF2B5EF4-FFF2-40B4-BE49-F238E27FC236}">
-                <a16:creationId xmlns:a16="http://schemas.microsoft.com/office/drawing/2014/main" id="{4A5BD9B5-9875-2527-EB21-935520A43A84}"/>
-              </a:ext>
-            </a:extLst>
-          </p:cNvPr>
-          <p:cNvSpPr/>
-          <p:nvPr/>
-        </p:nvSpPr>
-        <p:spPr>
-          <a:xfrm>
-            <a:off x="10395857" y="114300"/>
-            <a:ext cx="1611085" cy="598714"/>
-          </a:xfrm>
-          <a:prstGeom prst="roundRect">
-            <a:avLst/>
-          </a:prstGeom>
-          <a:solidFill>
-            <a:schemeClr val="accent2"/>
-          </a:solidFill>
-        </p:spPr>
-        <p:style>
-          <a:lnRef idx="2">
-            <a:schemeClr val="accent1">
-              <a:shade val="15000"/>
-            </a:schemeClr>
-          </a:lnRef>
-          <a:fillRef idx="1">
-            <a:schemeClr val="accent1"/>
-          </a:fillRef>
-          <a:effectRef idx="0">
-            <a:schemeClr val="accent1"/>
-          </a:effectRef>
-          <a:fontRef idx="minor">
-            <a:schemeClr val="lt1"/>
-          </a:fontRef>
-        </p:style>
-        <p:txBody>
-          <a:bodyPr rtlCol="0" anchor="ctr"/>
-          <a:lstStyle/>
-          <a:p>
-            <a:pPr algn="ctr"/>
-            <a:r>
-              <a:rPr kumimoji="1" lang="ja-JP" altLang="en-US"/>
-              <a:t>ログアウト</a:t>
-            </a:r>
-          </a:p>
-        </p:txBody>
-      </p:sp>
-      <p:sp>
-        <p:nvSpPr>
-          <p:cNvPr id="8" name="テキスト ボックス 7">
-            <a:extLst>
-              <a:ext uri="{FF2B5EF4-FFF2-40B4-BE49-F238E27FC236}">
-                <a16:creationId xmlns:a16="http://schemas.microsoft.com/office/drawing/2014/main" id="{D451554F-0195-5E70-F8DC-08DB0EDF0976}"/>
+          <p:cNvPr id="2" name="タイトル 1">
+            <a:extLst>
+              <a:ext uri="{FF2B5EF4-FFF2-40B4-BE49-F238E27FC236}">
+                <a16:creationId xmlns:a16="http://schemas.microsoft.com/office/drawing/2014/main" id="{40BD442B-9D36-B7C2-DEDB-24D1BE2C7336}"/>
+              </a:ext>
+            </a:extLst>
+          </p:cNvPr>
+          <p:cNvSpPr>
+            <a:spLocks noGrp="1"/>
+          </p:cNvSpPr>
+          <p:nvPr>
+            <p:ph type="title"/>
+          </p:nvPr>
+        </p:nvSpPr>
+        <p:spPr/>
+        <p:txBody>
+          <a:bodyPr/>
+          <a:lstStyle/>
+          <a:p>
+            <a:r>
+              <a:rPr kumimoji="1" lang="ja-JP" altLang="en-US"/>
+              <a:t>１次開発</a:t>
+            </a:r>
+          </a:p>
+        </p:txBody>
+      </p:sp>
+      <p:sp>
+        <p:nvSpPr>
+          <p:cNvPr id="3" name="テキスト ボックス 2">
+            <a:extLst>
+              <a:ext uri="{FF2B5EF4-FFF2-40B4-BE49-F238E27FC236}">
+                <a16:creationId xmlns:a16="http://schemas.microsoft.com/office/drawing/2014/main" id="{5940EBA6-B0A7-3C0E-4A1A-6CDDC6221A6B}"/>
               </a:ext>
             </a:extLst>
           </p:cNvPr>
@@ -6338,8 +5523,8 @@
         </p:nvSpPr>
         <p:spPr>
           <a:xfrm>
-            <a:off x="10515600" y="1279462"/>
-            <a:ext cx="1338828" cy="369332"/>
+            <a:off x="250911" y="1997839"/>
+            <a:ext cx="11824071" cy="3416320"/>
           </a:xfrm>
           <a:prstGeom prst="rect">
             <a:avLst/>
@@ -6354,137 +5539,207 @@
           <a:p>
             <a:r>
               <a:rPr kumimoji="1" lang="ja-JP" altLang="en-US"/>
-              <a:t>ソート型名</a:t>
-            </a:r>
-          </a:p>
-        </p:txBody>
-      </p:sp>
-      <p:sp>
-        <p:nvSpPr>
-          <p:cNvPr id="9" name="角丸四角形 8">
-            <a:extLst>
-              <a:ext uri="{FF2B5EF4-FFF2-40B4-BE49-F238E27FC236}">
-                <a16:creationId xmlns:a16="http://schemas.microsoft.com/office/drawing/2014/main" id="{CD393DA7-DFFD-3E33-BD81-CF479E4B14AA}"/>
-              </a:ext>
-            </a:extLst>
-          </p:cNvPr>
-          <p:cNvSpPr/>
-          <p:nvPr/>
-        </p:nvSpPr>
-        <p:spPr>
-          <a:xfrm>
-            <a:off x="272142" y="2100943"/>
-            <a:ext cx="5475515" cy="1328057"/>
-          </a:xfrm>
-          <a:prstGeom prst="roundRect">
-            <a:avLst/>
-          </a:prstGeom>
-        </p:spPr>
-        <p:style>
-          <a:lnRef idx="2">
-            <a:schemeClr val="accent1">
-              <a:shade val="15000"/>
-            </a:schemeClr>
-          </a:lnRef>
-          <a:fillRef idx="1">
-            <a:schemeClr val="accent1"/>
-          </a:fillRef>
-          <a:effectRef idx="0">
-            <a:schemeClr val="accent1"/>
-          </a:effectRef>
-          <a:fontRef idx="minor">
-            <a:schemeClr val="lt1"/>
-          </a:fontRef>
-        </p:style>
-        <p:txBody>
-          <a:bodyPr rtlCol="0" anchor="ctr"/>
-          <a:lstStyle/>
-          <a:p>
+              <a:t>要件</a:t>
+            </a:r>
             <a:endParaRPr kumimoji="1" lang="en-US" altLang="ja-JP" dirty="0"/>
           </a:p>
           <a:p>
+            <a:r>
+              <a:rPr lang="en-US" altLang="ja-JP" dirty="0"/>
+              <a:t>Todo</a:t>
+            </a:r>
+            <a:r>
+              <a:rPr lang="ja-JP" altLang="en-US"/>
+              <a:t>の作成</a:t>
+            </a:r>
+            <a:r>
+              <a:rPr lang="en-US" altLang="ja-JP" dirty="0"/>
+              <a:t>-&gt;</a:t>
+            </a:r>
+            <a:r>
+              <a:rPr lang="ja-JP" altLang="en-US"/>
+              <a:t>削除</a:t>
+            </a:r>
+            <a:r>
+              <a:rPr lang="en-US" altLang="ja-JP" dirty="0"/>
+              <a:t>-&gt;</a:t>
+            </a:r>
+            <a:r>
+              <a:rPr lang="ja-JP" altLang="en-US"/>
+              <a:t>編集</a:t>
+            </a:r>
+            <a:endParaRPr kumimoji="1" lang="en-US" altLang="ja-JP" dirty="0"/>
+          </a:p>
+          <a:p>
+            <a:r>
+              <a:rPr lang="en-US" altLang="ja-JP" dirty="0"/>
+              <a:t>Todo</a:t>
+            </a:r>
+            <a:r>
+              <a:rPr lang="ja-JP" altLang="en-US"/>
+              <a:t>の表示</a:t>
+            </a:r>
             <a:endParaRPr lang="en-US" altLang="ja-JP" dirty="0"/>
           </a:p>
           <a:p>
             <a:r>
-              <a:rPr kumimoji="1" lang="ja-JP" altLang="en-US"/>
-              <a:t>グループ名</a:t>
-            </a:r>
+              <a:rPr kumimoji="1" lang="en-US" altLang="ja-JP" dirty="0"/>
+              <a:t>Todo</a:t>
+            </a:r>
+            <a:r>
+              <a:rPr kumimoji="1" lang="ja-JP" altLang="en-US"/>
+              <a:t>の作成順・更新順</a:t>
+            </a:r>
+            <a:endParaRPr lang="en-US" altLang="ja-JP" dirty="0"/>
+          </a:p>
+          <a:p>
             <a:endParaRPr kumimoji="1" lang="en-US" altLang="ja-JP" dirty="0"/>
           </a:p>
           <a:p>
             <a:r>
-              <a:rPr kumimoji="1" lang="ja-JP" altLang="en-US"/>
-              <a:t>最新</a:t>
+              <a:rPr lang="en-US" altLang="ja-JP" dirty="0"/>
+              <a:t>API</a:t>
             </a:r>
             <a:r>
               <a:rPr lang="ja-JP" altLang="en-US"/>
-              <a:t>更新</a:t>
+              <a:t>側</a:t>
+            </a:r>
+            <a:endParaRPr lang="en-US" altLang="ja-JP" dirty="0"/>
+          </a:p>
+          <a:p>
+            <a:r>
+              <a:rPr kumimoji="1" lang="en-US" altLang="ja-JP" dirty="0"/>
+              <a:t>	Todo</a:t>
+            </a:r>
+            <a:r>
+              <a:rPr lang="ja-JP" altLang="en-US"/>
+              <a:t>を返す</a:t>
             </a:r>
             <a:r>
               <a:rPr lang="en-US" altLang="ja-JP" dirty="0"/>
-              <a:t>Todo			</a:t>
+              <a:t>(</a:t>
             </a:r>
             <a:r>
               <a:rPr lang="ja-JP" altLang="en-US"/>
-              <a:t>時刻</a:t>
+              <a:t>全件</a:t>
             </a:r>
             <a:r>
               <a:rPr lang="en-US" altLang="ja-JP" dirty="0"/>
-              <a:t>					</a:t>
+              <a:t>)	/todo/		POST		JSON</a:t>
             </a:r>
             <a:r>
               <a:rPr lang="ja-JP" altLang="en-US"/>
-              <a:t>作成者</a:t>
-            </a:r>
+              <a:t>：全件データ</a:t>
+            </a:r>
+            <a:endParaRPr lang="en-US" altLang="ja-JP" dirty="0"/>
+          </a:p>
+          <a:p>
             <a:r>
               <a:rPr lang="en-US" altLang="ja-JP" dirty="0"/>
-              <a:t>			</a:t>
-            </a:r>
-            <a:endParaRPr kumimoji="1" lang="ja-JP" altLang="en-US"/>
-          </a:p>
-        </p:txBody>
-      </p:sp>
-      <p:sp>
-        <p:nvSpPr>
-          <p:cNvPr id="10" name="テキスト ボックス 9">
-            <a:extLst>
-              <a:ext uri="{FF2B5EF4-FFF2-40B4-BE49-F238E27FC236}">
-                <a16:creationId xmlns:a16="http://schemas.microsoft.com/office/drawing/2014/main" id="{0F36965D-C25C-6DE4-F408-37A7E4EDEBDE}"/>
-              </a:ext>
-            </a:extLst>
-          </p:cNvPr>
-          <p:cNvSpPr txBox="1"/>
-          <p:nvPr/>
-        </p:nvSpPr>
-        <p:spPr>
-          <a:xfrm>
-            <a:off x="337572" y="1464128"/>
-            <a:ext cx="952505" cy="369332"/>
-          </a:xfrm>
-          <a:prstGeom prst="rect">
-            <a:avLst/>
-          </a:prstGeom>
-          <a:noFill/>
-        </p:spPr>
-        <p:txBody>
-          <a:bodyPr wrap="none" rtlCol="0">
-            <a:spAutoFit/>
-          </a:bodyPr>
-          <a:lstStyle/>
-          <a:p>
-            <a:r>
-              <a:rPr kumimoji="1" lang="en-US" altLang="ja-JP" dirty="0"/>
-              <a:t>Groups</a:t>
-            </a:r>
-            <a:endParaRPr kumimoji="1" lang="ja-JP" altLang="en-US"/>
+              <a:t>	Todo</a:t>
+            </a:r>
+            <a:r>
+              <a:rPr lang="ja-JP" altLang="en-US"/>
+              <a:t>作成</a:t>
+            </a:r>
+            <a:r>
+              <a:rPr lang="en-US" altLang="ja-JP" dirty="0"/>
+              <a:t>		/todo/create	POST		JOSN</a:t>
+            </a:r>
+            <a:r>
+              <a:rPr lang="ja-JP" altLang="en-US"/>
+              <a:t>：</a:t>
+            </a:r>
+            <a:r>
+              <a:rPr lang="en-US" altLang="ja-JP" dirty="0"/>
+              <a:t>req-&gt;formData	res-&gt;id</a:t>
+            </a:r>
+            <a:r>
+              <a:rPr lang="ja-JP" altLang="en-US"/>
+              <a:t>を返す</a:t>
+            </a:r>
+            <a:endParaRPr lang="en-US" altLang="ja-JP" dirty="0"/>
+          </a:p>
+          <a:p>
+            <a:r>
+              <a:rPr lang="en-US" altLang="ja-JP" dirty="0"/>
+              <a:t>	Todo</a:t>
+            </a:r>
+            <a:r>
+              <a:rPr lang="ja-JP" altLang="en-US"/>
+              <a:t>削除</a:t>
+            </a:r>
+            <a:r>
+              <a:rPr lang="en-US" altLang="ja-JP" dirty="0"/>
+              <a:t>		/todo/deleted	DELETE		JSON</a:t>
+            </a:r>
+            <a:r>
+              <a:rPr lang="ja-JP" altLang="en-US"/>
+              <a:t>：</a:t>
+            </a:r>
+            <a:r>
+              <a:rPr lang="en-US" altLang="ja-JP" dirty="0"/>
+              <a:t>req-&gt;todo_id	res-&gt;id</a:t>
+            </a:r>
+            <a:r>
+              <a:rPr lang="ja-JP" altLang="en-US"/>
+              <a:t>を返す</a:t>
+            </a:r>
+            <a:endParaRPr lang="en-US" altLang="ja-JP" dirty="0"/>
+          </a:p>
+          <a:p>
+            <a:r>
+              <a:rPr lang="en-US" altLang="ja-JP" dirty="0"/>
+              <a:t>	Todo</a:t>
+            </a:r>
+            <a:r>
+              <a:rPr lang="ja-JP" altLang="en-US"/>
+              <a:t>編集</a:t>
+            </a:r>
+            <a:r>
+              <a:rPr lang="en-US" altLang="ja-JP" dirty="0"/>
+              <a:t>		/todo/update	PUT		JSON</a:t>
+            </a:r>
+            <a:r>
+              <a:rPr lang="ja-JP" altLang="en-US"/>
+              <a:t>：</a:t>
+            </a:r>
+            <a:r>
+              <a:rPr lang="en-US" altLang="ja-JP" dirty="0"/>
+              <a:t> req-&gt;</a:t>
+            </a:r>
+            <a:r>
+              <a:rPr lang="ja-JP" altLang="en-US"/>
+              <a:t>変更内容</a:t>
+            </a:r>
+            <a:r>
+              <a:rPr lang="en-US" altLang="ja-JP" dirty="0"/>
+              <a:t>JSON	</a:t>
+            </a:r>
+          </a:p>
+          <a:p>
+            <a:r>
+              <a:rPr lang="en-US" altLang="ja-JP" dirty="0"/>
+              <a:t>									res-&gt;id</a:t>
+            </a:r>
+            <a:r>
+              <a:rPr lang="ja-JP" altLang="en-US"/>
+              <a:t>を返す</a:t>
+            </a:r>
+            <a:endParaRPr lang="en-US" altLang="ja-JP" dirty="0"/>
+          </a:p>
+          <a:p>
+            <a:r>
+              <a:rPr lang="en-US" altLang="ja-JP" dirty="0"/>
+              <a:t>								</a:t>
+            </a:r>
           </a:p>
         </p:txBody>
       </p:sp>
     </p:spTree>
     <p:extLst>
       <p:ext uri="{BB962C8B-B14F-4D97-AF65-F5344CB8AC3E}">
-        <p14:creationId xmlns:p14="http://schemas.microsoft.com/office/powerpoint/2010/main" val="4234246160"/>
+        <p14:creationId xmlns:p14="http://schemas.microsoft.com/office/powerpoint/2010/main" val="3073304087"/>
       </p:ext>
     </p:extLst>
   </p:cSld>
@@ -6513,10 +5768,77 @@
       </p:grpSpPr>
       <p:sp>
         <p:nvSpPr>
-          <p:cNvPr id="4" name="正方形/長方形 3">
-            <a:extLst>
-              <a:ext uri="{FF2B5EF4-FFF2-40B4-BE49-F238E27FC236}">
-                <a16:creationId xmlns:a16="http://schemas.microsoft.com/office/drawing/2014/main" id="{D9DE8410-543C-CC39-A5BE-99EE933A1849}"/>
+          <p:cNvPr id="2" name="タイトル 1">
+            <a:extLst>
+              <a:ext uri="{FF2B5EF4-FFF2-40B4-BE49-F238E27FC236}">
+                <a16:creationId xmlns:a16="http://schemas.microsoft.com/office/drawing/2014/main" id="{40BD442B-9D36-B7C2-DEDB-24D1BE2C7336}"/>
+              </a:ext>
+            </a:extLst>
+          </p:cNvPr>
+          <p:cNvSpPr>
+            <a:spLocks noGrp="1"/>
+          </p:cNvSpPr>
+          <p:nvPr>
+            <p:ph type="title"/>
+          </p:nvPr>
+        </p:nvSpPr>
+        <p:spPr/>
+        <p:txBody>
+          <a:bodyPr/>
+          <a:lstStyle/>
+          <a:p>
+            <a:r>
+              <a:rPr kumimoji="1" lang="ja-JP" altLang="en-US"/>
+              <a:t>２次開発</a:t>
+            </a:r>
+          </a:p>
+        </p:txBody>
+      </p:sp>
+      <p:sp>
+        <p:nvSpPr>
+          <p:cNvPr id="4" name="テキスト ボックス 3">
+            <a:extLst>
+              <a:ext uri="{FF2B5EF4-FFF2-40B4-BE49-F238E27FC236}">
+                <a16:creationId xmlns:a16="http://schemas.microsoft.com/office/drawing/2014/main" id="{95AC4ACC-3E72-8AD8-FE17-FF5FB9E18759}"/>
+              </a:ext>
+            </a:extLst>
+          </p:cNvPr>
+          <p:cNvSpPr txBox="1"/>
+          <p:nvPr/>
+        </p:nvSpPr>
+        <p:spPr>
+          <a:xfrm>
+            <a:off x="1055914" y="1567543"/>
+            <a:ext cx="813043" cy="369332"/>
+          </a:xfrm>
+          <a:prstGeom prst="rect">
+            <a:avLst/>
+          </a:prstGeom>
+          <a:noFill/>
+        </p:spPr>
+        <p:txBody>
+          <a:bodyPr wrap="none" rtlCol="0">
+            <a:spAutoFit/>
+          </a:bodyPr>
+          <a:lstStyle/>
+          <a:p>
+            <a:r>
+              <a:rPr kumimoji="1" lang="en-US" altLang="ja-JP" dirty="0"/>
+              <a:t>E-R</a:t>
+            </a:r>
+            <a:r>
+              <a:rPr kumimoji="1" lang="ja-JP" altLang="en-US"/>
+              <a:t>図</a:t>
+            </a:r>
+          </a:p>
+        </p:txBody>
+      </p:sp>
+      <p:sp>
+        <p:nvSpPr>
+          <p:cNvPr id="5" name="角丸四角形 4">
+            <a:extLst>
+              <a:ext uri="{FF2B5EF4-FFF2-40B4-BE49-F238E27FC236}">
+                <a16:creationId xmlns:a16="http://schemas.microsoft.com/office/drawing/2014/main" id="{25D77B6E-2592-8E2D-7D61-8AE2E7A59BAB}"/>
               </a:ext>
             </a:extLst>
           </p:cNvPr>
@@ -6525,10 +5847,10 @@
         </p:nvSpPr>
         <p:spPr>
           <a:xfrm>
-            <a:off x="0" y="0"/>
-            <a:ext cx="12192000" cy="827314"/>
-          </a:xfrm>
-          <a:prstGeom prst="rect">
+            <a:off x="1578429" y="2405743"/>
+            <a:ext cx="2525485" cy="1023257"/>
+          </a:xfrm>
+          <a:prstGeom prst="roundRect">
             <a:avLst/>
           </a:prstGeom>
         </p:spPr>
@@ -6554,18 +5876,19 @@
           <a:p>
             <a:pPr algn="ctr"/>
             <a:r>
-              <a:rPr kumimoji="1" lang="ja-JP" altLang="en-US"/>
-              <a:t>グループ名</a:t>
-            </a:r>
-          </a:p>
-        </p:txBody>
-      </p:sp>
-      <p:sp>
-        <p:nvSpPr>
-          <p:cNvPr id="5" name="角丸四角形 4">
-            <a:extLst>
-              <a:ext uri="{FF2B5EF4-FFF2-40B4-BE49-F238E27FC236}">
-                <a16:creationId xmlns:a16="http://schemas.microsoft.com/office/drawing/2014/main" id="{47413CE2-90A6-6A17-FB60-367DA9C8FE1D}"/>
+              <a:rPr kumimoji="1" lang="en-US" altLang="ja-JP" dirty="0"/>
+              <a:t>ToDo</a:t>
+            </a:r>
+            <a:endParaRPr kumimoji="1" lang="ja-JP" altLang="en-US"/>
+          </a:p>
+        </p:txBody>
+      </p:sp>
+      <p:sp>
+        <p:nvSpPr>
+          <p:cNvPr id="6" name="角丸四角形 5">
+            <a:extLst>
+              <a:ext uri="{FF2B5EF4-FFF2-40B4-BE49-F238E27FC236}">
+                <a16:creationId xmlns:a16="http://schemas.microsoft.com/office/drawing/2014/main" id="{88D63E03-AB36-C202-ABCD-FAC7E08006AB}"/>
               </a:ext>
             </a:extLst>
           </p:cNvPr>
@@ -6574,15 +5897,12 @@
         </p:nvSpPr>
         <p:spPr>
           <a:xfrm>
-            <a:off x="8567057" y="1110343"/>
-            <a:ext cx="1643743" cy="598714"/>
+            <a:off x="7641772" y="2405743"/>
+            <a:ext cx="2525485" cy="1023257"/>
           </a:xfrm>
           <a:prstGeom prst="roundRect">
             <a:avLst/>
           </a:prstGeom>
-          <a:solidFill>
-            <a:schemeClr val="accent2"/>
-          </a:solidFill>
         </p:spPr>
         <p:style>
           <a:lnRef idx="2">
@@ -6606,18 +5926,19 @@
           <a:p>
             <a:pPr algn="ctr"/>
             <a:r>
-              <a:rPr kumimoji="1" lang="ja-JP" altLang="en-US"/>
-              <a:t>ソートボタン</a:t>
-            </a:r>
-          </a:p>
-        </p:txBody>
-      </p:sp>
-      <p:sp>
-        <p:nvSpPr>
-          <p:cNvPr id="6" name="角丸四角形 5">
-            <a:extLst>
-              <a:ext uri="{FF2B5EF4-FFF2-40B4-BE49-F238E27FC236}">
-                <a16:creationId xmlns:a16="http://schemas.microsoft.com/office/drawing/2014/main" id="{F70F462E-0469-1CE6-00F3-D02BAFAA8A74}"/>
+              <a:rPr kumimoji="1" lang="en-US" altLang="ja-JP" dirty="0"/>
+              <a:t>Tag</a:t>
+            </a:r>
+            <a:endParaRPr kumimoji="1" lang="ja-JP" altLang="en-US"/>
+          </a:p>
+        </p:txBody>
+      </p:sp>
+      <p:sp>
+        <p:nvSpPr>
+          <p:cNvPr id="7" name="フローチャート: 判断 6">
+            <a:extLst>
+              <a:ext uri="{FF2B5EF4-FFF2-40B4-BE49-F238E27FC236}">
+                <a16:creationId xmlns:a16="http://schemas.microsoft.com/office/drawing/2014/main" id="{81E57B44-DFBC-0EC9-3515-D2EE52D922C4}"/>
               </a:ext>
             </a:extLst>
           </p:cNvPr>
@@ -6626,15 +5947,12 @@
         </p:nvSpPr>
         <p:spPr>
           <a:xfrm>
-            <a:off x="272142" y="70758"/>
-            <a:ext cx="1360714" cy="598714"/>
-          </a:xfrm>
-          <a:prstGeom prst="roundRect">
+            <a:off x="5176157" y="2498271"/>
+            <a:ext cx="1393372" cy="838200"/>
+          </a:xfrm>
+          <a:prstGeom prst="flowChartDecision">
             <a:avLst/>
           </a:prstGeom>
-          <a:solidFill>
-            <a:schemeClr val="accent2"/>
-          </a:solidFill>
         </p:spPr>
         <p:style>
           <a:lnRef idx="2">
@@ -6658,18 +5976,107 @@
           <a:p>
             <a:pPr algn="ctr"/>
             <a:r>
-              <a:rPr kumimoji="1" lang="ja-JP" altLang="en-US"/>
-              <a:t>戻る</a:t>
-            </a:r>
-          </a:p>
-        </p:txBody>
-      </p:sp>
-      <p:sp>
-        <p:nvSpPr>
-          <p:cNvPr id="7" name="角丸四角形 6">
-            <a:extLst>
-              <a:ext uri="{FF2B5EF4-FFF2-40B4-BE49-F238E27FC236}">
-                <a16:creationId xmlns:a16="http://schemas.microsoft.com/office/drawing/2014/main" id="{4A5BD9B5-9875-2527-EB21-935520A43A84}"/>
+              <a:rPr lang="en-US" altLang="ja-JP" sz="1100" dirty="0"/>
+              <a:t>todo_id</a:t>
+            </a:r>
+          </a:p>
+          <a:p>
+            <a:pPr algn="ctr"/>
+            <a:r>
+              <a:rPr lang="en-US" altLang="ja-JP" sz="1100" dirty="0"/>
+              <a:t>t</a:t>
+            </a:r>
+            <a:r>
+              <a:rPr kumimoji="1" lang="en-US" altLang="ja-JP" sz="1100" dirty="0"/>
+              <a:t>ag_id</a:t>
+            </a:r>
+            <a:endParaRPr kumimoji="1" lang="ja-JP" altLang="en-US" sz="1100"/>
+          </a:p>
+        </p:txBody>
+      </p:sp>
+      <p:cxnSp>
+        <p:nvCxnSpPr>
+          <p:cNvPr id="9" name="カギ線コネクタ 8">
+            <a:extLst>
+              <a:ext uri="{FF2B5EF4-FFF2-40B4-BE49-F238E27FC236}">
+                <a16:creationId xmlns:a16="http://schemas.microsoft.com/office/drawing/2014/main" id="{6F6FF72C-46D3-322A-4045-D0AF137B97C9}"/>
+              </a:ext>
+            </a:extLst>
+          </p:cNvPr>
+          <p:cNvCxnSpPr>
+            <a:stCxn id="7" idx="1"/>
+            <a:endCxn id="5" idx="3"/>
+          </p:cNvCxnSpPr>
+          <p:nvPr/>
+        </p:nvCxnSpPr>
+        <p:spPr>
+          <a:xfrm rot="10800000" flipV="1">
+            <a:off x="4060158" y="2917371"/>
+            <a:ext cx="1116000" cy="0"/>
+          </a:xfrm>
+          <a:prstGeom prst="bentConnector3">
+            <a:avLst/>
+          </a:prstGeom>
+          <a:ln w="38100"/>
+        </p:spPr>
+        <p:style>
+          <a:lnRef idx="1">
+            <a:schemeClr val="accent1"/>
+          </a:lnRef>
+          <a:fillRef idx="0">
+            <a:schemeClr val="accent1"/>
+          </a:fillRef>
+          <a:effectRef idx="0">
+            <a:schemeClr val="accent1"/>
+          </a:effectRef>
+          <a:fontRef idx="minor">
+            <a:schemeClr val="tx1"/>
+          </a:fontRef>
+        </p:style>
+      </p:cxnSp>
+      <p:cxnSp>
+        <p:nvCxnSpPr>
+          <p:cNvPr id="10" name="カギ線コネクタ 9">
+            <a:extLst>
+              <a:ext uri="{FF2B5EF4-FFF2-40B4-BE49-F238E27FC236}">
+                <a16:creationId xmlns:a16="http://schemas.microsoft.com/office/drawing/2014/main" id="{2335B4E4-14D3-F4CB-A276-E5185F0A11D8}"/>
+              </a:ext>
+            </a:extLst>
+          </p:cNvPr>
+          <p:cNvCxnSpPr/>
+          <p:nvPr/>
+        </p:nvCxnSpPr>
+        <p:spPr>
+          <a:xfrm rot="10800000" flipV="1">
+            <a:off x="6525772" y="2917370"/>
+            <a:ext cx="1116000" cy="0"/>
+          </a:xfrm>
+          <a:prstGeom prst="bentConnector3">
+            <a:avLst/>
+          </a:prstGeom>
+          <a:ln w="38100"/>
+        </p:spPr>
+        <p:style>
+          <a:lnRef idx="1">
+            <a:schemeClr val="accent1"/>
+          </a:lnRef>
+          <a:fillRef idx="0">
+            <a:schemeClr val="accent1"/>
+          </a:fillRef>
+          <a:effectRef idx="0">
+            <a:schemeClr val="accent1"/>
+          </a:effectRef>
+          <a:fontRef idx="minor">
+            <a:schemeClr val="tx1"/>
+          </a:fontRef>
+        </p:style>
+      </p:cxnSp>
+      <p:sp>
+        <p:nvSpPr>
+          <p:cNvPr id="11" name="三角形 10">
+            <a:extLst>
+              <a:ext uri="{FF2B5EF4-FFF2-40B4-BE49-F238E27FC236}">
+                <a16:creationId xmlns:a16="http://schemas.microsoft.com/office/drawing/2014/main" id="{77C6341B-A334-1714-DAFC-D4586BB8CC97}"/>
               </a:ext>
             </a:extLst>
           </p:cNvPr>
@@ -6677,16 +6084,13 @@
           <p:nvPr/>
         </p:nvSpPr>
         <p:spPr>
-          <a:xfrm>
-            <a:off x="10395857" y="114300"/>
-            <a:ext cx="1611085" cy="598714"/>
-          </a:xfrm>
-          <a:prstGeom prst="roundRect">
+          <a:xfrm rot="5400000">
+            <a:off x="4011045" y="2681626"/>
+            <a:ext cx="657225" cy="471487"/>
+          </a:xfrm>
+          <a:prstGeom prst="triangle">
             <a:avLst/>
           </a:prstGeom>
-          <a:solidFill>
-            <a:schemeClr val="accent2"/>
-          </a:solidFill>
         </p:spPr>
         <p:style>
           <a:lnRef idx="2">
@@ -6709,54 +6113,16 @@
           <a:lstStyle/>
           <a:p>
             <a:pPr algn="ctr"/>
-            <a:r>
-              <a:rPr kumimoji="1" lang="ja-JP" altLang="en-US"/>
-              <a:t>ログアウト</a:t>
-            </a:r>
-          </a:p>
-        </p:txBody>
-      </p:sp>
-      <p:sp>
-        <p:nvSpPr>
-          <p:cNvPr id="8" name="テキスト ボックス 7">
-            <a:extLst>
-              <a:ext uri="{FF2B5EF4-FFF2-40B4-BE49-F238E27FC236}">
-                <a16:creationId xmlns:a16="http://schemas.microsoft.com/office/drawing/2014/main" id="{D451554F-0195-5E70-F8DC-08DB0EDF0976}"/>
-              </a:ext>
-            </a:extLst>
-          </p:cNvPr>
-          <p:cNvSpPr txBox="1"/>
-          <p:nvPr/>
-        </p:nvSpPr>
-        <p:spPr>
-          <a:xfrm>
-            <a:off x="10210800" y="1339725"/>
-            <a:ext cx="1338828" cy="369332"/>
-          </a:xfrm>
-          <a:prstGeom prst="rect">
-            <a:avLst/>
-          </a:prstGeom>
-          <a:noFill/>
-        </p:spPr>
-        <p:txBody>
-          <a:bodyPr wrap="none" rtlCol="0">
-            <a:spAutoFit/>
-          </a:bodyPr>
-          <a:lstStyle/>
-          <a:p>
-            <a:r>
-              <a:rPr kumimoji="1" lang="ja-JP" altLang="en-US"/>
-              <a:t>ソート型名</a:t>
-            </a:r>
-          </a:p>
-        </p:txBody>
-      </p:sp>
-      <p:sp>
-        <p:nvSpPr>
-          <p:cNvPr id="9" name="角丸四角形 8">
-            <a:extLst>
-              <a:ext uri="{FF2B5EF4-FFF2-40B4-BE49-F238E27FC236}">
-                <a16:creationId xmlns:a16="http://schemas.microsoft.com/office/drawing/2014/main" id="{CD393DA7-DFFD-3E33-BD81-CF479E4B14AA}"/>
+            <a:endParaRPr kumimoji="1" lang="ja-JP" altLang="en-US"/>
+          </a:p>
+        </p:txBody>
+      </p:sp>
+      <p:sp>
+        <p:nvSpPr>
+          <p:cNvPr id="12" name="三角形 11">
+            <a:extLst>
+              <a:ext uri="{FF2B5EF4-FFF2-40B4-BE49-F238E27FC236}">
+                <a16:creationId xmlns:a16="http://schemas.microsoft.com/office/drawing/2014/main" id="{E2F5970B-2E12-0E1A-DEFA-1C7DE07CA43D}"/>
               </a:ext>
             </a:extLst>
           </p:cNvPr>
@@ -6764,11 +6130,11 @@
           <p:nvPr/>
         </p:nvSpPr>
         <p:spPr>
-          <a:xfrm>
-            <a:off x="272142" y="2100943"/>
-            <a:ext cx="5475515" cy="1328057"/>
-          </a:xfrm>
-          <a:prstGeom prst="roundRect">
+          <a:xfrm rot="16200000">
+            <a:off x="7077416" y="2681625"/>
+            <a:ext cx="657225" cy="471487"/>
+          </a:xfrm>
+          <a:prstGeom prst="triangle">
             <a:avLst/>
           </a:prstGeom>
         </p:spPr>
@@ -6792,54 +6158,91 @@
           <a:bodyPr rtlCol="0" anchor="ctr"/>
           <a:lstStyle/>
           <a:p>
-            <a:r>
-              <a:rPr kumimoji="1" lang="ja-JP" altLang="en-US"/>
-              <a:t>作成者</a:t>
-            </a:r>
-            <a:endParaRPr kumimoji="1" lang="en-US" altLang="ja-JP" dirty="0"/>
-          </a:p>
-          <a:p>
-            <a:r>
-              <a:rPr kumimoji="1" lang="ja-JP" altLang="en-US"/>
-              <a:t>最新</a:t>
-            </a:r>
-            <a:r>
-              <a:rPr lang="ja-JP" altLang="en-US"/>
-              <a:t>更新</a:t>
-            </a:r>
-            <a:r>
-              <a:rPr lang="en-US" altLang="ja-JP" dirty="0"/>
-              <a:t>Todo			</a:t>
-            </a:r>
-            <a:r>
-              <a:rPr lang="ja-JP" altLang="en-US"/>
-              <a:t>時刻</a:t>
-            </a:r>
-            <a:endParaRPr lang="en-US" altLang="ja-JP" dirty="0"/>
-          </a:p>
-          <a:p>
-            <a:r>
-              <a:rPr lang="ja-JP" altLang="en-US"/>
-              <a:t>　タグ名</a:t>
-            </a:r>
-            <a:r>
-              <a:rPr lang="en-US" altLang="ja-JP" dirty="0"/>
-              <a:t>			</a:t>
-            </a:r>
-            <a:r>
-              <a:rPr lang="ja-JP" altLang="en-US"/>
-              <a:t>完了フラグ</a:t>
-            </a:r>
+            <a:pPr algn="ctr"/>
             <a:endParaRPr kumimoji="1" lang="ja-JP" altLang="en-US"/>
           </a:p>
         </p:txBody>
       </p:sp>
-      <p:sp>
-        <p:nvSpPr>
-          <p:cNvPr id="2" name="円/楕円 1">
-            <a:extLst>
-              <a:ext uri="{FF2B5EF4-FFF2-40B4-BE49-F238E27FC236}">
-                <a16:creationId xmlns:a16="http://schemas.microsoft.com/office/drawing/2014/main" id="{AC66EACD-68A8-215B-8284-E2D3EB98C605}"/>
+      <p:cxnSp>
+        <p:nvCxnSpPr>
+          <p:cNvPr id="14" name="直線コネクタ 13">
+            <a:extLst>
+              <a:ext uri="{FF2B5EF4-FFF2-40B4-BE49-F238E27FC236}">
+                <a16:creationId xmlns:a16="http://schemas.microsoft.com/office/drawing/2014/main" id="{12A1C9AB-8B17-5F09-A4D1-B1E94B47F101}"/>
+              </a:ext>
+            </a:extLst>
+          </p:cNvPr>
+          <p:cNvCxnSpPr/>
+          <p:nvPr/>
+        </p:nvCxnSpPr>
+        <p:spPr>
+          <a:xfrm>
+            <a:off x="4575401" y="2574468"/>
+            <a:ext cx="0" cy="671513"/>
+          </a:xfrm>
+          <a:prstGeom prst="line">
+            <a:avLst/>
+          </a:prstGeom>
+          <a:ln w="28575"/>
+        </p:spPr>
+        <p:style>
+          <a:lnRef idx="1">
+            <a:schemeClr val="accent1"/>
+          </a:lnRef>
+          <a:fillRef idx="0">
+            <a:schemeClr val="accent1"/>
+          </a:fillRef>
+          <a:effectRef idx="0">
+            <a:schemeClr val="accent1"/>
+          </a:effectRef>
+          <a:fontRef idx="minor">
+            <a:schemeClr val="tx1"/>
+          </a:fontRef>
+        </p:style>
+      </p:cxnSp>
+      <p:cxnSp>
+        <p:nvCxnSpPr>
+          <p:cNvPr id="15" name="直線コネクタ 14">
+            <a:extLst>
+              <a:ext uri="{FF2B5EF4-FFF2-40B4-BE49-F238E27FC236}">
+                <a16:creationId xmlns:a16="http://schemas.microsoft.com/office/drawing/2014/main" id="{01DF62E7-79DA-737E-F16C-B42263CB10CA}"/>
+              </a:ext>
+            </a:extLst>
+          </p:cNvPr>
+          <p:cNvCxnSpPr/>
+          <p:nvPr/>
+        </p:nvCxnSpPr>
+        <p:spPr>
+          <a:xfrm>
+            <a:off x="7170285" y="2588755"/>
+            <a:ext cx="0" cy="671513"/>
+          </a:xfrm>
+          <a:prstGeom prst="line">
+            <a:avLst/>
+          </a:prstGeom>
+          <a:ln w="28575"/>
+        </p:spPr>
+        <p:style>
+          <a:lnRef idx="1">
+            <a:schemeClr val="accent1"/>
+          </a:lnRef>
+          <a:fillRef idx="0">
+            <a:schemeClr val="accent1"/>
+          </a:fillRef>
+          <a:effectRef idx="0">
+            <a:schemeClr val="accent1"/>
+          </a:effectRef>
+          <a:fontRef idx="minor">
+            <a:schemeClr val="tx1"/>
+          </a:fontRef>
+        </p:style>
+      </p:cxnSp>
+      <p:sp>
+        <p:nvSpPr>
+          <p:cNvPr id="20" name="角丸四角形 19">
+            <a:extLst>
+              <a:ext uri="{FF2B5EF4-FFF2-40B4-BE49-F238E27FC236}">
+                <a16:creationId xmlns:a16="http://schemas.microsoft.com/office/drawing/2014/main" id="{3BA6B709-CA4D-0052-E06D-A6FD6566B18A}"/>
               </a:ext>
             </a:extLst>
           </p:cNvPr>
@@ -6848,15 +6251,12 @@
         </p:nvSpPr>
         <p:spPr>
           <a:xfrm>
-            <a:off x="348344" y="2939143"/>
-            <a:ext cx="293914" cy="326571"/>
-          </a:xfrm>
-          <a:prstGeom prst="ellipse">
+            <a:off x="4644800" y="4701267"/>
+            <a:ext cx="2525485" cy="1023257"/>
+          </a:xfrm>
+          <a:prstGeom prst="roundRect">
             <a:avLst/>
           </a:prstGeom>
-          <a:solidFill>
-            <a:schemeClr val="accent2"/>
-          </a:solidFill>
         </p:spPr>
         <p:style>
           <a:lnRef idx="2">
@@ -6879,16 +6279,184 @@
           <a:lstStyle/>
           <a:p>
             <a:pPr algn="ctr"/>
+            <a:r>
+              <a:rPr kumimoji="1" lang="en-US" altLang="ja-JP" dirty="0"/>
+              <a:t>User</a:t>
+            </a:r>
             <a:endParaRPr kumimoji="1" lang="ja-JP" altLang="en-US"/>
           </a:p>
         </p:txBody>
       </p:sp>
-      <p:sp>
-        <p:nvSpPr>
-          <p:cNvPr id="3" name="テキスト ボックス 2">
-            <a:extLst>
-              <a:ext uri="{FF2B5EF4-FFF2-40B4-BE49-F238E27FC236}">
-                <a16:creationId xmlns:a16="http://schemas.microsoft.com/office/drawing/2014/main" id="{5A41D9A7-8C13-B861-8222-166396B62384}"/>
+      <p:cxnSp>
+        <p:nvCxnSpPr>
+          <p:cNvPr id="21" name="カギ線コネクタ 20">
+            <a:extLst>
+              <a:ext uri="{FF2B5EF4-FFF2-40B4-BE49-F238E27FC236}">
+                <a16:creationId xmlns:a16="http://schemas.microsoft.com/office/drawing/2014/main" id="{A3520687-AA0E-B1BC-2219-6DC31A7EDEAD}"/>
+              </a:ext>
+            </a:extLst>
+          </p:cNvPr>
+          <p:cNvCxnSpPr>
+            <a:cxnSpLocks/>
+            <a:endCxn id="5" idx="2"/>
+          </p:cNvCxnSpPr>
+          <p:nvPr/>
+        </p:nvCxnSpPr>
+        <p:spPr>
+          <a:xfrm rot="16200000" flipV="1">
+            <a:off x="2837718" y="3432454"/>
+            <a:ext cx="1783896" cy="1776987"/>
+          </a:xfrm>
+          <a:prstGeom prst="bentConnector3">
+            <a:avLst>
+              <a:gd name="adj1" fmla="val -1259"/>
+            </a:avLst>
+          </a:prstGeom>
+          <a:ln w="38100"/>
+        </p:spPr>
+        <p:style>
+          <a:lnRef idx="1">
+            <a:schemeClr val="accent1"/>
+          </a:lnRef>
+          <a:fillRef idx="0">
+            <a:schemeClr val="accent1"/>
+          </a:fillRef>
+          <a:effectRef idx="0">
+            <a:schemeClr val="accent1"/>
+          </a:effectRef>
+          <a:fontRef idx="minor">
+            <a:schemeClr val="tx1"/>
+          </a:fontRef>
+        </p:style>
+      </p:cxnSp>
+      <p:cxnSp>
+        <p:nvCxnSpPr>
+          <p:cNvPr id="24" name="直線コネクタ 23">
+            <a:extLst>
+              <a:ext uri="{FF2B5EF4-FFF2-40B4-BE49-F238E27FC236}">
+                <a16:creationId xmlns:a16="http://schemas.microsoft.com/office/drawing/2014/main" id="{CECFD5E9-7411-4F64-6C48-E0D4A0D1C22B}"/>
+              </a:ext>
+            </a:extLst>
+          </p:cNvPr>
+          <p:cNvCxnSpPr/>
+          <p:nvPr/>
+        </p:nvCxnSpPr>
+        <p:spPr>
+          <a:xfrm>
+            <a:off x="4339657" y="4877138"/>
+            <a:ext cx="0" cy="671513"/>
+          </a:xfrm>
+          <a:prstGeom prst="line">
+            <a:avLst/>
+          </a:prstGeom>
+          <a:ln w="28575"/>
+        </p:spPr>
+        <p:style>
+          <a:lnRef idx="1">
+            <a:schemeClr val="accent1"/>
+          </a:lnRef>
+          <a:fillRef idx="0">
+            <a:schemeClr val="accent1"/>
+          </a:fillRef>
+          <a:effectRef idx="0">
+            <a:schemeClr val="accent1"/>
+          </a:effectRef>
+          <a:fontRef idx="minor">
+            <a:schemeClr val="tx1"/>
+          </a:fontRef>
+        </p:style>
+      </p:cxnSp>
+      <p:sp>
+        <p:nvSpPr>
+          <p:cNvPr id="25" name="三角形 24">
+            <a:extLst>
+              <a:ext uri="{FF2B5EF4-FFF2-40B4-BE49-F238E27FC236}">
+                <a16:creationId xmlns:a16="http://schemas.microsoft.com/office/drawing/2014/main" id="{2B69E7C9-5E44-BBFF-25BD-1E5A5EBAC7B0}"/>
+              </a:ext>
+            </a:extLst>
+          </p:cNvPr>
+          <p:cNvSpPr/>
+          <p:nvPr/>
+        </p:nvSpPr>
+        <p:spPr>
+          <a:xfrm rot="10800000">
+            <a:off x="2512559" y="3428998"/>
+            <a:ext cx="657225" cy="471487"/>
+          </a:xfrm>
+          <a:prstGeom prst="triangle">
+            <a:avLst/>
+          </a:prstGeom>
+        </p:spPr>
+        <p:style>
+          <a:lnRef idx="2">
+            <a:schemeClr val="accent1">
+              <a:shade val="15000"/>
+            </a:schemeClr>
+          </a:lnRef>
+          <a:fillRef idx="1">
+            <a:schemeClr val="accent1"/>
+          </a:fillRef>
+          <a:effectRef idx="0">
+            <a:schemeClr val="accent1"/>
+          </a:effectRef>
+          <a:fontRef idx="minor">
+            <a:schemeClr val="lt1"/>
+          </a:fontRef>
+        </p:style>
+        <p:txBody>
+          <a:bodyPr rtlCol="0" anchor="ctr"/>
+          <a:lstStyle/>
+          <a:p>
+            <a:pPr algn="ctr"/>
+            <a:endParaRPr kumimoji="1" lang="ja-JP" altLang="en-US"/>
+          </a:p>
+        </p:txBody>
+      </p:sp>
+      <p:cxnSp>
+        <p:nvCxnSpPr>
+          <p:cNvPr id="26" name="直線コネクタ 25">
+            <a:extLst>
+              <a:ext uri="{FF2B5EF4-FFF2-40B4-BE49-F238E27FC236}">
+                <a16:creationId xmlns:a16="http://schemas.microsoft.com/office/drawing/2014/main" id="{80CCD65F-1941-323E-CDD1-8E52A462C87C}"/>
+              </a:ext>
+            </a:extLst>
+          </p:cNvPr>
+          <p:cNvCxnSpPr>
+            <a:cxnSpLocks/>
+          </p:cNvCxnSpPr>
+          <p:nvPr/>
+        </p:nvCxnSpPr>
+        <p:spPr>
+          <a:xfrm rot="5400000">
+            <a:off x="2841171" y="3607354"/>
+            <a:ext cx="0" cy="671513"/>
+          </a:xfrm>
+          <a:prstGeom prst="line">
+            <a:avLst/>
+          </a:prstGeom>
+          <a:ln w="28575"/>
+        </p:spPr>
+        <p:style>
+          <a:lnRef idx="1">
+            <a:schemeClr val="accent1"/>
+          </a:lnRef>
+          <a:fillRef idx="0">
+            <a:schemeClr val="accent1"/>
+          </a:fillRef>
+          <a:effectRef idx="0">
+            <a:schemeClr val="accent1"/>
+          </a:effectRef>
+          <a:fontRef idx="minor">
+            <a:schemeClr val="tx1"/>
+          </a:fontRef>
+        </p:style>
+      </p:cxnSp>
+      <p:sp>
+        <p:nvSpPr>
+          <p:cNvPr id="28" name="テキスト ボックス 27">
+            <a:extLst>
+              <a:ext uri="{FF2B5EF4-FFF2-40B4-BE49-F238E27FC236}">
+                <a16:creationId xmlns:a16="http://schemas.microsoft.com/office/drawing/2014/main" id="{D55DDA9C-A2D0-5480-B607-6A93607ACE3B}"/>
               </a:ext>
             </a:extLst>
           </p:cNvPr>
@@ -6897,8 +6465,8 @@
         </p:nvSpPr>
         <p:spPr>
           <a:xfrm>
-            <a:off x="229224" y="1360714"/>
-            <a:ext cx="723275" cy="369332"/>
+            <a:off x="8178872" y="4671488"/>
+            <a:ext cx="2343911" cy="1754326"/>
           </a:xfrm>
           <a:prstGeom prst="rect">
             <a:avLst/>
@@ -6912,8 +6480,38 @@
           <a:lstStyle/>
           <a:p>
             <a:r>
+              <a:rPr lang="en-US" altLang="ja-JP" dirty="0"/>
+              <a:t>users</a:t>
+            </a:r>
+          </a:p>
+          <a:p>
+            <a:r>
               <a:rPr kumimoji="1" lang="en-US" altLang="ja-JP" dirty="0"/>
-              <a:t>Todo</a:t>
+              <a:t>	email	PK</a:t>
+            </a:r>
+          </a:p>
+          <a:p>
+            <a:r>
+              <a:rPr lang="en-US" altLang="ja-JP" dirty="0"/>
+              <a:t>	pass	PK</a:t>
+            </a:r>
+          </a:p>
+          <a:p>
+            <a:r>
+              <a:rPr lang="en-US" altLang="ja-JP" dirty="0"/>
+              <a:t>	name</a:t>
+            </a:r>
+          </a:p>
+          <a:p>
+            <a:r>
+              <a:rPr lang="en-US" altLang="ja-JP" dirty="0"/>
+              <a:t>	</a:t>
+            </a:r>
+          </a:p>
+          <a:p>
+            <a:r>
+              <a:rPr kumimoji="1" lang="en-US" altLang="ja-JP" dirty="0"/>
+              <a:t>	</a:t>
             </a:r>
             <a:endParaRPr kumimoji="1" lang="ja-JP" altLang="en-US"/>
           </a:p>
@@ -6922,7 +6520,1627 @@
     </p:spTree>
     <p:extLst>
       <p:ext uri="{BB962C8B-B14F-4D97-AF65-F5344CB8AC3E}">
-        <p14:creationId xmlns:p14="http://schemas.microsoft.com/office/powerpoint/2010/main" val="3203303162"/>
+        <p14:creationId xmlns:p14="http://schemas.microsoft.com/office/powerpoint/2010/main" val="4066014007"/>
+      </p:ext>
+    </p:extLst>
+  </p:cSld>
+  <p:clrMapOvr>
+    <a:masterClrMapping/>
+  </p:clrMapOvr>
+</p:sld>
+</file>
+
+<file path=ppt/slides/slide7.xml><?xml version="1.0" encoding="utf-8"?>
+<p:sld xmlns:a="http://schemas.openxmlformats.org/drawingml/2006/main" xmlns:r="http://schemas.openxmlformats.org/officeDocument/2006/relationships" xmlns:p="http://schemas.openxmlformats.org/presentationml/2006/main">
+  <p:cSld>
+    <p:spTree>
+      <p:nvGrpSpPr>
+        <p:cNvPr id="1" name=""/>
+        <p:cNvGrpSpPr/>
+        <p:nvPr/>
+      </p:nvGrpSpPr>
+      <p:grpSpPr>
+        <a:xfrm>
+          <a:off x="0" y="0"/>
+          <a:ext cx="0" cy="0"/>
+          <a:chOff x="0" y="0"/>
+          <a:chExt cx="0" cy="0"/>
+        </a:xfrm>
+      </p:grpSpPr>
+      <p:sp>
+        <p:nvSpPr>
+          <p:cNvPr id="2" name="タイトル 1">
+            <a:extLst>
+              <a:ext uri="{FF2B5EF4-FFF2-40B4-BE49-F238E27FC236}">
+                <a16:creationId xmlns:a16="http://schemas.microsoft.com/office/drawing/2014/main" id="{40BD442B-9D36-B7C2-DEDB-24D1BE2C7336}"/>
+              </a:ext>
+            </a:extLst>
+          </p:cNvPr>
+          <p:cNvSpPr>
+            <a:spLocks noGrp="1"/>
+          </p:cNvSpPr>
+          <p:nvPr>
+            <p:ph type="title"/>
+          </p:nvPr>
+        </p:nvSpPr>
+        <p:spPr/>
+        <p:txBody>
+          <a:bodyPr/>
+          <a:lstStyle/>
+          <a:p>
+            <a:r>
+              <a:rPr kumimoji="1" lang="ja-JP" altLang="en-US"/>
+              <a:t>２次開発</a:t>
+            </a:r>
+          </a:p>
+        </p:txBody>
+      </p:sp>
+      <p:sp>
+        <p:nvSpPr>
+          <p:cNvPr id="3" name="テキスト ボックス 2">
+            <a:extLst>
+              <a:ext uri="{FF2B5EF4-FFF2-40B4-BE49-F238E27FC236}">
+                <a16:creationId xmlns:a16="http://schemas.microsoft.com/office/drawing/2014/main" id="{D2CBE6BE-C4C1-2F00-E288-C54CBA87A55B}"/>
+              </a:ext>
+            </a:extLst>
+          </p:cNvPr>
+          <p:cNvSpPr txBox="1"/>
+          <p:nvPr/>
+        </p:nvSpPr>
+        <p:spPr>
+          <a:xfrm>
+            <a:off x="6851561" y="704740"/>
+            <a:ext cx="4968027" cy="646331"/>
+          </a:xfrm>
+          <a:prstGeom prst="rect">
+            <a:avLst/>
+          </a:prstGeom>
+          <a:noFill/>
+        </p:spPr>
+        <p:txBody>
+          <a:bodyPr wrap="none" rtlCol="0">
+            <a:spAutoFit/>
+          </a:bodyPr>
+          <a:lstStyle/>
+          <a:p>
+            <a:r>
+              <a:rPr kumimoji="1" lang="en" altLang="ja-JP" dirty="0"/>
+              <a:t>next-session</a:t>
+            </a:r>
+            <a:r>
+              <a:rPr kumimoji="1" lang="ja-JP" altLang="en-US"/>
+              <a:t>文献</a:t>
+            </a:r>
+            <a:endParaRPr kumimoji="1" lang="en" altLang="ja-JP" dirty="0"/>
+          </a:p>
+          <a:p>
+            <a:r>
+              <a:rPr kumimoji="1" lang="en" altLang="ja-JP" dirty="0"/>
+              <a:t>https://zenn.dev/akfm/articles/next-session</a:t>
+            </a:r>
+            <a:endParaRPr kumimoji="1" lang="ja-JP" altLang="en-US"/>
+          </a:p>
+        </p:txBody>
+      </p:sp>
+      <p:sp>
+        <p:nvSpPr>
+          <p:cNvPr id="8" name="テキスト ボックス 7">
+            <a:extLst>
+              <a:ext uri="{FF2B5EF4-FFF2-40B4-BE49-F238E27FC236}">
+                <a16:creationId xmlns:a16="http://schemas.microsoft.com/office/drawing/2014/main" id="{9A165FE4-9EB9-ED0B-6FB6-24103B90D9C4}"/>
+              </a:ext>
+            </a:extLst>
+          </p:cNvPr>
+          <p:cNvSpPr txBox="1"/>
+          <p:nvPr/>
+        </p:nvSpPr>
+        <p:spPr>
+          <a:xfrm>
+            <a:off x="1300766" y="1944710"/>
+            <a:ext cx="4878259" cy="3416320"/>
+          </a:xfrm>
+          <a:prstGeom prst="rect">
+            <a:avLst/>
+          </a:prstGeom>
+          <a:noFill/>
+        </p:spPr>
+        <p:txBody>
+          <a:bodyPr wrap="none" rtlCol="0">
+            <a:spAutoFit/>
+          </a:bodyPr>
+          <a:lstStyle/>
+          <a:p>
+            <a:r>
+              <a:rPr kumimoji="1" lang="en-US" altLang="ja-JP" dirty="0"/>
+              <a:t>1. </a:t>
+            </a:r>
+            <a:r>
+              <a:rPr kumimoji="1" lang="ja-JP" altLang="en-US"/>
+              <a:t>フォーム入力</a:t>
+            </a:r>
+            <a:endParaRPr kumimoji="1" lang="en-US" altLang="ja-JP" dirty="0"/>
+          </a:p>
+          <a:p>
+            <a:r>
+              <a:rPr kumimoji="1" lang="en-US" altLang="ja-JP" dirty="0"/>
+              <a:t>2. APIRoute</a:t>
+            </a:r>
+            <a:r>
+              <a:rPr kumimoji="1" lang="ja-JP" altLang="en-US"/>
+              <a:t>から</a:t>
+            </a:r>
+            <a:r>
+              <a:rPr kumimoji="1" lang="en-US" altLang="ja-JP" dirty="0"/>
+              <a:t>FastAPI</a:t>
+            </a:r>
+            <a:r>
+              <a:rPr kumimoji="1" lang="ja-JP" altLang="en-US"/>
+              <a:t>へ</a:t>
+            </a:r>
+            <a:endParaRPr kumimoji="1" lang="en-US" altLang="ja-JP" dirty="0"/>
+          </a:p>
+          <a:p>
+            <a:r>
+              <a:rPr lang="en-US" altLang="ja-JP" dirty="0"/>
+              <a:t>3. </a:t>
+            </a:r>
+            <a:r>
+              <a:rPr lang="ja-JP" altLang="en-US"/>
+              <a:t>参照</a:t>
+            </a:r>
+            <a:endParaRPr lang="en-US" altLang="ja-JP" dirty="0"/>
+          </a:p>
+          <a:p>
+            <a:r>
+              <a:rPr lang="en-US" altLang="ja-JP" dirty="0"/>
+              <a:t>4. </a:t>
+            </a:r>
+            <a:r>
+              <a:rPr lang="ja-JP" altLang="en-US"/>
+              <a:t>処理</a:t>
+            </a:r>
+            <a:endParaRPr lang="en-US" altLang="ja-JP" dirty="0"/>
+          </a:p>
+          <a:p>
+            <a:r>
+              <a:rPr kumimoji="1" lang="en-US" altLang="ja-JP" dirty="0"/>
+              <a:t>	case: true</a:t>
+            </a:r>
+          </a:p>
+          <a:p>
+            <a:r>
+              <a:rPr lang="en-US" altLang="ja-JP" dirty="0"/>
+              <a:t>		</a:t>
+            </a:r>
+            <a:r>
+              <a:rPr lang="ja-JP" altLang="en-US"/>
+              <a:t>成功ステータス</a:t>
+            </a:r>
+            <a:endParaRPr lang="en-US" altLang="ja-JP" dirty="0"/>
+          </a:p>
+          <a:p>
+            <a:r>
+              <a:rPr kumimoji="1" lang="en-US" altLang="ja-JP" dirty="0"/>
+              <a:t>		</a:t>
+            </a:r>
+            <a:r>
+              <a:rPr kumimoji="1" lang="ja-JP" altLang="en-US"/>
+              <a:t>必要データを</a:t>
+            </a:r>
+            <a:r>
+              <a:rPr kumimoji="1" lang="en-US" altLang="ja-JP" dirty="0"/>
+              <a:t>json</a:t>
+            </a:r>
+            <a:r>
+              <a:rPr kumimoji="1" lang="ja-JP" altLang="en-US"/>
+              <a:t>で返す</a:t>
+            </a:r>
+            <a:endParaRPr kumimoji="1" lang="en-US" altLang="ja-JP" dirty="0"/>
+          </a:p>
+          <a:p>
+            <a:r>
+              <a:rPr lang="en-US" altLang="ja-JP" dirty="0"/>
+              <a:t>		</a:t>
+            </a:r>
+            <a:r>
+              <a:rPr lang="ja-JP" altLang="en-US"/>
+              <a:t>→</a:t>
+            </a:r>
+            <a:r>
+              <a:rPr lang="en-US" altLang="ja-JP" dirty="0"/>
+              <a:t>next</a:t>
+            </a:r>
+            <a:r>
+              <a:rPr lang="ja-JP" altLang="en-US"/>
+              <a:t>側で</a:t>
+            </a:r>
+            <a:r>
+              <a:rPr lang="en-US" altLang="ja-JP" dirty="0"/>
+              <a:t>session</a:t>
+            </a:r>
+            <a:r>
+              <a:rPr lang="ja-JP" altLang="en-US"/>
+              <a:t>設定</a:t>
+            </a:r>
+            <a:endParaRPr lang="en-US" altLang="ja-JP" dirty="0"/>
+          </a:p>
+          <a:p>
+            <a:r>
+              <a:rPr lang="en-US" altLang="ja-JP" dirty="0"/>
+              <a:t>			Todo</a:t>
+            </a:r>
+            <a:r>
+              <a:rPr lang="ja-JP" altLang="en-US"/>
+              <a:t>ページへ遷移</a:t>
+            </a:r>
+            <a:endParaRPr lang="en-US" altLang="ja-JP" dirty="0"/>
+          </a:p>
+          <a:p>
+            <a:r>
+              <a:rPr kumimoji="1" lang="en-US" altLang="ja-JP" dirty="0"/>
+              <a:t>	case: </a:t>
+            </a:r>
+            <a:r>
+              <a:rPr lang="en-US" altLang="ja-JP" dirty="0"/>
+              <a:t>false</a:t>
+            </a:r>
+          </a:p>
+          <a:p>
+            <a:r>
+              <a:rPr kumimoji="1" lang="en-US" altLang="ja-JP" dirty="0"/>
+              <a:t>		</a:t>
+            </a:r>
+            <a:r>
+              <a:rPr kumimoji="1" lang="ja-JP" altLang="en-US"/>
+              <a:t>失敗ステータス</a:t>
+            </a:r>
+            <a:endParaRPr kumimoji="1" lang="en-US" altLang="ja-JP" dirty="0"/>
+          </a:p>
+          <a:p>
+            <a:r>
+              <a:rPr lang="en-US" altLang="ja-JP" dirty="0"/>
+              <a:t>		</a:t>
+            </a:r>
+            <a:r>
+              <a:rPr lang="ja-JP" altLang="en-US"/>
+              <a:t>ログインの失敗をアラート</a:t>
+            </a:r>
+            <a:endParaRPr kumimoji="1" lang="ja-JP" altLang="en-US"/>
+          </a:p>
+        </p:txBody>
+      </p:sp>
+    </p:spTree>
+    <p:extLst>
+      <p:ext uri="{BB962C8B-B14F-4D97-AF65-F5344CB8AC3E}">
+        <p14:creationId xmlns:p14="http://schemas.microsoft.com/office/powerpoint/2010/main" val="1487738699"/>
+      </p:ext>
+    </p:extLst>
+  </p:cSld>
+  <p:clrMapOvr>
+    <a:masterClrMapping/>
+  </p:clrMapOvr>
+</p:sld>
+</file>
+
+<file path=ppt/slides/slide8.xml><?xml version="1.0" encoding="utf-8"?>
+<p:sld xmlns:a="http://schemas.openxmlformats.org/drawingml/2006/main" xmlns:r="http://schemas.openxmlformats.org/officeDocument/2006/relationships" xmlns:p="http://schemas.openxmlformats.org/presentationml/2006/main">
+  <p:cSld>
+    <p:spTree>
+      <p:nvGrpSpPr>
+        <p:cNvPr id="1" name=""/>
+        <p:cNvGrpSpPr/>
+        <p:nvPr/>
+      </p:nvGrpSpPr>
+      <p:grpSpPr>
+        <a:xfrm>
+          <a:off x="0" y="0"/>
+          <a:ext cx="0" cy="0"/>
+          <a:chOff x="0" y="0"/>
+          <a:chExt cx="0" cy="0"/>
+        </a:xfrm>
+      </p:grpSpPr>
+      <p:sp>
+        <p:nvSpPr>
+          <p:cNvPr id="2" name="タイトル 1">
+            <a:extLst>
+              <a:ext uri="{FF2B5EF4-FFF2-40B4-BE49-F238E27FC236}">
+                <a16:creationId xmlns:a16="http://schemas.microsoft.com/office/drawing/2014/main" id="{40BD442B-9D36-B7C2-DEDB-24D1BE2C7336}"/>
+              </a:ext>
+            </a:extLst>
+          </p:cNvPr>
+          <p:cNvSpPr>
+            <a:spLocks noGrp="1"/>
+          </p:cNvSpPr>
+          <p:nvPr>
+            <p:ph type="title"/>
+          </p:nvPr>
+        </p:nvSpPr>
+        <p:spPr/>
+        <p:txBody>
+          <a:bodyPr/>
+          <a:lstStyle/>
+          <a:p>
+            <a:r>
+              <a:rPr lang="ja-JP" altLang="en-US"/>
+              <a:t>３</a:t>
+            </a:r>
+            <a:r>
+              <a:rPr kumimoji="1" lang="ja-JP" altLang="en-US"/>
+              <a:t>次開発</a:t>
+            </a:r>
+          </a:p>
+        </p:txBody>
+      </p:sp>
+      <p:sp>
+        <p:nvSpPr>
+          <p:cNvPr id="4" name="テキスト ボックス 3">
+            <a:extLst>
+              <a:ext uri="{FF2B5EF4-FFF2-40B4-BE49-F238E27FC236}">
+                <a16:creationId xmlns:a16="http://schemas.microsoft.com/office/drawing/2014/main" id="{95AC4ACC-3E72-8AD8-FE17-FF5FB9E18759}"/>
+              </a:ext>
+            </a:extLst>
+          </p:cNvPr>
+          <p:cNvSpPr txBox="1"/>
+          <p:nvPr/>
+        </p:nvSpPr>
+        <p:spPr>
+          <a:xfrm>
+            <a:off x="1055914" y="1567543"/>
+            <a:ext cx="813043" cy="369332"/>
+          </a:xfrm>
+          <a:prstGeom prst="rect">
+            <a:avLst/>
+          </a:prstGeom>
+          <a:noFill/>
+        </p:spPr>
+        <p:txBody>
+          <a:bodyPr wrap="none" rtlCol="0">
+            <a:spAutoFit/>
+          </a:bodyPr>
+          <a:lstStyle/>
+          <a:p>
+            <a:r>
+              <a:rPr kumimoji="1" lang="en-US" altLang="ja-JP" dirty="0"/>
+              <a:t>E-R</a:t>
+            </a:r>
+            <a:r>
+              <a:rPr kumimoji="1" lang="ja-JP" altLang="en-US"/>
+              <a:t>図</a:t>
+            </a:r>
+          </a:p>
+        </p:txBody>
+      </p:sp>
+      <p:sp>
+        <p:nvSpPr>
+          <p:cNvPr id="5" name="角丸四角形 4">
+            <a:extLst>
+              <a:ext uri="{FF2B5EF4-FFF2-40B4-BE49-F238E27FC236}">
+                <a16:creationId xmlns:a16="http://schemas.microsoft.com/office/drawing/2014/main" id="{25D77B6E-2592-8E2D-7D61-8AE2E7A59BAB}"/>
+              </a:ext>
+            </a:extLst>
+          </p:cNvPr>
+          <p:cNvSpPr/>
+          <p:nvPr/>
+        </p:nvSpPr>
+        <p:spPr>
+          <a:xfrm>
+            <a:off x="1578429" y="2405743"/>
+            <a:ext cx="2525485" cy="1023257"/>
+          </a:xfrm>
+          <a:prstGeom prst="roundRect">
+            <a:avLst/>
+          </a:prstGeom>
+        </p:spPr>
+        <p:style>
+          <a:lnRef idx="2">
+            <a:schemeClr val="accent1">
+              <a:shade val="15000"/>
+            </a:schemeClr>
+          </a:lnRef>
+          <a:fillRef idx="1">
+            <a:schemeClr val="accent1"/>
+          </a:fillRef>
+          <a:effectRef idx="0">
+            <a:schemeClr val="accent1"/>
+          </a:effectRef>
+          <a:fontRef idx="minor">
+            <a:schemeClr val="lt1"/>
+          </a:fontRef>
+        </p:style>
+        <p:txBody>
+          <a:bodyPr rtlCol="0" anchor="ctr"/>
+          <a:lstStyle/>
+          <a:p>
+            <a:pPr algn="ctr"/>
+            <a:r>
+              <a:rPr kumimoji="1" lang="en-US" altLang="ja-JP" dirty="0"/>
+              <a:t>ToDo</a:t>
+            </a:r>
+            <a:endParaRPr kumimoji="1" lang="ja-JP" altLang="en-US"/>
+          </a:p>
+        </p:txBody>
+      </p:sp>
+      <p:sp>
+        <p:nvSpPr>
+          <p:cNvPr id="6" name="角丸四角形 5">
+            <a:extLst>
+              <a:ext uri="{FF2B5EF4-FFF2-40B4-BE49-F238E27FC236}">
+                <a16:creationId xmlns:a16="http://schemas.microsoft.com/office/drawing/2014/main" id="{88D63E03-AB36-C202-ABCD-FAC7E08006AB}"/>
+              </a:ext>
+            </a:extLst>
+          </p:cNvPr>
+          <p:cNvSpPr/>
+          <p:nvPr/>
+        </p:nvSpPr>
+        <p:spPr>
+          <a:xfrm>
+            <a:off x="7641772" y="2405743"/>
+            <a:ext cx="2525485" cy="1023257"/>
+          </a:xfrm>
+          <a:prstGeom prst="roundRect">
+            <a:avLst/>
+          </a:prstGeom>
+        </p:spPr>
+        <p:style>
+          <a:lnRef idx="2">
+            <a:schemeClr val="accent1">
+              <a:shade val="15000"/>
+            </a:schemeClr>
+          </a:lnRef>
+          <a:fillRef idx="1">
+            <a:schemeClr val="accent1"/>
+          </a:fillRef>
+          <a:effectRef idx="0">
+            <a:schemeClr val="accent1"/>
+          </a:effectRef>
+          <a:fontRef idx="minor">
+            <a:schemeClr val="lt1"/>
+          </a:fontRef>
+        </p:style>
+        <p:txBody>
+          <a:bodyPr rtlCol="0" anchor="ctr"/>
+          <a:lstStyle/>
+          <a:p>
+            <a:pPr algn="ctr"/>
+            <a:r>
+              <a:rPr kumimoji="1" lang="en-US" altLang="ja-JP" dirty="0"/>
+              <a:t>Tag</a:t>
+            </a:r>
+            <a:endParaRPr kumimoji="1" lang="ja-JP" altLang="en-US"/>
+          </a:p>
+        </p:txBody>
+      </p:sp>
+      <p:sp>
+        <p:nvSpPr>
+          <p:cNvPr id="7" name="フローチャート: 判断 6">
+            <a:extLst>
+              <a:ext uri="{FF2B5EF4-FFF2-40B4-BE49-F238E27FC236}">
+                <a16:creationId xmlns:a16="http://schemas.microsoft.com/office/drawing/2014/main" id="{81E57B44-DFBC-0EC9-3515-D2EE52D922C4}"/>
+              </a:ext>
+            </a:extLst>
+          </p:cNvPr>
+          <p:cNvSpPr/>
+          <p:nvPr/>
+        </p:nvSpPr>
+        <p:spPr>
+          <a:xfrm>
+            <a:off x="5176157" y="2498271"/>
+            <a:ext cx="1393372" cy="838200"/>
+          </a:xfrm>
+          <a:prstGeom prst="flowChartDecision">
+            <a:avLst/>
+          </a:prstGeom>
+        </p:spPr>
+        <p:style>
+          <a:lnRef idx="2">
+            <a:schemeClr val="accent1">
+              <a:shade val="15000"/>
+            </a:schemeClr>
+          </a:lnRef>
+          <a:fillRef idx="1">
+            <a:schemeClr val="accent1"/>
+          </a:fillRef>
+          <a:effectRef idx="0">
+            <a:schemeClr val="accent1"/>
+          </a:effectRef>
+          <a:fontRef idx="minor">
+            <a:schemeClr val="lt1"/>
+          </a:fontRef>
+        </p:style>
+        <p:txBody>
+          <a:bodyPr rtlCol="0" anchor="ctr"/>
+          <a:lstStyle/>
+          <a:p>
+            <a:pPr algn="ctr"/>
+            <a:r>
+              <a:rPr lang="en-US" altLang="ja-JP" sz="1100" dirty="0"/>
+              <a:t>todo_id</a:t>
+            </a:r>
+          </a:p>
+          <a:p>
+            <a:pPr algn="ctr"/>
+            <a:r>
+              <a:rPr lang="en-US" altLang="ja-JP" sz="1100" dirty="0"/>
+              <a:t>t</a:t>
+            </a:r>
+            <a:r>
+              <a:rPr kumimoji="1" lang="en-US" altLang="ja-JP" sz="1100" dirty="0"/>
+              <a:t>ag_id</a:t>
+            </a:r>
+            <a:endParaRPr kumimoji="1" lang="ja-JP" altLang="en-US" sz="1100"/>
+          </a:p>
+        </p:txBody>
+      </p:sp>
+      <p:cxnSp>
+        <p:nvCxnSpPr>
+          <p:cNvPr id="9" name="カギ線コネクタ 8">
+            <a:extLst>
+              <a:ext uri="{FF2B5EF4-FFF2-40B4-BE49-F238E27FC236}">
+                <a16:creationId xmlns:a16="http://schemas.microsoft.com/office/drawing/2014/main" id="{6F6FF72C-46D3-322A-4045-D0AF137B97C9}"/>
+              </a:ext>
+            </a:extLst>
+          </p:cNvPr>
+          <p:cNvCxnSpPr>
+            <a:stCxn id="7" idx="1"/>
+            <a:endCxn id="5" idx="3"/>
+          </p:cNvCxnSpPr>
+          <p:nvPr/>
+        </p:nvCxnSpPr>
+        <p:spPr>
+          <a:xfrm rot="10800000" flipV="1">
+            <a:off x="4060158" y="2917371"/>
+            <a:ext cx="1116000" cy="0"/>
+          </a:xfrm>
+          <a:prstGeom prst="bentConnector3">
+            <a:avLst/>
+          </a:prstGeom>
+          <a:ln w="38100"/>
+        </p:spPr>
+        <p:style>
+          <a:lnRef idx="1">
+            <a:schemeClr val="accent1"/>
+          </a:lnRef>
+          <a:fillRef idx="0">
+            <a:schemeClr val="accent1"/>
+          </a:fillRef>
+          <a:effectRef idx="0">
+            <a:schemeClr val="accent1"/>
+          </a:effectRef>
+          <a:fontRef idx="minor">
+            <a:schemeClr val="tx1"/>
+          </a:fontRef>
+        </p:style>
+      </p:cxnSp>
+      <p:cxnSp>
+        <p:nvCxnSpPr>
+          <p:cNvPr id="10" name="カギ線コネクタ 9">
+            <a:extLst>
+              <a:ext uri="{FF2B5EF4-FFF2-40B4-BE49-F238E27FC236}">
+                <a16:creationId xmlns:a16="http://schemas.microsoft.com/office/drawing/2014/main" id="{2335B4E4-14D3-F4CB-A276-E5185F0A11D8}"/>
+              </a:ext>
+            </a:extLst>
+          </p:cNvPr>
+          <p:cNvCxnSpPr/>
+          <p:nvPr/>
+        </p:nvCxnSpPr>
+        <p:spPr>
+          <a:xfrm rot="10800000" flipV="1">
+            <a:off x="6525772" y="2917370"/>
+            <a:ext cx="1116000" cy="0"/>
+          </a:xfrm>
+          <a:prstGeom prst="bentConnector3">
+            <a:avLst/>
+          </a:prstGeom>
+          <a:ln w="38100"/>
+        </p:spPr>
+        <p:style>
+          <a:lnRef idx="1">
+            <a:schemeClr val="accent1"/>
+          </a:lnRef>
+          <a:fillRef idx="0">
+            <a:schemeClr val="accent1"/>
+          </a:fillRef>
+          <a:effectRef idx="0">
+            <a:schemeClr val="accent1"/>
+          </a:effectRef>
+          <a:fontRef idx="minor">
+            <a:schemeClr val="tx1"/>
+          </a:fontRef>
+        </p:style>
+      </p:cxnSp>
+      <p:sp>
+        <p:nvSpPr>
+          <p:cNvPr id="11" name="三角形 10">
+            <a:extLst>
+              <a:ext uri="{FF2B5EF4-FFF2-40B4-BE49-F238E27FC236}">
+                <a16:creationId xmlns:a16="http://schemas.microsoft.com/office/drawing/2014/main" id="{77C6341B-A334-1714-DAFC-D4586BB8CC97}"/>
+              </a:ext>
+            </a:extLst>
+          </p:cNvPr>
+          <p:cNvSpPr/>
+          <p:nvPr/>
+        </p:nvSpPr>
+        <p:spPr>
+          <a:xfrm rot="5400000">
+            <a:off x="4011045" y="2681626"/>
+            <a:ext cx="657225" cy="471487"/>
+          </a:xfrm>
+          <a:prstGeom prst="triangle">
+            <a:avLst/>
+          </a:prstGeom>
+        </p:spPr>
+        <p:style>
+          <a:lnRef idx="2">
+            <a:schemeClr val="accent1">
+              <a:shade val="15000"/>
+            </a:schemeClr>
+          </a:lnRef>
+          <a:fillRef idx="1">
+            <a:schemeClr val="accent1"/>
+          </a:fillRef>
+          <a:effectRef idx="0">
+            <a:schemeClr val="accent1"/>
+          </a:effectRef>
+          <a:fontRef idx="minor">
+            <a:schemeClr val="lt1"/>
+          </a:fontRef>
+        </p:style>
+        <p:txBody>
+          <a:bodyPr rtlCol="0" anchor="ctr"/>
+          <a:lstStyle/>
+          <a:p>
+            <a:pPr algn="ctr"/>
+            <a:endParaRPr kumimoji="1" lang="ja-JP" altLang="en-US"/>
+          </a:p>
+        </p:txBody>
+      </p:sp>
+      <p:sp>
+        <p:nvSpPr>
+          <p:cNvPr id="12" name="三角形 11">
+            <a:extLst>
+              <a:ext uri="{FF2B5EF4-FFF2-40B4-BE49-F238E27FC236}">
+                <a16:creationId xmlns:a16="http://schemas.microsoft.com/office/drawing/2014/main" id="{E2F5970B-2E12-0E1A-DEFA-1C7DE07CA43D}"/>
+              </a:ext>
+            </a:extLst>
+          </p:cNvPr>
+          <p:cNvSpPr/>
+          <p:nvPr/>
+        </p:nvSpPr>
+        <p:spPr>
+          <a:xfrm rot="16200000">
+            <a:off x="7077416" y="2681625"/>
+            <a:ext cx="657225" cy="471487"/>
+          </a:xfrm>
+          <a:prstGeom prst="triangle">
+            <a:avLst/>
+          </a:prstGeom>
+        </p:spPr>
+        <p:style>
+          <a:lnRef idx="2">
+            <a:schemeClr val="accent1">
+              <a:shade val="15000"/>
+            </a:schemeClr>
+          </a:lnRef>
+          <a:fillRef idx="1">
+            <a:schemeClr val="accent1"/>
+          </a:fillRef>
+          <a:effectRef idx="0">
+            <a:schemeClr val="accent1"/>
+          </a:effectRef>
+          <a:fontRef idx="minor">
+            <a:schemeClr val="lt1"/>
+          </a:fontRef>
+        </p:style>
+        <p:txBody>
+          <a:bodyPr rtlCol="0" anchor="ctr"/>
+          <a:lstStyle/>
+          <a:p>
+            <a:pPr algn="ctr"/>
+            <a:endParaRPr kumimoji="1" lang="ja-JP" altLang="en-US"/>
+          </a:p>
+        </p:txBody>
+      </p:sp>
+      <p:cxnSp>
+        <p:nvCxnSpPr>
+          <p:cNvPr id="14" name="直線コネクタ 13">
+            <a:extLst>
+              <a:ext uri="{FF2B5EF4-FFF2-40B4-BE49-F238E27FC236}">
+                <a16:creationId xmlns:a16="http://schemas.microsoft.com/office/drawing/2014/main" id="{12A1C9AB-8B17-5F09-A4D1-B1E94B47F101}"/>
+              </a:ext>
+            </a:extLst>
+          </p:cNvPr>
+          <p:cNvCxnSpPr/>
+          <p:nvPr/>
+        </p:nvCxnSpPr>
+        <p:spPr>
+          <a:xfrm>
+            <a:off x="4575401" y="2574468"/>
+            <a:ext cx="0" cy="671513"/>
+          </a:xfrm>
+          <a:prstGeom prst="line">
+            <a:avLst/>
+          </a:prstGeom>
+          <a:ln w="28575"/>
+        </p:spPr>
+        <p:style>
+          <a:lnRef idx="1">
+            <a:schemeClr val="accent1"/>
+          </a:lnRef>
+          <a:fillRef idx="0">
+            <a:schemeClr val="accent1"/>
+          </a:fillRef>
+          <a:effectRef idx="0">
+            <a:schemeClr val="accent1"/>
+          </a:effectRef>
+          <a:fontRef idx="minor">
+            <a:schemeClr val="tx1"/>
+          </a:fontRef>
+        </p:style>
+      </p:cxnSp>
+      <p:cxnSp>
+        <p:nvCxnSpPr>
+          <p:cNvPr id="15" name="直線コネクタ 14">
+            <a:extLst>
+              <a:ext uri="{FF2B5EF4-FFF2-40B4-BE49-F238E27FC236}">
+                <a16:creationId xmlns:a16="http://schemas.microsoft.com/office/drawing/2014/main" id="{01DF62E7-79DA-737E-F16C-B42263CB10CA}"/>
+              </a:ext>
+            </a:extLst>
+          </p:cNvPr>
+          <p:cNvCxnSpPr/>
+          <p:nvPr/>
+        </p:nvCxnSpPr>
+        <p:spPr>
+          <a:xfrm>
+            <a:off x="7170285" y="2588755"/>
+            <a:ext cx="0" cy="671513"/>
+          </a:xfrm>
+          <a:prstGeom prst="line">
+            <a:avLst/>
+          </a:prstGeom>
+          <a:ln w="28575"/>
+        </p:spPr>
+        <p:style>
+          <a:lnRef idx="1">
+            <a:schemeClr val="accent1"/>
+          </a:lnRef>
+          <a:fillRef idx="0">
+            <a:schemeClr val="accent1"/>
+          </a:fillRef>
+          <a:effectRef idx="0">
+            <a:schemeClr val="accent1"/>
+          </a:effectRef>
+          <a:fontRef idx="minor">
+            <a:schemeClr val="tx1"/>
+          </a:fontRef>
+        </p:style>
+      </p:cxnSp>
+      <p:cxnSp>
+        <p:nvCxnSpPr>
+          <p:cNvPr id="21" name="カギ線コネクタ 20">
+            <a:extLst>
+              <a:ext uri="{FF2B5EF4-FFF2-40B4-BE49-F238E27FC236}">
+                <a16:creationId xmlns:a16="http://schemas.microsoft.com/office/drawing/2014/main" id="{A3520687-AA0E-B1BC-2219-6DC31A7EDEAD}"/>
+              </a:ext>
+            </a:extLst>
+          </p:cNvPr>
+          <p:cNvCxnSpPr>
+            <a:cxnSpLocks/>
+            <a:endCxn id="5" idx="2"/>
+          </p:cNvCxnSpPr>
+          <p:nvPr/>
+        </p:nvCxnSpPr>
+        <p:spPr>
+          <a:xfrm rot="16200000" flipV="1">
+            <a:off x="2837718" y="3432454"/>
+            <a:ext cx="1783896" cy="1776987"/>
+          </a:xfrm>
+          <a:prstGeom prst="bentConnector3">
+            <a:avLst>
+              <a:gd name="adj1" fmla="val -1259"/>
+            </a:avLst>
+          </a:prstGeom>
+          <a:ln w="38100"/>
+        </p:spPr>
+        <p:style>
+          <a:lnRef idx="1">
+            <a:schemeClr val="accent1"/>
+          </a:lnRef>
+          <a:fillRef idx="0">
+            <a:schemeClr val="accent1"/>
+          </a:fillRef>
+          <a:effectRef idx="0">
+            <a:schemeClr val="accent1"/>
+          </a:effectRef>
+          <a:fontRef idx="minor">
+            <a:schemeClr val="tx1"/>
+          </a:fontRef>
+        </p:style>
+      </p:cxnSp>
+      <p:cxnSp>
+        <p:nvCxnSpPr>
+          <p:cNvPr id="24" name="直線コネクタ 23">
+            <a:extLst>
+              <a:ext uri="{FF2B5EF4-FFF2-40B4-BE49-F238E27FC236}">
+                <a16:creationId xmlns:a16="http://schemas.microsoft.com/office/drawing/2014/main" id="{CECFD5E9-7411-4F64-6C48-E0D4A0D1C22B}"/>
+              </a:ext>
+            </a:extLst>
+          </p:cNvPr>
+          <p:cNvCxnSpPr/>
+          <p:nvPr/>
+        </p:nvCxnSpPr>
+        <p:spPr>
+          <a:xfrm>
+            <a:off x="3496694" y="4877138"/>
+            <a:ext cx="0" cy="671513"/>
+          </a:xfrm>
+          <a:prstGeom prst="line">
+            <a:avLst/>
+          </a:prstGeom>
+          <a:ln w="28575"/>
+        </p:spPr>
+        <p:style>
+          <a:lnRef idx="1">
+            <a:schemeClr val="accent1"/>
+          </a:lnRef>
+          <a:fillRef idx="0">
+            <a:schemeClr val="accent1"/>
+          </a:fillRef>
+          <a:effectRef idx="0">
+            <a:schemeClr val="accent1"/>
+          </a:effectRef>
+          <a:fontRef idx="minor">
+            <a:schemeClr val="tx1"/>
+          </a:fontRef>
+        </p:style>
+      </p:cxnSp>
+      <p:sp>
+        <p:nvSpPr>
+          <p:cNvPr id="25" name="三角形 24">
+            <a:extLst>
+              <a:ext uri="{FF2B5EF4-FFF2-40B4-BE49-F238E27FC236}">
+                <a16:creationId xmlns:a16="http://schemas.microsoft.com/office/drawing/2014/main" id="{2B69E7C9-5E44-BBFF-25BD-1E5A5EBAC7B0}"/>
+              </a:ext>
+            </a:extLst>
+          </p:cNvPr>
+          <p:cNvSpPr/>
+          <p:nvPr/>
+        </p:nvSpPr>
+        <p:spPr>
+          <a:xfrm rot="10800000">
+            <a:off x="2512559" y="3428998"/>
+            <a:ext cx="657225" cy="471487"/>
+          </a:xfrm>
+          <a:prstGeom prst="triangle">
+            <a:avLst/>
+          </a:prstGeom>
+        </p:spPr>
+        <p:style>
+          <a:lnRef idx="2">
+            <a:schemeClr val="accent1">
+              <a:shade val="15000"/>
+            </a:schemeClr>
+          </a:lnRef>
+          <a:fillRef idx="1">
+            <a:schemeClr val="accent1"/>
+          </a:fillRef>
+          <a:effectRef idx="0">
+            <a:schemeClr val="accent1"/>
+          </a:effectRef>
+          <a:fontRef idx="minor">
+            <a:schemeClr val="lt1"/>
+          </a:fontRef>
+        </p:style>
+        <p:txBody>
+          <a:bodyPr rtlCol="0" anchor="ctr"/>
+          <a:lstStyle/>
+          <a:p>
+            <a:pPr algn="ctr"/>
+            <a:endParaRPr kumimoji="1" lang="ja-JP" altLang="en-US"/>
+          </a:p>
+        </p:txBody>
+      </p:sp>
+      <p:cxnSp>
+        <p:nvCxnSpPr>
+          <p:cNvPr id="26" name="直線コネクタ 25">
+            <a:extLst>
+              <a:ext uri="{FF2B5EF4-FFF2-40B4-BE49-F238E27FC236}">
+                <a16:creationId xmlns:a16="http://schemas.microsoft.com/office/drawing/2014/main" id="{80CCD65F-1941-323E-CDD1-8E52A462C87C}"/>
+              </a:ext>
+            </a:extLst>
+          </p:cNvPr>
+          <p:cNvCxnSpPr>
+            <a:cxnSpLocks/>
+          </p:cNvCxnSpPr>
+          <p:nvPr/>
+        </p:nvCxnSpPr>
+        <p:spPr>
+          <a:xfrm rot="5400000">
+            <a:off x="2841171" y="3607354"/>
+            <a:ext cx="0" cy="671513"/>
+          </a:xfrm>
+          <a:prstGeom prst="line">
+            <a:avLst/>
+          </a:prstGeom>
+          <a:ln w="28575"/>
+        </p:spPr>
+        <p:style>
+          <a:lnRef idx="1">
+            <a:schemeClr val="accent1"/>
+          </a:lnRef>
+          <a:fillRef idx="0">
+            <a:schemeClr val="accent1"/>
+          </a:fillRef>
+          <a:effectRef idx="0">
+            <a:schemeClr val="accent1"/>
+          </a:effectRef>
+          <a:fontRef idx="minor">
+            <a:schemeClr val="tx1"/>
+          </a:fontRef>
+        </p:style>
+      </p:cxnSp>
+      <p:cxnSp>
+        <p:nvCxnSpPr>
+          <p:cNvPr id="33" name="カギ線コネクタ 32">
+            <a:extLst>
+              <a:ext uri="{FF2B5EF4-FFF2-40B4-BE49-F238E27FC236}">
+                <a16:creationId xmlns:a16="http://schemas.microsoft.com/office/drawing/2014/main" id="{4B8ED28A-BB5E-627C-F8D2-7CCEAEFAAA07}"/>
+              </a:ext>
+            </a:extLst>
+          </p:cNvPr>
+          <p:cNvCxnSpPr>
+            <a:cxnSpLocks/>
+            <a:endCxn id="5" idx="1"/>
+          </p:cNvCxnSpPr>
+          <p:nvPr/>
+        </p:nvCxnSpPr>
+        <p:spPr>
+          <a:xfrm flipH="1" flipV="1">
+            <a:off x="1578429" y="2917372"/>
+            <a:ext cx="9387569" cy="2295524"/>
+          </a:xfrm>
+          <a:prstGeom prst="bentConnector5">
+            <a:avLst>
+              <a:gd name="adj1" fmla="val -10045"/>
+              <a:gd name="adj2" fmla="val -55809"/>
+              <a:gd name="adj3" fmla="val 107762"/>
+            </a:avLst>
+          </a:prstGeom>
+          <a:ln w="38100"/>
+        </p:spPr>
+        <p:style>
+          <a:lnRef idx="1">
+            <a:schemeClr val="accent1"/>
+          </a:lnRef>
+          <a:fillRef idx="0">
+            <a:schemeClr val="accent1"/>
+          </a:fillRef>
+          <a:effectRef idx="0">
+            <a:schemeClr val="accent1"/>
+          </a:effectRef>
+          <a:fontRef idx="minor">
+            <a:schemeClr val="tx1"/>
+          </a:fontRef>
+        </p:style>
+      </p:cxnSp>
+      <p:sp>
+        <p:nvSpPr>
+          <p:cNvPr id="42" name="角丸四角形 41">
+            <a:extLst>
+              <a:ext uri="{FF2B5EF4-FFF2-40B4-BE49-F238E27FC236}">
+                <a16:creationId xmlns:a16="http://schemas.microsoft.com/office/drawing/2014/main" id="{339E0BCC-AA45-44B5-4950-829BA1278E74}"/>
+              </a:ext>
+            </a:extLst>
+          </p:cNvPr>
+          <p:cNvSpPr/>
+          <p:nvPr/>
+        </p:nvSpPr>
+        <p:spPr>
+          <a:xfrm>
+            <a:off x="3095990" y="4700495"/>
+            <a:ext cx="2525485" cy="1023257"/>
+          </a:xfrm>
+          <a:prstGeom prst="roundRect">
+            <a:avLst/>
+          </a:prstGeom>
+        </p:spPr>
+        <p:style>
+          <a:lnRef idx="2">
+            <a:schemeClr val="accent1">
+              <a:shade val="15000"/>
+            </a:schemeClr>
+          </a:lnRef>
+          <a:fillRef idx="1">
+            <a:schemeClr val="accent1"/>
+          </a:fillRef>
+          <a:effectRef idx="0">
+            <a:schemeClr val="accent1"/>
+          </a:effectRef>
+          <a:fontRef idx="minor">
+            <a:schemeClr val="lt1"/>
+          </a:fontRef>
+        </p:style>
+        <p:txBody>
+          <a:bodyPr rtlCol="0" anchor="ctr"/>
+          <a:lstStyle/>
+          <a:p>
+            <a:pPr algn="ctr"/>
+            <a:r>
+              <a:rPr kumimoji="1" lang="en-US" altLang="ja-JP" dirty="0"/>
+              <a:t>User</a:t>
+            </a:r>
+            <a:endParaRPr kumimoji="1" lang="ja-JP" altLang="en-US"/>
+          </a:p>
+        </p:txBody>
+      </p:sp>
+      <p:sp>
+        <p:nvSpPr>
+          <p:cNvPr id="43" name="角丸四角形 42">
+            <a:extLst>
+              <a:ext uri="{FF2B5EF4-FFF2-40B4-BE49-F238E27FC236}">
+                <a16:creationId xmlns:a16="http://schemas.microsoft.com/office/drawing/2014/main" id="{12CA4AD0-03D9-3964-E5F8-32E839E5F9FA}"/>
+              </a:ext>
+            </a:extLst>
+          </p:cNvPr>
+          <p:cNvSpPr/>
+          <p:nvPr/>
+        </p:nvSpPr>
+        <p:spPr>
+          <a:xfrm>
+            <a:off x="9159333" y="4700495"/>
+            <a:ext cx="2525485" cy="1023257"/>
+          </a:xfrm>
+          <a:prstGeom prst="roundRect">
+            <a:avLst/>
+          </a:prstGeom>
+        </p:spPr>
+        <p:style>
+          <a:lnRef idx="2">
+            <a:schemeClr val="accent1">
+              <a:shade val="15000"/>
+            </a:schemeClr>
+          </a:lnRef>
+          <a:fillRef idx="1">
+            <a:schemeClr val="accent1"/>
+          </a:fillRef>
+          <a:effectRef idx="0">
+            <a:schemeClr val="accent1"/>
+          </a:effectRef>
+          <a:fontRef idx="minor">
+            <a:schemeClr val="lt1"/>
+          </a:fontRef>
+        </p:style>
+        <p:txBody>
+          <a:bodyPr rtlCol="0" anchor="ctr"/>
+          <a:lstStyle/>
+          <a:p>
+            <a:pPr algn="ctr"/>
+            <a:r>
+              <a:rPr kumimoji="1" lang="en-US" altLang="ja-JP" dirty="0"/>
+              <a:t>Group</a:t>
+            </a:r>
+            <a:endParaRPr kumimoji="1" lang="ja-JP" altLang="en-US"/>
+          </a:p>
+        </p:txBody>
+      </p:sp>
+      <p:sp>
+        <p:nvSpPr>
+          <p:cNvPr id="44" name="フローチャート: 判断 43">
+            <a:extLst>
+              <a:ext uri="{FF2B5EF4-FFF2-40B4-BE49-F238E27FC236}">
+                <a16:creationId xmlns:a16="http://schemas.microsoft.com/office/drawing/2014/main" id="{12463A6E-F9E8-3253-A904-9EF5BF2DDE98}"/>
+              </a:ext>
+            </a:extLst>
+          </p:cNvPr>
+          <p:cNvSpPr/>
+          <p:nvPr/>
+        </p:nvSpPr>
+        <p:spPr>
+          <a:xfrm>
+            <a:off x="6693718" y="4793023"/>
+            <a:ext cx="1393372" cy="838200"/>
+          </a:xfrm>
+          <a:prstGeom prst="flowChartDecision">
+            <a:avLst/>
+          </a:prstGeom>
+        </p:spPr>
+        <p:style>
+          <a:lnRef idx="2">
+            <a:schemeClr val="accent1">
+              <a:shade val="15000"/>
+            </a:schemeClr>
+          </a:lnRef>
+          <a:fillRef idx="1">
+            <a:schemeClr val="accent1"/>
+          </a:fillRef>
+          <a:effectRef idx="0">
+            <a:schemeClr val="accent1"/>
+          </a:effectRef>
+          <a:fontRef idx="minor">
+            <a:schemeClr val="lt1"/>
+          </a:fontRef>
+        </p:style>
+        <p:txBody>
+          <a:bodyPr rtlCol="0" anchor="ctr"/>
+          <a:lstStyle/>
+          <a:p>
+            <a:pPr algn="ctr"/>
+            <a:r>
+              <a:rPr lang="en-US" altLang="ja-JP" sz="1100" dirty="0"/>
+              <a:t>user_id</a:t>
+            </a:r>
+          </a:p>
+          <a:p>
+            <a:pPr algn="ctr"/>
+            <a:r>
+              <a:rPr lang="en-US" altLang="ja-JP" sz="1000" dirty="0"/>
+              <a:t>group</a:t>
+            </a:r>
+            <a:r>
+              <a:rPr kumimoji="1" lang="en-US" altLang="ja-JP" sz="1000" dirty="0"/>
+              <a:t>_id</a:t>
+            </a:r>
+            <a:endParaRPr kumimoji="1" lang="ja-JP" altLang="en-US" sz="1000"/>
+          </a:p>
+        </p:txBody>
+      </p:sp>
+      <p:cxnSp>
+        <p:nvCxnSpPr>
+          <p:cNvPr id="45" name="カギ線コネクタ 44">
+            <a:extLst>
+              <a:ext uri="{FF2B5EF4-FFF2-40B4-BE49-F238E27FC236}">
+                <a16:creationId xmlns:a16="http://schemas.microsoft.com/office/drawing/2014/main" id="{373213F1-E054-F9C5-60E3-6041490925E5}"/>
+              </a:ext>
+            </a:extLst>
+          </p:cNvPr>
+          <p:cNvCxnSpPr>
+            <a:stCxn id="44" idx="1"/>
+            <a:endCxn id="42" idx="3"/>
+          </p:cNvCxnSpPr>
+          <p:nvPr/>
+        </p:nvCxnSpPr>
+        <p:spPr>
+          <a:xfrm rot="10800000" flipV="1">
+            <a:off x="5577719" y="5212123"/>
+            <a:ext cx="1116000" cy="0"/>
+          </a:xfrm>
+          <a:prstGeom prst="bentConnector3">
+            <a:avLst/>
+          </a:prstGeom>
+          <a:ln w="38100"/>
+        </p:spPr>
+        <p:style>
+          <a:lnRef idx="1">
+            <a:schemeClr val="accent1"/>
+          </a:lnRef>
+          <a:fillRef idx="0">
+            <a:schemeClr val="accent1"/>
+          </a:fillRef>
+          <a:effectRef idx="0">
+            <a:schemeClr val="accent1"/>
+          </a:effectRef>
+          <a:fontRef idx="minor">
+            <a:schemeClr val="tx1"/>
+          </a:fontRef>
+        </p:style>
+      </p:cxnSp>
+      <p:cxnSp>
+        <p:nvCxnSpPr>
+          <p:cNvPr id="46" name="カギ線コネクタ 45">
+            <a:extLst>
+              <a:ext uri="{FF2B5EF4-FFF2-40B4-BE49-F238E27FC236}">
+                <a16:creationId xmlns:a16="http://schemas.microsoft.com/office/drawing/2014/main" id="{9F8D3C61-B771-65E4-1CFD-C4C0E2974C66}"/>
+              </a:ext>
+            </a:extLst>
+          </p:cNvPr>
+          <p:cNvCxnSpPr/>
+          <p:nvPr/>
+        </p:nvCxnSpPr>
+        <p:spPr>
+          <a:xfrm rot="10800000" flipV="1">
+            <a:off x="8043333" y="5212122"/>
+            <a:ext cx="1116000" cy="0"/>
+          </a:xfrm>
+          <a:prstGeom prst="bentConnector3">
+            <a:avLst/>
+          </a:prstGeom>
+          <a:ln w="38100"/>
+        </p:spPr>
+        <p:style>
+          <a:lnRef idx="1">
+            <a:schemeClr val="accent1"/>
+          </a:lnRef>
+          <a:fillRef idx="0">
+            <a:schemeClr val="accent1"/>
+          </a:fillRef>
+          <a:effectRef idx="0">
+            <a:schemeClr val="accent1"/>
+          </a:effectRef>
+          <a:fontRef idx="minor">
+            <a:schemeClr val="tx1"/>
+          </a:fontRef>
+        </p:style>
+      </p:cxnSp>
+      <p:sp>
+        <p:nvSpPr>
+          <p:cNvPr id="47" name="三角形 46">
+            <a:extLst>
+              <a:ext uri="{FF2B5EF4-FFF2-40B4-BE49-F238E27FC236}">
+                <a16:creationId xmlns:a16="http://schemas.microsoft.com/office/drawing/2014/main" id="{A7FBD1AB-B79F-511C-87F0-7C05C1FAA96C}"/>
+              </a:ext>
+            </a:extLst>
+          </p:cNvPr>
+          <p:cNvSpPr/>
+          <p:nvPr/>
+        </p:nvSpPr>
+        <p:spPr>
+          <a:xfrm rot="5400000">
+            <a:off x="5528606" y="4976378"/>
+            <a:ext cx="657225" cy="471487"/>
+          </a:xfrm>
+          <a:prstGeom prst="triangle">
+            <a:avLst/>
+          </a:prstGeom>
+        </p:spPr>
+        <p:style>
+          <a:lnRef idx="2">
+            <a:schemeClr val="accent1">
+              <a:shade val="15000"/>
+            </a:schemeClr>
+          </a:lnRef>
+          <a:fillRef idx="1">
+            <a:schemeClr val="accent1"/>
+          </a:fillRef>
+          <a:effectRef idx="0">
+            <a:schemeClr val="accent1"/>
+          </a:effectRef>
+          <a:fontRef idx="minor">
+            <a:schemeClr val="lt1"/>
+          </a:fontRef>
+        </p:style>
+        <p:txBody>
+          <a:bodyPr rtlCol="0" anchor="ctr"/>
+          <a:lstStyle/>
+          <a:p>
+            <a:pPr algn="ctr"/>
+            <a:endParaRPr kumimoji="1" lang="ja-JP" altLang="en-US"/>
+          </a:p>
+        </p:txBody>
+      </p:sp>
+      <p:sp>
+        <p:nvSpPr>
+          <p:cNvPr id="48" name="三角形 47">
+            <a:extLst>
+              <a:ext uri="{FF2B5EF4-FFF2-40B4-BE49-F238E27FC236}">
+                <a16:creationId xmlns:a16="http://schemas.microsoft.com/office/drawing/2014/main" id="{C1FBDAFC-D0BA-65F0-E725-7143B1759193}"/>
+              </a:ext>
+            </a:extLst>
+          </p:cNvPr>
+          <p:cNvSpPr/>
+          <p:nvPr/>
+        </p:nvSpPr>
+        <p:spPr>
+          <a:xfrm rot="16200000">
+            <a:off x="8594977" y="4976377"/>
+            <a:ext cx="657225" cy="471487"/>
+          </a:xfrm>
+          <a:prstGeom prst="triangle">
+            <a:avLst/>
+          </a:prstGeom>
+        </p:spPr>
+        <p:style>
+          <a:lnRef idx="2">
+            <a:schemeClr val="accent1">
+              <a:shade val="15000"/>
+            </a:schemeClr>
+          </a:lnRef>
+          <a:fillRef idx="1">
+            <a:schemeClr val="accent1"/>
+          </a:fillRef>
+          <a:effectRef idx="0">
+            <a:schemeClr val="accent1"/>
+          </a:effectRef>
+          <a:fontRef idx="minor">
+            <a:schemeClr val="lt1"/>
+          </a:fontRef>
+        </p:style>
+        <p:txBody>
+          <a:bodyPr rtlCol="0" anchor="ctr"/>
+          <a:lstStyle/>
+          <a:p>
+            <a:pPr algn="ctr"/>
+            <a:endParaRPr kumimoji="1" lang="ja-JP" altLang="en-US"/>
+          </a:p>
+        </p:txBody>
+      </p:sp>
+      <p:cxnSp>
+        <p:nvCxnSpPr>
+          <p:cNvPr id="49" name="直線コネクタ 48">
+            <a:extLst>
+              <a:ext uri="{FF2B5EF4-FFF2-40B4-BE49-F238E27FC236}">
+                <a16:creationId xmlns:a16="http://schemas.microsoft.com/office/drawing/2014/main" id="{C4D61E63-9A9D-1D32-3E61-75DCC9697259}"/>
+              </a:ext>
+            </a:extLst>
+          </p:cNvPr>
+          <p:cNvCxnSpPr/>
+          <p:nvPr/>
+        </p:nvCxnSpPr>
+        <p:spPr>
+          <a:xfrm>
+            <a:off x="6092962" y="4869220"/>
+            <a:ext cx="0" cy="671513"/>
+          </a:xfrm>
+          <a:prstGeom prst="line">
+            <a:avLst/>
+          </a:prstGeom>
+          <a:ln w="28575"/>
+        </p:spPr>
+        <p:style>
+          <a:lnRef idx="1">
+            <a:schemeClr val="accent1"/>
+          </a:lnRef>
+          <a:fillRef idx="0">
+            <a:schemeClr val="accent1"/>
+          </a:fillRef>
+          <a:effectRef idx="0">
+            <a:schemeClr val="accent1"/>
+          </a:effectRef>
+          <a:fontRef idx="minor">
+            <a:schemeClr val="tx1"/>
+          </a:fontRef>
+        </p:style>
+      </p:cxnSp>
+      <p:cxnSp>
+        <p:nvCxnSpPr>
+          <p:cNvPr id="50" name="直線コネクタ 49">
+            <a:extLst>
+              <a:ext uri="{FF2B5EF4-FFF2-40B4-BE49-F238E27FC236}">
+                <a16:creationId xmlns:a16="http://schemas.microsoft.com/office/drawing/2014/main" id="{B0FEE435-3196-D019-DB86-4BF4E00129A7}"/>
+              </a:ext>
+            </a:extLst>
+          </p:cNvPr>
+          <p:cNvCxnSpPr/>
+          <p:nvPr/>
+        </p:nvCxnSpPr>
+        <p:spPr>
+          <a:xfrm>
+            <a:off x="8687846" y="4883507"/>
+            <a:ext cx="0" cy="671513"/>
+          </a:xfrm>
+          <a:prstGeom prst="line">
+            <a:avLst/>
+          </a:prstGeom>
+          <a:ln w="28575"/>
+        </p:spPr>
+        <p:style>
+          <a:lnRef idx="1">
+            <a:schemeClr val="accent1"/>
+          </a:lnRef>
+          <a:fillRef idx="0">
+            <a:schemeClr val="accent1"/>
+          </a:fillRef>
+          <a:effectRef idx="0">
+            <a:schemeClr val="accent1"/>
+          </a:effectRef>
+          <a:fontRef idx="minor">
+            <a:schemeClr val="tx1"/>
+          </a:fontRef>
+        </p:style>
+      </p:cxnSp>
+      <p:cxnSp>
+        <p:nvCxnSpPr>
+          <p:cNvPr id="52" name="直線コネクタ 51">
+            <a:extLst>
+              <a:ext uri="{FF2B5EF4-FFF2-40B4-BE49-F238E27FC236}">
+                <a16:creationId xmlns:a16="http://schemas.microsoft.com/office/drawing/2014/main" id="{71AA6C0D-2503-395E-F5A4-549071C447AD}"/>
+              </a:ext>
+            </a:extLst>
+          </p:cNvPr>
+          <p:cNvCxnSpPr/>
+          <p:nvPr/>
+        </p:nvCxnSpPr>
+        <p:spPr>
+          <a:xfrm>
+            <a:off x="2954322" y="4883507"/>
+            <a:ext cx="0" cy="671513"/>
+          </a:xfrm>
+          <a:prstGeom prst="line">
+            <a:avLst/>
+          </a:prstGeom>
+          <a:ln w="28575"/>
+        </p:spPr>
+        <p:style>
+          <a:lnRef idx="1">
+            <a:schemeClr val="accent1"/>
+          </a:lnRef>
+          <a:fillRef idx="0">
+            <a:schemeClr val="accent1"/>
+          </a:fillRef>
+          <a:effectRef idx="0">
+            <a:schemeClr val="accent1"/>
+          </a:effectRef>
+          <a:fontRef idx="minor">
+            <a:schemeClr val="tx1"/>
+          </a:fontRef>
+        </p:style>
+      </p:cxnSp>
+      <p:sp>
+        <p:nvSpPr>
+          <p:cNvPr id="53" name="テキスト ボックス 52">
+            <a:extLst>
+              <a:ext uri="{FF2B5EF4-FFF2-40B4-BE49-F238E27FC236}">
+                <a16:creationId xmlns:a16="http://schemas.microsoft.com/office/drawing/2014/main" id="{2B747144-DE78-60BE-8F06-46D15D4DC420}"/>
+              </a:ext>
+            </a:extLst>
+          </p:cNvPr>
+          <p:cNvSpPr txBox="1"/>
+          <p:nvPr/>
+        </p:nvSpPr>
+        <p:spPr>
+          <a:xfrm>
+            <a:off x="9109569" y="1299785"/>
+            <a:ext cx="2569934" cy="923330"/>
+          </a:xfrm>
+          <a:prstGeom prst="rect">
+            <a:avLst/>
+          </a:prstGeom>
+          <a:noFill/>
+        </p:spPr>
+        <p:txBody>
+          <a:bodyPr wrap="none" rtlCol="0">
+            <a:spAutoFit/>
+          </a:bodyPr>
+          <a:lstStyle/>
+          <a:p>
+            <a:r>
+              <a:rPr kumimoji="1" lang="en-US" altLang="ja-JP" dirty="0"/>
+              <a:t>Groups</a:t>
+            </a:r>
+          </a:p>
+          <a:p>
+            <a:r>
+              <a:rPr lang="en-US" altLang="ja-JP" dirty="0"/>
+              <a:t>	group_id</a:t>
+            </a:r>
+            <a:r>
+              <a:rPr lang="ja-JP" altLang="en-US"/>
+              <a:t>　</a:t>
+            </a:r>
+            <a:r>
+              <a:rPr lang="en-US" altLang="ja-JP" dirty="0"/>
+              <a:t>PK</a:t>
+            </a:r>
+          </a:p>
+          <a:p>
+            <a:r>
+              <a:rPr kumimoji="1" lang="en-US" altLang="ja-JP" dirty="0"/>
+              <a:t>	name</a:t>
+            </a:r>
+          </a:p>
+        </p:txBody>
+      </p:sp>
+    </p:spTree>
+    <p:extLst>
+      <p:ext uri="{BB962C8B-B14F-4D97-AF65-F5344CB8AC3E}">
+        <p14:creationId xmlns:p14="http://schemas.microsoft.com/office/powerpoint/2010/main" val="3077651014"/>
+      </p:ext>
+    </p:extLst>
+  </p:cSld>
+  <p:clrMapOvr>
+    <a:masterClrMapping/>
+  </p:clrMapOvr>
+</p:sld>
+</file>
+
+<file path=ppt/slides/slide9.xml><?xml version="1.0" encoding="utf-8"?>
+<p:sld xmlns:a="http://schemas.openxmlformats.org/drawingml/2006/main" xmlns:r="http://schemas.openxmlformats.org/officeDocument/2006/relationships" xmlns:p="http://schemas.openxmlformats.org/presentationml/2006/main">
+  <p:cSld>
+    <p:spTree>
+      <p:nvGrpSpPr>
+        <p:cNvPr id="1" name=""/>
+        <p:cNvGrpSpPr/>
+        <p:nvPr/>
+      </p:nvGrpSpPr>
+      <p:grpSpPr>
+        <a:xfrm>
+          <a:off x="0" y="0"/>
+          <a:ext cx="0" cy="0"/>
+          <a:chOff x="0" y="0"/>
+          <a:chExt cx="0" cy="0"/>
+        </a:xfrm>
+      </p:grpSpPr>
+      <p:sp>
+        <p:nvSpPr>
+          <p:cNvPr id="2" name="タイトル 1">
+            <a:extLst>
+              <a:ext uri="{FF2B5EF4-FFF2-40B4-BE49-F238E27FC236}">
+                <a16:creationId xmlns:a16="http://schemas.microsoft.com/office/drawing/2014/main" id="{40BD442B-9D36-B7C2-DEDB-24D1BE2C7336}"/>
+              </a:ext>
+            </a:extLst>
+          </p:cNvPr>
+          <p:cNvSpPr>
+            <a:spLocks noGrp="1"/>
+          </p:cNvSpPr>
+          <p:nvPr>
+            <p:ph type="title"/>
+          </p:nvPr>
+        </p:nvSpPr>
+        <p:spPr/>
+        <p:txBody>
+          <a:bodyPr/>
+          <a:lstStyle/>
+          <a:p>
+            <a:r>
+              <a:rPr lang="ja-JP" altLang="en-US"/>
+              <a:t>３</a:t>
+            </a:r>
+            <a:r>
+              <a:rPr kumimoji="1" lang="ja-JP" altLang="en-US"/>
+              <a:t>次開発</a:t>
+            </a:r>
+          </a:p>
+        </p:txBody>
+      </p:sp>
+      <p:sp>
+        <p:nvSpPr>
+          <p:cNvPr id="54" name="テキスト ボックス 53">
+            <a:extLst>
+              <a:ext uri="{FF2B5EF4-FFF2-40B4-BE49-F238E27FC236}">
+                <a16:creationId xmlns:a16="http://schemas.microsoft.com/office/drawing/2014/main" id="{2AA71DC8-DBBC-65AE-BAD9-09F94488C257}"/>
+              </a:ext>
+            </a:extLst>
+          </p:cNvPr>
+          <p:cNvSpPr txBox="1"/>
+          <p:nvPr/>
+        </p:nvSpPr>
+        <p:spPr>
+          <a:xfrm>
+            <a:off x="1107583" y="2009104"/>
+            <a:ext cx="3877985" cy="1200329"/>
+          </a:xfrm>
+          <a:prstGeom prst="rect">
+            <a:avLst/>
+          </a:prstGeom>
+          <a:noFill/>
+        </p:spPr>
+        <p:txBody>
+          <a:bodyPr wrap="none" rtlCol="0">
+            <a:spAutoFit/>
+          </a:bodyPr>
+          <a:lstStyle/>
+          <a:p>
+            <a:r>
+              <a:rPr kumimoji="1" lang="ja-JP" altLang="en-US"/>
+              <a:t>予定</a:t>
+            </a:r>
+            <a:endParaRPr kumimoji="1" lang="en-US" altLang="ja-JP" dirty="0"/>
+          </a:p>
+          <a:p>
+            <a:r>
+              <a:rPr lang="ja-JP" altLang="en-US"/>
+              <a:t>グループの実装</a:t>
+            </a:r>
+            <a:endParaRPr lang="en-US" altLang="ja-JP" dirty="0"/>
+          </a:p>
+          <a:p>
+            <a:r>
+              <a:rPr lang="ja-JP" altLang="en-US"/>
+              <a:t>グループ画面</a:t>
+            </a:r>
+            <a:endParaRPr lang="en-US" altLang="ja-JP" dirty="0"/>
+          </a:p>
+          <a:p>
+            <a:r>
+              <a:rPr lang="ja-JP" altLang="en-US"/>
+              <a:t>グループの作成・招待・退出・削除</a:t>
+            </a:r>
+            <a:endParaRPr lang="en-US" altLang="ja-JP" dirty="0"/>
+          </a:p>
+        </p:txBody>
+      </p:sp>
+    </p:spTree>
+    <p:extLst>
+      <p:ext uri="{BB962C8B-B14F-4D97-AF65-F5344CB8AC3E}">
+        <p14:creationId xmlns:p14="http://schemas.microsoft.com/office/powerpoint/2010/main" val="3388154508"/>
       </p:ext>
     </p:extLst>
   </p:cSld>

--- a/doc/Todo.pptx
+++ b/doc/Todo.pptx
@@ -267,7 +267,7 @@
           <a:p>
             <a:fld id="{2C237B7F-46F1-D640-8998-AC68C5BC49AA}" type="datetimeFigureOut">
               <a:rPr kumimoji="1" lang="ja-JP" altLang="en-US" smtClean="0"/>
-              <a:t>2023/10/23</a:t>
+              <a:t>2023/10/24</a:t>
             </a:fld>
             <a:endParaRPr kumimoji="1" lang="ja-JP" altLang="en-US"/>
           </a:p>
@@ -497,7 +497,7 @@
           <a:p>
             <a:fld id="{2C237B7F-46F1-D640-8998-AC68C5BC49AA}" type="datetimeFigureOut">
               <a:rPr kumimoji="1" lang="ja-JP" altLang="en-US" smtClean="0"/>
-              <a:t>2023/10/23</a:t>
+              <a:t>2023/10/24</a:t>
             </a:fld>
             <a:endParaRPr kumimoji="1" lang="ja-JP" altLang="en-US"/>
           </a:p>
@@ -737,7 +737,7 @@
           <a:p>
             <a:fld id="{2C237B7F-46F1-D640-8998-AC68C5BC49AA}" type="datetimeFigureOut">
               <a:rPr kumimoji="1" lang="ja-JP" altLang="en-US" smtClean="0"/>
-              <a:t>2023/10/23</a:t>
+              <a:t>2023/10/24</a:t>
             </a:fld>
             <a:endParaRPr kumimoji="1" lang="ja-JP" altLang="en-US"/>
           </a:p>
@@ -967,7 +967,7 @@
           <a:p>
             <a:fld id="{2C237B7F-46F1-D640-8998-AC68C5BC49AA}" type="datetimeFigureOut">
               <a:rPr kumimoji="1" lang="ja-JP" altLang="en-US" smtClean="0"/>
-              <a:t>2023/10/23</a:t>
+              <a:t>2023/10/24</a:t>
             </a:fld>
             <a:endParaRPr kumimoji="1" lang="ja-JP" altLang="en-US"/>
           </a:p>
@@ -1242,7 +1242,7 @@
           <a:p>
             <a:fld id="{2C237B7F-46F1-D640-8998-AC68C5BC49AA}" type="datetimeFigureOut">
               <a:rPr kumimoji="1" lang="ja-JP" altLang="en-US" smtClean="0"/>
-              <a:t>2023/10/23</a:t>
+              <a:t>2023/10/24</a:t>
             </a:fld>
             <a:endParaRPr kumimoji="1" lang="ja-JP" altLang="en-US"/>
           </a:p>
@@ -1571,7 +1571,7 @@
           <a:p>
             <a:fld id="{2C237B7F-46F1-D640-8998-AC68C5BC49AA}" type="datetimeFigureOut">
               <a:rPr kumimoji="1" lang="ja-JP" altLang="en-US" smtClean="0"/>
-              <a:t>2023/10/23</a:t>
+              <a:t>2023/10/24</a:t>
             </a:fld>
             <a:endParaRPr kumimoji="1" lang="ja-JP" altLang="en-US"/>
           </a:p>
@@ -2047,7 +2047,7 @@
           <a:p>
             <a:fld id="{2C237B7F-46F1-D640-8998-AC68C5BC49AA}" type="datetimeFigureOut">
               <a:rPr kumimoji="1" lang="ja-JP" altLang="en-US" smtClean="0"/>
-              <a:t>2023/10/23</a:t>
+              <a:t>2023/10/24</a:t>
             </a:fld>
             <a:endParaRPr kumimoji="1" lang="ja-JP" altLang="en-US"/>
           </a:p>
@@ -2188,7 +2188,7 @@
           <a:p>
             <a:fld id="{2C237B7F-46F1-D640-8998-AC68C5BC49AA}" type="datetimeFigureOut">
               <a:rPr kumimoji="1" lang="ja-JP" altLang="en-US" smtClean="0"/>
-              <a:t>2023/10/23</a:t>
+              <a:t>2023/10/24</a:t>
             </a:fld>
             <a:endParaRPr kumimoji="1" lang="ja-JP" altLang="en-US"/>
           </a:p>
@@ -2301,7 +2301,7 @@
           <a:p>
             <a:fld id="{2C237B7F-46F1-D640-8998-AC68C5BC49AA}" type="datetimeFigureOut">
               <a:rPr kumimoji="1" lang="ja-JP" altLang="en-US" smtClean="0"/>
-              <a:t>2023/10/23</a:t>
+              <a:t>2023/10/24</a:t>
             </a:fld>
             <a:endParaRPr kumimoji="1" lang="ja-JP" altLang="en-US"/>
           </a:p>
@@ -2644,7 +2644,7 @@
           <a:p>
             <a:fld id="{2C237B7F-46F1-D640-8998-AC68C5BC49AA}" type="datetimeFigureOut">
               <a:rPr kumimoji="1" lang="ja-JP" altLang="en-US" smtClean="0"/>
-              <a:t>2023/10/23</a:t>
+              <a:t>2023/10/24</a:t>
             </a:fld>
             <a:endParaRPr kumimoji="1" lang="ja-JP" altLang="en-US"/>
           </a:p>
@@ -2932,7 +2932,7 @@
           <a:p>
             <a:fld id="{2C237B7F-46F1-D640-8998-AC68C5BC49AA}" type="datetimeFigureOut">
               <a:rPr kumimoji="1" lang="ja-JP" altLang="en-US" smtClean="0"/>
-              <a:t>2023/10/23</a:t>
+              <a:t>2023/10/24</a:t>
             </a:fld>
             <a:endParaRPr kumimoji="1" lang="ja-JP" altLang="en-US"/>
           </a:p>
@@ -3205,7 +3205,7 @@
           <a:p>
             <a:fld id="{2C237B7F-46F1-D640-8998-AC68C5BC49AA}" type="datetimeFigureOut">
               <a:rPr kumimoji="1" lang="ja-JP" altLang="en-US" smtClean="0"/>
-              <a:t>2023/10/23</a:t>
+              <a:t>2023/10/24</a:t>
             </a:fld>
             <a:endParaRPr kumimoji="1" lang="ja-JP" altLang="en-US"/>
           </a:p>
@@ -5625,7 +5625,15 @@
             </a:r>
             <a:r>
               <a:rPr lang="en-US" altLang="ja-JP" dirty="0"/>
-              <a:t>)	/todo/		POST		JSON</a:t>
+              <a:t>)	/todo/	</a:t>
+            </a:r>
+            <a:r>
+              <a:rPr lang="en-US" altLang="ja-JP"/>
+              <a:t>	GET</a:t>
+            </a:r>
+            <a:r>
+              <a:rPr lang="en-US" altLang="ja-JP" dirty="0"/>
+              <a:t>		JSON</a:t>
             </a:r>
             <a:r>
               <a:rPr lang="ja-JP" altLang="en-US"/>
